--- a/Week_7/Day_4/Miniproject 4.pptx
+++ b/Week_7/Day_4/Miniproject 4.pptx
@@ -2,7 +2,7 @@
 <file path=ppt/presentation.xml><?xml version="1.0" encoding="utf-8"?>
 <p:presentation xmlns:a="http://schemas.openxmlformats.org/drawingml/2006/main" xmlns:r="http://schemas.openxmlformats.org/officeDocument/2006/relationships" xmlns:p="http://schemas.openxmlformats.org/presentationml/2006/main" saveSubsetFonts="1">
   <p:sldMasterIdLst>
-    <p:sldMasterId id="2147483660" r:id="rId1"/>
+    <p:sldMasterId id="2147483678" r:id="rId1"/>
   </p:sldMasterIdLst>
   <p:notesMasterIdLst>
     <p:notesMasterId r:id="rId11"/>
@@ -14,8 +14,8 @@
     <p:sldId id="265" r:id="rId5"/>
     <p:sldId id="258" r:id="rId6"/>
     <p:sldId id="267" r:id="rId7"/>
-    <p:sldId id="259" r:id="rId8"/>
-    <p:sldId id="266" r:id="rId9"/>
+    <p:sldId id="268" r:id="rId8"/>
+    <p:sldId id="259" r:id="rId9"/>
     <p:sldId id="264" r:id="rId10"/>
   </p:sldIdLst>
   <p:sldSz cx="12192000" cy="6858000"/>
@@ -205,7 +205,7 @@
           <a:p>
             <a:fld id="{81A8A069-BA3D-46A6-8556-56944FDB635F}" type="datetimeFigureOut">
               <a:rPr lang="en-CA" smtClean="0"/>
-              <a:t>9/2/2021</a:t>
+              <a:t>9/3/2021</a:t>
             </a:fld>
             <a:endParaRPr lang="en-CA"/>
           </a:p>
@@ -519,8 +519,162 @@
           <a:p>
             <a:r>
               <a:rPr lang="en-CA" dirty="0"/>
-              <a:t>Nik</a:t>
-            </a:r>
+              <a:t>Simon’s feedback:</a:t>
+            </a:r>
+          </a:p>
+          <a:p>
+            <a:r>
+              <a:rPr lang="en-CA" dirty="0"/>
+              <a:t>- Liked the Outline and the simplicity of the Objective slide</a:t>
+            </a:r>
+          </a:p>
+          <a:p>
+            <a:r>
+              <a:rPr lang="en-CA" dirty="0"/>
+              <a:t>- IDEs/Packages</a:t>
+            </a:r>
+            <a:r>
+              <a:rPr lang="en-CA" baseline="0" dirty="0"/>
+              <a:t> are less important; classifier types are more important.</a:t>
+            </a:r>
+            <a:endParaRPr lang="en-CA" dirty="0"/>
+          </a:p>
+          <a:p>
+            <a:pPr marL="0" indent="0">
+              <a:buFontTx/>
+              <a:buNone/>
+            </a:pPr>
+            <a:r>
+              <a:rPr lang="en-CA" dirty="0"/>
+              <a:t>- Could use correlation matrix to explain</a:t>
+            </a:r>
+            <a:r>
+              <a:rPr lang="en-CA" baseline="0" dirty="0"/>
+              <a:t> Urban importance</a:t>
+            </a:r>
+          </a:p>
+          <a:p>
+            <a:pPr marL="171450" indent="-171450">
+              <a:buFontTx/>
+              <a:buChar char="-"/>
+            </a:pPr>
+            <a:r>
+              <a:rPr lang="en-CA" baseline="0" dirty="0"/>
+              <a:t>Try to compare model accuracy to some kind of baseline (from Garrett: “based on the data there are 614 entries, 422 approved so 68.7% approval rate”)</a:t>
+            </a:r>
+          </a:p>
+          <a:p>
+            <a:pPr marL="171450" indent="-171450">
+              <a:buFontTx/>
+              <a:buChar char="-"/>
+            </a:pPr>
+            <a:r>
+              <a:rPr lang="en-CA" baseline="0" dirty="0"/>
+              <a:t>Keep track of how metrics change when adding/removing features</a:t>
+            </a:r>
+            <a:endParaRPr lang="en-CA" dirty="0"/>
+          </a:p>
+          <a:p>
+            <a:endParaRPr lang="en-CA" dirty="0"/>
+          </a:p>
+          <a:p>
+            <a:endParaRPr lang="en-CA" dirty="0"/>
+          </a:p>
+          <a:p>
+            <a:endParaRPr lang="en-CA" dirty="0"/>
+          </a:p>
+          <a:p>
+            <a:endParaRPr lang="en-CA" dirty="0"/>
+          </a:p>
+          <a:p>
+            <a:endParaRPr lang="en-CA" dirty="0"/>
+          </a:p>
+          <a:p>
+            <a:endParaRPr lang="en-CA" dirty="0"/>
+          </a:p>
+          <a:p>
+            <a:endParaRPr lang="en-CA" dirty="0"/>
+          </a:p>
+          <a:p>
+            <a:endParaRPr lang="en-CA" dirty="0"/>
+          </a:p>
+          <a:p>
+            <a:endParaRPr lang="en-CA" dirty="0"/>
+          </a:p>
+          <a:p>
+            <a:endParaRPr lang="en-CA" dirty="0"/>
+          </a:p>
+          <a:p>
+            <a:endParaRPr lang="en-CA" dirty="0"/>
+          </a:p>
+          <a:p>
+            <a:endParaRPr lang="en-CA" dirty="0"/>
+          </a:p>
+          <a:p>
+            <a:endParaRPr lang="en-CA" dirty="0"/>
+          </a:p>
+          <a:p>
+            <a:endParaRPr lang="en-CA" dirty="0"/>
+          </a:p>
+          <a:p>
+            <a:endParaRPr lang="en-CA" dirty="0"/>
+          </a:p>
+          <a:p>
+            <a:endParaRPr lang="en-CA" dirty="0"/>
+          </a:p>
+          <a:p>
+            <a:endParaRPr lang="en-CA" dirty="0"/>
+          </a:p>
+          <a:p>
+            <a:endParaRPr lang="en-CA" dirty="0"/>
+          </a:p>
+          <a:p>
+            <a:endParaRPr lang="en-CA" dirty="0"/>
+          </a:p>
+          <a:p>
+            <a:endParaRPr lang="en-CA" dirty="0"/>
+          </a:p>
+          <a:p>
+            <a:endParaRPr lang="en-CA" dirty="0"/>
+          </a:p>
+          <a:p>
+            <a:endParaRPr lang="en-CA" dirty="0"/>
+          </a:p>
+          <a:p>
+            <a:endParaRPr lang="en-CA" dirty="0"/>
+          </a:p>
+          <a:p>
+            <a:endParaRPr lang="en-CA" dirty="0"/>
+          </a:p>
+          <a:p>
+            <a:endParaRPr lang="en-CA" dirty="0"/>
+          </a:p>
+          <a:p>
+            <a:endParaRPr lang="en-CA" dirty="0"/>
+          </a:p>
+          <a:p>
+            <a:endParaRPr lang="en-CA" dirty="0"/>
+          </a:p>
+          <a:p>
+            <a:endParaRPr lang="en-CA" dirty="0"/>
+          </a:p>
+          <a:p>
+            <a:endParaRPr lang="en-CA" dirty="0"/>
+          </a:p>
+          <a:p>
+            <a:endParaRPr lang="en-CA" dirty="0"/>
+          </a:p>
+          <a:p>
+            <a:endParaRPr lang="en-CA" dirty="0"/>
+          </a:p>
+          <a:p>
+            <a:endParaRPr lang="en-CA" dirty="0"/>
+          </a:p>
+          <a:p>
+            <a:endParaRPr lang="en-CA" dirty="0"/>
+          </a:p>
+          <a:p>
+            <a:endParaRPr lang="en-CA" dirty="0"/>
           </a:p>
           <a:p>
             <a:endParaRPr lang="en-CA" dirty="0"/>
@@ -1220,6 +1374,34 @@
           <a:bodyPr/>
           <a:lstStyle/>
           <a:p>
+            <a:pPr marL="0" marR="0" lvl="0" indent="0" algn="l" defTabSz="914400" rtl="0" eaLnBrk="1" fontAlgn="auto" latinLnBrk="0" hangingPunct="1">
+              <a:lnSpc>
+                <a:spcPct val="100000"/>
+              </a:lnSpc>
+              <a:spcBef>
+                <a:spcPts val="0"/>
+              </a:spcBef>
+              <a:spcAft>
+                <a:spcPts val="0"/>
+              </a:spcAft>
+              <a:buClrTx/>
+              <a:buSzTx/>
+              <a:buFontTx/>
+              <a:buNone/>
+              <a:tabLst/>
+              <a:defRPr/>
+            </a:pPr>
+            <a:r>
+              <a:rPr lang="en-CA" sz="1200" dirty="0"/>
+              <a:t>Other factors are more important for rural applicants since the denials and approvals are closer in</a:t>
+            </a:r>
+            <a:r>
+              <a:rPr lang="en-CA" sz="1200" baseline="0" dirty="0"/>
+              <a:t> number.</a:t>
+            </a:r>
+            <a:endParaRPr lang="en-CA" sz="1200" dirty="0"/>
+          </a:p>
+          <a:p>
             <a:pPr marL="0" indent="0">
               <a:buFontTx/>
               <a:buNone/>
@@ -1254,7 +1436,7 @@
     </p:spTree>
     <p:extLst>
       <p:ext uri="{BB962C8B-B14F-4D97-AF65-F5344CB8AC3E}">
-        <p14:creationId xmlns:p14="http://schemas.microsoft.com/office/powerpoint/2010/main" val="4244008063"/>
+        <p14:creationId xmlns:p14="http://schemas.microsoft.com/office/powerpoint/2010/main" val="3644829237"/>
       </p:ext>
     </p:extLst>
   </p:cSld>
@@ -1312,7 +1494,79 @@
               <a:buFontTx/>
               <a:buNone/>
             </a:pPr>
+            <a:r>
+              <a:rPr lang="en-CA" dirty="0"/>
+              <a:t>Top 20 features.</a:t>
+            </a:r>
+          </a:p>
+          <a:p>
+            <a:pPr marL="0" indent="0">
+              <a:buFontTx/>
+              <a:buNone/>
+            </a:pPr>
             <a:endParaRPr lang="en-CA" dirty="0"/>
+          </a:p>
+          <a:p>
+            <a:pPr marL="0" indent="0">
+              <a:buFontTx/>
+              <a:buNone/>
+            </a:pPr>
+            <a:r>
+              <a:rPr lang="en-CA" dirty="0"/>
+              <a:t>Urban importance could be a combination of factors.</a:t>
+            </a:r>
+            <a:r>
+              <a:rPr lang="en-CA" baseline="0" dirty="0"/>
+              <a:t> Perhaps higher average income, or the model picked up on other behavior.</a:t>
+            </a:r>
+            <a:endParaRPr lang="en-CA" dirty="0"/>
+          </a:p>
+          <a:p>
+            <a:pPr marL="0" indent="0">
+              <a:buFontTx/>
+              <a:buNone/>
+            </a:pPr>
+            <a:endParaRPr lang="en-CA" dirty="0"/>
+          </a:p>
+          <a:p>
+            <a:pPr marL="0" indent="0">
+              <a:buFontTx/>
+              <a:buNone/>
+            </a:pPr>
+            <a:r>
+              <a:rPr lang="en-CA" dirty="0"/>
+              <a:t>x1: Married?</a:t>
+            </a:r>
+          </a:p>
+          <a:p>
+            <a:pPr marL="0" indent="0">
+              <a:buFontTx/>
+              <a:buNone/>
+            </a:pPr>
+            <a:r>
+              <a:rPr lang="en-CA" dirty="0"/>
+              <a:t>x2: Number of dependents</a:t>
+            </a:r>
+          </a:p>
+          <a:p>
+            <a:pPr marL="0" indent="0">
+              <a:buFontTx/>
+              <a:buNone/>
+            </a:pPr>
+            <a:r>
+              <a:rPr lang="en-CA" dirty="0"/>
+              <a:t>x4: Self-employed?</a:t>
+            </a:r>
+          </a:p>
+          <a:p>
+            <a:pPr marL="0" indent="0">
+              <a:buFontTx/>
+              <a:buNone/>
+            </a:pPr>
+            <a:r>
+              <a:rPr lang="en-CA" dirty="0"/>
+              <a:t>x6: Credit History?</a:t>
+            </a:r>
           </a:p>
         </p:txBody>
       </p:sp>
@@ -1342,7 +1596,7 @@
     </p:spTree>
     <p:extLst>
       <p:ext uri="{BB962C8B-B14F-4D97-AF65-F5344CB8AC3E}">
-        <p14:creationId xmlns:p14="http://schemas.microsoft.com/office/powerpoint/2010/main" val="31904599"/>
+        <p14:creationId xmlns:p14="http://schemas.microsoft.com/office/powerpoint/2010/main" val="4244008063"/>
       </p:ext>
     </p:extLst>
   </p:cSld>
@@ -1472,192 +1726,125 @@
       </p:grpSpPr>
       <p:grpSp>
         <p:nvGrpSpPr>
-          <p:cNvPr id="19" name="Group 18"/>
+          <p:cNvPr id="7" name="Group 6"/>
           <p:cNvGrpSpPr/>
           <p:nvPr/>
         </p:nvGrpSpPr>
         <p:grpSpPr>
           <a:xfrm>
-            <a:off x="546100" y="-4763"/>
-            <a:ext cx="5014912" cy="6862763"/>
-            <a:chOff x="2928938" y="-4763"/>
-            <a:chExt cx="5014912" cy="6862763"/>
+            <a:off x="0" y="-8467"/>
+            <a:ext cx="12192000" cy="6866467"/>
+            <a:chOff x="0" y="-8467"/>
+            <a:chExt cx="12192000" cy="6866467"/>
           </a:xfrm>
         </p:grpSpPr>
+        <p:cxnSp>
+          <p:nvCxnSpPr>
+            <p:cNvPr id="32" name="Straight Connector 31"/>
+            <p:cNvCxnSpPr/>
+            <p:nvPr/>
+          </p:nvCxnSpPr>
+          <p:spPr>
+            <a:xfrm>
+              <a:off x="9371012" y="0"/>
+              <a:ext cx="1219200" cy="6858000"/>
+            </a:xfrm>
+            <a:prstGeom prst="line">
+              <a:avLst/>
+            </a:prstGeom>
+            <a:ln w="9525">
+              <a:solidFill>
+                <a:schemeClr val="bg1">
+                  <a:lumMod val="75000"/>
+                </a:schemeClr>
+              </a:solidFill>
+            </a:ln>
+          </p:spPr>
+          <p:style>
+            <a:lnRef idx="2">
+              <a:schemeClr val="accent1"/>
+            </a:lnRef>
+            <a:fillRef idx="0">
+              <a:schemeClr val="accent1"/>
+            </a:fillRef>
+            <a:effectRef idx="1">
+              <a:schemeClr val="accent1"/>
+            </a:effectRef>
+            <a:fontRef idx="minor">
+              <a:schemeClr val="tx1"/>
+            </a:fontRef>
+          </p:style>
+        </p:cxnSp>
+        <p:cxnSp>
+          <p:nvCxnSpPr>
+            <p:cNvPr id="21" name="Straight Connector 20"/>
+            <p:cNvCxnSpPr/>
+            <p:nvPr/>
+          </p:nvCxnSpPr>
+          <p:spPr>
+            <a:xfrm flipH="1">
+              <a:off x="7425267" y="3681413"/>
+              <a:ext cx="4763558" cy="3176587"/>
+            </a:xfrm>
+            <a:prstGeom prst="line">
+              <a:avLst/>
+            </a:prstGeom>
+            <a:ln w="9525">
+              <a:solidFill>
+                <a:schemeClr val="bg1">
+                  <a:lumMod val="85000"/>
+                </a:schemeClr>
+              </a:solidFill>
+            </a:ln>
+          </p:spPr>
+          <p:style>
+            <a:lnRef idx="2">
+              <a:schemeClr val="accent1"/>
+            </a:lnRef>
+            <a:fillRef idx="0">
+              <a:schemeClr val="accent1"/>
+            </a:fillRef>
+            <a:effectRef idx="1">
+              <a:schemeClr val="accent1"/>
+            </a:effectRef>
+            <a:fontRef idx="minor">
+              <a:schemeClr val="tx1"/>
+            </a:fontRef>
+          </p:style>
+        </p:cxnSp>
         <p:sp>
           <p:nvSpPr>
-            <p:cNvPr id="22" name="Freeform 6"/>
+            <p:cNvPr id="24" name="Rectangle 23"/>
             <p:cNvSpPr/>
             <p:nvPr/>
           </p:nvSpPr>
-          <p:spPr bwMode="auto">
+          <p:spPr>
             <a:xfrm>
-              <a:off x="3367088" y="-4763"/>
-              <a:ext cx="1063625" cy="2782888"/>
+              <a:off x="9181476" y="-8467"/>
+              <a:ext cx="3007349" cy="6866467"/>
             </a:xfrm>
             <a:custGeom>
               <a:avLst/>
               <a:gdLst/>
               <a:ahLst/>
               <a:cxnLst/>
-              <a:rect l="0" t="0" r="r" b="b"/>
+              <a:rect l="l" t="t" r="r" b="b"/>
               <a:pathLst>
-                <a:path w="670" h="1753">
+                <a:path w="3007349" h="6866467">
                   <a:moveTo>
-                    <a:pt x="0" y="1696"/>
+                    <a:pt x="2045532" y="0"/>
                   </a:moveTo>
                   <a:lnTo>
-                    <a:pt x="225" y="1753"/>
+                    <a:pt x="3007349" y="0"/>
                   </a:lnTo>
                   <a:lnTo>
-                    <a:pt x="670" y="0"/>
+                    <a:pt x="3007349" y="6866467"/>
                   </a:lnTo>
                   <a:lnTo>
-                    <a:pt x="430" y="0"/>
+                    <a:pt x="0" y="6866467"/>
                   </a:lnTo>
                   <a:lnTo>
-                    <a:pt x="0" y="1696"/>
-                  </a:lnTo>
-                  <a:close/>
-                </a:path>
-              </a:pathLst>
-            </a:custGeom>
-            <a:solidFill>
-              <a:schemeClr val="accent1"/>
-            </a:solidFill>
-            <a:ln>
-              <a:noFill/>
-            </a:ln>
-          </p:spPr>
-        </p:sp>
-        <p:sp>
-          <p:nvSpPr>
-            <p:cNvPr id="23" name="Freeform 7"/>
-            <p:cNvSpPr/>
-            <p:nvPr/>
-          </p:nvSpPr>
-          <p:spPr bwMode="auto">
-            <a:xfrm>
-              <a:off x="2928938" y="-4763"/>
-              <a:ext cx="1035050" cy="2673350"/>
-            </a:xfrm>
-            <a:custGeom>
-              <a:avLst/>
-              <a:gdLst/>
-              <a:ahLst/>
-              <a:cxnLst/>
-              <a:rect l="0" t="0" r="r" b="b"/>
-              <a:pathLst>
-                <a:path w="652" h="1684">
-                  <a:moveTo>
-                    <a:pt x="225" y="1684"/>
-                  </a:moveTo>
-                  <a:lnTo>
-                    <a:pt x="652" y="0"/>
-                  </a:lnTo>
-                  <a:lnTo>
-                    <a:pt x="411" y="0"/>
-                  </a:lnTo>
-                  <a:lnTo>
-                    <a:pt x="0" y="1627"/>
-                  </a:lnTo>
-                  <a:lnTo>
-                    <a:pt x="219" y="1681"/>
-                  </a:lnTo>
-                  <a:lnTo>
-                    <a:pt x="225" y="1684"/>
-                  </a:lnTo>
-                  <a:close/>
-                </a:path>
-              </a:pathLst>
-            </a:custGeom>
-            <a:solidFill>
-              <a:schemeClr val="tx1">
-                <a:lumMod val="65000"/>
-                <a:lumOff val="35000"/>
-              </a:schemeClr>
-            </a:solidFill>
-            <a:ln>
-              <a:noFill/>
-            </a:ln>
-          </p:spPr>
-        </p:sp>
-        <p:sp>
-          <p:nvSpPr>
-            <p:cNvPr id="24" name="Freeform 9"/>
-            <p:cNvSpPr/>
-            <p:nvPr/>
-          </p:nvSpPr>
-          <p:spPr bwMode="auto">
-            <a:xfrm>
-              <a:off x="2928938" y="2582862"/>
-              <a:ext cx="2693987" cy="4275138"/>
-            </a:xfrm>
-            <a:custGeom>
-              <a:avLst/>
-              <a:gdLst/>
-              <a:ahLst/>
-              <a:cxnLst/>
-              <a:rect l="0" t="0" r="r" b="b"/>
-              <a:pathLst>
-                <a:path w="1697" h="2693">
-                  <a:moveTo>
-                    <a:pt x="0" y="0"/>
-                  </a:moveTo>
-                  <a:lnTo>
-                    <a:pt x="1622" y="2693"/>
-                  </a:lnTo>
-                  <a:lnTo>
-                    <a:pt x="1697" y="2693"/>
-                  </a:lnTo>
-                  <a:lnTo>
-                    <a:pt x="0" y="0"/>
-                  </a:lnTo>
-                  <a:close/>
-                </a:path>
-              </a:pathLst>
-            </a:custGeom>
-            <a:solidFill>
-              <a:schemeClr val="tx1">
-                <a:lumMod val="85000"/>
-                <a:lumOff val="15000"/>
-              </a:schemeClr>
-            </a:solidFill>
-            <a:ln>
-              <a:noFill/>
-            </a:ln>
-          </p:spPr>
-        </p:sp>
-        <p:sp>
-          <p:nvSpPr>
-            <p:cNvPr id="25" name="Freeform 10"/>
-            <p:cNvSpPr/>
-            <p:nvPr/>
-          </p:nvSpPr>
-          <p:spPr bwMode="auto">
-            <a:xfrm>
-              <a:off x="3371850" y="2692400"/>
-              <a:ext cx="3332162" cy="4165600"/>
-            </a:xfrm>
-            <a:custGeom>
-              <a:avLst/>
-              <a:gdLst/>
-              <a:ahLst/>
-              <a:cxnLst/>
-              <a:rect l="0" t="0" r="r" b="b"/>
-              <a:pathLst>
-                <a:path w="2099" h="2624">
-                  <a:moveTo>
-                    <a:pt x="2099" y="2624"/>
-                  </a:moveTo>
-                  <a:lnTo>
-                    <a:pt x="0" y="0"/>
-                  </a:lnTo>
-                  <a:lnTo>
-                    <a:pt x="2021" y="2624"/>
-                  </a:lnTo>
-                  <a:lnTo>
-                    <a:pt x="2099" y="2624"/>
+                    <a:pt x="2045532" y="0"/>
                   </a:lnTo>
                   <a:close/>
                 </a:path>
@@ -1665,47 +1852,59 @@
             </a:custGeom>
             <a:solidFill>
               <a:schemeClr val="accent1">
-                <a:lumMod val="50000"/>
+                <a:alpha val="30000"/>
               </a:schemeClr>
             </a:solidFill>
             <a:ln>
               <a:noFill/>
             </a:ln>
+            <a:effectLst/>
           </p:spPr>
+          <p:style>
+            <a:lnRef idx="1">
+              <a:schemeClr val="accent1"/>
+            </a:lnRef>
+            <a:fillRef idx="3">
+              <a:schemeClr val="accent1"/>
+            </a:fillRef>
+            <a:effectRef idx="2">
+              <a:schemeClr val="accent1"/>
+            </a:effectRef>
+            <a:fontRef idx="minor">
+              <a:schemeClr val="lt1"/>
+            </a:fontRef>
+          </p:style>
         </p:sp>
         <p:sp>
           <p:nvSpPr>
-            <p:cNvPr id="26" name="Freeform 11"/>
+            <p:cNvPr id="26" name="Rectangle 25"/>
             <p:cNvSpPr/>
             <p:nvPr/>
           </p:nvSpPr>
-          <p:spPr bwMode="auto">
+          <p:spPr>
             <a:xfrm>
-              <a:off x="3367088" y="2687637"/>
-              <a:ext cx="4576762" cy="4170363"/>
+              <a:off x="9603442" y="-8467"/>
+              <a:ext cx="2588558" cy="6866467"/>
             </a:xfrm>
             <a:custGeom>
               <a:avLst/>
               <a:gdLst/>
               <a:ahLst/>
               <a:cxnLst/>
-              <a:rect l="0" t="0" r="r" b="b"/>
+              <a:rect l="l" t="t" r="r" b="b"/>
               <a:pathLst>
-                <a:path w="2883" h="2627">
+                <a:path w="2573311" h="6866467">
                   <a:moveTo>
                     <a:pt x="0" y="0"/>
                   </a:moveTo>
                   <a:lnTo>
-                    <a:pt x="3" y="3"/>
+                    <a:pt x="2573311" y="0"/>
                   </a:lnTo>
                   <a:lnTo>
-                    <a:pt x="2102" y="2627"/>
+                    <a:pt x="2573311" y="6866467"/>
                   </a:lnTo>
                   <a:lnTo>
-                    <a:pt x="2883" y="2627"/>
-                  </a:lnTo>
-                  <a:lnTo>
-                    <a:pt x="225" y="57"/>
+                    <a:pt x="1202336" y="6866467"/>
                   </a:lnTo>
                   <a:lnTo>
                     <a:pt x="0" y="0"/>
@@ -1716,71 +1915,343 @@
             </a:custGeom>
             <a:solidFill>
               <a:schemeClr val="accent1">
-                <a:lumMod val="75000"/>
+                <a:alpha val="20000"/>
               </a:schemeClr>
             </a:solidFill>
             <a:ln>
               <a:noFill/>
             </a:ln>
+            <a:effectLst/>
           </p:spPr>
+          <p:style>
+            <a:lnRef idx="1">
+              <a:schemeClr val="accent1"/>
+            </a:lnRef>
+            <a:fillRef idx="3">
+              <a:schemeClr val="accent1"/>
+            </a:fillRef>
+            <a:effectRef idx="2">
+              <a:schemeClr val="accent1"/>
+            </a:effectRef>
+            <a:fontRef idx="minor">
+              <a:schemeClr val="lt1"/>
+            </a:fontRef>
+          </p:style>
         </p:sp>
         <p:sp>
           <p:nvSpPr>
-            <p:cNvPr id="27" name="Freeform 12"/>
+            <p:cNvPr id="27" name="Isosceles Triangle 26"/>
             <p:cNvSpPr/>
             <p:nvPr/>
           </p:nvSpPr>
-          <p:spPr bwMode="auto">
+          <p:spPr>
             <a:xfrm>
-              <a:off x="2928938" y="2578100"/>
-              <a:ext cx="3584575" cy="4279900"/>
+              <a:off x="8932333" y="3048000"/>
+              <a:ext cx="3259667" cy="3810000"/>
+            </a:xfrm>
+            <a:prstGeom prst="triangle">
+              <a:avLst>
+                <a:gd name="adj" fmla="val 100000"/>
+              </a:avLst>
+            </a:prstGeom>
+            <a:solidFill>
+              <a:schemeClr val="accent2">
+                <a:alpha val="72000"/>
+              </a:schemeClr>
+            </a:solidFill>
+            <a:ln>
+              <a:noFill/>
+            </a:ln>
+            <a:effectLst/>
+          </p:spPr>
+          <p:style>
+            <a:lnRef idx="1">
+              <a:schemeClr val="accent1"/>
+            </a:lnRef>
+            <a:fillRef idx="3">
+              <a:schemeClr val="accent1"/>
+            </a:fillRef>
+            <a:effectRef idx="2">
+              <a:schemeClr val="accent1"/>
+            </a:effectRef>
+            <a:fontRef idx="minor">
+              <a:schemeClr val="lt1"/>
+            </a:fontRef>
+          </p:style>
+        </p:sp>
+        <p:sp>
+          <p:nvSpPr>
+            <p:cNvPr id="28" name="Rectangle 27"/>
+            <p:cNvSpPr/>
+            <p:nvPr/>
+          </p:nvSpPr>
+          <p:spPr>
+            <a:xfrm>
+              <a:off x="9334500" y="-8467"/>
+              <a:ext cx="2854326" cy="6866467"/>
             </a:xfrm>
             <a:custGeom>
               <a:avLst/>
               <a:gdLst/>
               <a:ahLst/>
               <a:cxnLst/>
-              <a:rect l="0" t="0" r="r" b="b"/>
+              <a:rect l="l" t="t" r="r" b="b"/>
               <a:pathLst>
-                <a:path w="2258" h="2696">
+                <a:path w="2858013" h="6866467">
                   <a:moveTo>
-                    <a:pt x="2258" y="2696"/>
+                    <a:pt x="0" y="0"/>
                   </a:moveTo>
                   <a:lnTo>
-                    <a:pt x="264" y="111"/>
+                    <a:pt x="2858013" y="0"/>
                   </a:lnTo>
                   <a:lnTo>
-                    <a:pt x="228" y="60"/>
+                    <a:pt x="2858013" y="6866467"/>
                   </a:lnTo>
                   <a:lnTo>
-                    <a:pt x="225" y="57"/>
+                    <a:pt x="2473942" y="6866467"/>
                   </a:lnTo>
                   <a:lnTo>
                     <a:pt x="0" y="0"/>
-                  </a:lnTo>
-                  <a:lnTo>
-                    <a:pt x="0" y="3"/>
-                  </a:lnTo>
-                  <a:lnTo>
-                    <a:pt x="1697" y="2696"/>
-                  </a:lnTo>
-                  <a:lnTo>
-                    <a:pt x="2258" y="2696"/>
                   </a:lnTo>
                   <a:close/>
                 </a:path>
               </a:pathLst>
             </a:custGeom>
             <a:solidFill>
-              <a:schemeClr val="tx1">
+              <a:schemeClr val="accent2">
                 <a:lumMod val="75000"/>
-                <a:lumOff val="25000"/>
+                <a:alpha val="70000"/>
               </a:schemeClr>
             </a:solidFill>
             <a:ln>
               <a:noFill/>
             </a:ln>
+            <a:effectLst/>
           </p:spPr>
+          <p:style>
+            <a:lnRef idx="1">
+              <a:schemeClr val="accent1"/>
+            </a:lnRef>
+            <a:fillRef idx="3">
+              <a:schemeClr val="accent1"/>
+            </a:fillRef>
+            <a:effectRef idx="2">
+              <a:schemeClr val="accent1"/>
+            </a:effectRef>
+            <a:fontRef idx="minor">
+              <a:schemeClr val="lt1"/>
+            </a:fontRef>
+          </p:style>
+        </p:sp>
+        <p:sp>
+          <p:nvSpPr>
+            <p:cNvPr id="29" name="Rectangle 28"/>
+            <p:cNvSpPr/>
+            <p:nvPr/>
+          </p:nvSpPr>
+          <p:spPr>
+            <a:xfrm>
+              <a:off x="10898730" y="-8467"/>
+              <a:ext cx="1290094" cy="6866467"/>
+            </a:xfrm>
+            <a:custGeom>
+              <a:avLst/>
+              <a:gdLst/>
+              <a:ahLst/>
+              <a:cxnLst/>
+              <a:rect l="l" t="t" r="r" b="b"/>
+              <a:pathLst>
+                <a:path w="1290094" h="6858000">
+                  <a:moveTo>
+                    <a:pt x="1019735" y="0"/>
+                  </a:moveTo>
+                  <a:lnTo>
+                    <a:pt x="1290094" y="0"/>
+                  </a:lnTo>
+                  <a:lnTo>
+                    <a:pt x="1290094" y="6858000"/>
+                  </a:lnTo>
+                  <a:lnTo>
+                    <a:pt x="0" y="6858000"/>
+                  </a:lnTo>
+                  <a:lnTo>
+                    <a:pt x="1019735" y="0"/>
+                  </a:lnTo>
+                  <a:close/>
+                </a:path>
+              </a:pathLst>
+            </a:custGeom>
+            <a:solidFill>
+              <a:schemeClr val="accent1">
+                <a:lumMod val="60000"/>
+                <a:lumOff val="40000"/>
+                <a:alpha val="70000"/>
+              </a:schemeClr>
+            </a:solidFill>
+            <a:ln>
+              <a:noFill/>
+            </a:ln>
+            <a:effectLst/>
+          </p:spPr>
+          <p:style>
+            <a:lnRef idx="1">
+              <a:schemeClr val="accent1"/>
+            </a:lnRef>
+            <a:fillRef idx="3">
+              <a:schemeClr val="accent1"/>
+            </a:fillRef>
+            <a:effectRef idx="2">
+              <a:schemeClr val="accent1"/>
+            </a:effectRef>
+            <a:fontRef idx="minor">
+              <a:schemeClr val="lt1"/>
+            </a:fontRef>
+          </p:style>
+        </p:sp>
+        <p:sp>
+          <p:nvSpPr>
+            <p:cNvPr id="30" name="Rectangle 29"/>
+            <p:cNvSpPr/>
+            <p:nvPr/>
+          </p:nvSpPr>
+          <p:spPr>
+            <a:xfrm>
+              <a:off x="10938999" y="-8467"/>
+              <a:ext cx="1249825" cy="6866467"/>
+            </a:xfrm>
+            <a:custGeom>
+              <a:avLst/>
+              <a:gdLst/>
+              <a:ahLst/>
+              <a:cxnLst/>
+              <a:rect l="l" t="t" r="r" b="b"/>
+              <a:pathLst>
+                <a:path w="1249825" h="6858000">
+                  <a:moveTo>
+                    <a:pt x="0" y="0"/>
+                  </a:moveTo>
+                  <a:lnTo>
+                    <a:pt x="1249825" y="0"/>
+                  </a:lnTo>
+                  <a:lnTo>
+                    <a:pt x="1249825" y="6858000"/>
+                  </a:lnTo>
+                  <a:lnTo>
+                    <a:pt x="1109382" y="6858000"/>
+                  </a:lnTo>
+                  <a:lnTo>
+                    <a:pt x="0" y="0"/>
+                  </a:lnTo>
+                  <a:close/>
+                </a:path>
+              </a:pathLst>
+            </a:custGeom>
+            <a:solidFill>
+              <a:schemeClr val="accent1">
+                <a:alpha val="65000"/>
+              </a:schemeClr>
+            </a:solidFill>
+            <a:ln>
+              <a:noFill/>
+            </a:ln>
+            <a:effectLst/>
+          </p:spPr>
+          <p:style>
+            <a:lnRef idx="1">
+              <a:schemeClr val="accent1"/>
+            </a:lnRef>
+            <a:fillRef idx="3">
+              <a:schemeClr val="accent1"/>
+            </a:fillRef>
+            <a:effectRef idx="2">
+              <a:schemeClr val="accent1"/>
+            </a:effectRef>
+            <a:fontRef idx="minor">
+              <a:schemeClr val="lt1"/>
+            </a:fontRef>
+          </p:style>
+        </p:sp>
+        <p:sp>
+          <p:nvSpPr>
+            <p:cNvPr id="31" name="Isosceles Triangle 30"/>
+            <p:cNvSpPr/>
+            <p:nvPr/>
+          </p:nvSpPr>
+          <p:spPr>
+            <a:xfrm>
+              <a:off x="10371666" y="3589867"/>
+              <a:ext cx="1817159" cy="3268133"/>
+            </a:xfrm>
+            <a:prstGeom prst="triangle">
+              <a:avLst>
+                <a:gd name="adj" fmla="val 100000"/>
+              </a:avLst>
+            </a:prstGeom>
+            <a:solidFill>
+              <a:schemeClr val="accent1">
+                <a:alpha val="80000"/>
+              </a:schemeClr>
+            </a:solidFill>
+            <a:ln>
+              <a:noFill/>
+            </a:ln>
+            <a:effectLst/>
+          </p:spPr>
+          <p:style>
+            <a:lnRef idx="1">
+              <a:schemeClr val="accent1"/>
+            </a:lnRef>
+            <a:fillRef idx="3">
+              <a:schemeClr val="accent1"/>
+            </a:fillRef>
+            <a:effectRef idx="2">
+              <a:schemeClr val="accent1"/>
+            </a:effectRef>
+            <a:fontRef idx="minor">
+              <a:schemeClr val="lt1"/>
+            </a:fontRef>
+          </p:style>
+        </p:sp>
+        <p:sp>
+          <p:nvSpPr>
+            <p:cNvPr id="19" name="Isosceles Triangle 18"/>
+            <p:cNvSpPr/>
+            <p:nvPr/>
+          </p:nvSpPr>
+          <p:spPr>
+            <a:xfrm rot="10800000">
+              <a:off x="0" y="0"/>
+              <a:ext cx="842596" cy="5666154"/>
+            </a:xfrm>
+            <a:prstGeom prst="triangle">
+              <a:avLst>
+                <a:gd name="adj" fmla="val 100000"/>
+              </a:avLst>
+            </a:prstGeom>
+            <a:solidFill>
+              <a:schemeClr val="accent1">
+                <a:alpha val="85000"/>
+              </a:schemeClr>
+            </a:solidFill>
+            <a:ln>
+              <a:noFill/>
+            </a:ln>
+            <a:effectLst/>
+          </p:spPr>
+          <p:style>
+            <a:lnRef idx="1">
+              <a:schemeClr val="accent1"/>
+            </a:lnRef>
+            <a:fillRef idx="3">
+              <a:schemeClr val="accent1"/>
+            </a:fillRef>
+            <a:effectRef idx="2">
+              <a:schemeClr val="accent1"/>
+            </a:effectRef>
+            <a:fontRef idx="minor">
+              <a:schemeClr val="lt1"/>
+            </a:fontRef>
+          </p:style>
         </p:sp>
       </p:grpSp>
       <p:sp>
@@ -1795,18 +2266,20 @@
         </p:nvSpPr>
         <p:spPr>
           <a:xfrm>
-            <a:off x="2928401" y="1380068"/>
-            <a:ext cx="8574622" cy="2616199"/>
+            <a:off x="1507067" y="2404534"/>
+            <a:ext cx="7766936" cy="1646302"/>
           </a:xfrm>
         </p:spPr>
         <p:txBody>
           <a:bodyPr anchor="b">
-            <a:normAutofit/>
+            <a:noAutofit/>
           </a:bodyPr>
           <a:lstStyle>
             <a:lvl1pPr algn="r">
-              <a:defRPr sz="6000">
-                <a:effectLst/>
+              <a:defRPr sz="5400">
+                <a:solidFill>
+                  <a:schemeClr val="accent1"/>
+                </a:solidFill>
               </a:defRPr>
             </a:lvl1pPr>
           </a:lstStyle>
@@ -1831,20 +2304,21 @@
         </p:nvSpPr>
         <p:spPr>
           <a:xfrm>
-            <a:off x="4515377" y="3996267"/>
-            <a:ext cx="6987645" cy="1388534"/>
+            <a:off x="1507067" y="4050833"/>
+            <a:ext cx="7766936" cy="1096899"/>
           </a:xfrm>
         </p:spPr>
         <p:txBody>
-          <a:bodyPr anchor="t">
-            <a:normAutofit/>
-          </a:bodyPr>
+          <a:bodyPr anchor="t"/>
           <a:lstStyle>
             <a:lvl1pPr marL="0" indent="0" algn="r">
               <a:buNone/>
-              <a:defRPr sz="2100">
-                <a:solidFill>
-                  <a:schemeClr val="tx1"/>
+              <a:defRPr>
+                <a:solidFill>
+                  <a:schemeClr val="tx1">
+                    <a:lumMod val="50000"/>
+                    <a:lumOff val="50000"/>
+                  </a:schemeClr>
                 </a:solidFill>
               </a:defRPr>
             </a:lvl1pPr>
@@ -1955,7 +2429,7 @@
           <a:p>
             <a:fld id="{52A40D1F-8DC8-452B-B505-1D78AF183F5D}" type="datetimeFigureOut">
               <a:rPr lang="en-CA" smtClean="0"/>
-              <a:t>9/2/2021</a:t>
+              <a:t>9/3/2021</a:t>
             </a:fld>
             <a:endParaRPr lang="en-CA"/>
           </a:p>
@@ -1971,12 +2445,7 @@
             <p:ph type="ftr" sz="quarter" idx="11"/>
           </p:nvPr>
         </p:nvSpPr>
-        <p:spPr>
-          <a:xfrm>
-            <a:off x="5332412" y="5883275"/>
-            <a:ext cx="4324044" cy="365125"/>
-          </a:xfrm>
-        </p:spPr>
+        <p:spPr/>
         <p:txBody>
           <a:bodyPr/>
           <a:lstStyle/>
@@ -2011,7 +2480,7 @@
     </p:spTree>
     <p:extLst>
       <p:ext uri="{BB962C8B-B14F-4D97-AF65-F5344CB8AC3E}">
-        <p14:creationId xmlns:p14="http://schemas.microsoft.com/office/powerpoint/2010/main" val="1640504190"/>
+        <p14:creationId xmlns:p14="http://schemas.microsoft.com/office/powerpoint/2010/main" val="3234384770"/>
       </p:ext>
     </p:extLst>
   </p:cSld>
@@ -2022,297 +2491,6 @@
 </file>
 
 <file path=ppt/slideLayouts/slideLayout10.xml><?xml version="1.0" encoding="utf-8"?>
-<p:sldLayout xmlns:a="http://schemas.openxmlformats.org/drawingml/2006/main" xmlns:r="http://schemas.openxmlformats.org/officeDocument/2006/relationships" xmlns:p="http://schemas.openxmlformats.org/presentationml/2006/main" preserve="1">
-  <p:cSld name="Panoramic Picture with Caption">
-    <p:spTree>
-      <p:nvGrpSpPr>
-        <p:cNvPr id="1" name=""/>
-        <p:cNvGrpSpPr/>
-        <p:nvPr/>
-      </p:nvGrpSpPr>
-      <p:grpSpPr>
-        <a:xfrm>
-          <a:off x="0" y="0"/>
-          <a:ext cx="0" cy="0"/>
-          <a:chOff x="0" y="0"/>
-          <a:chExt cx="0" cy="0"/>
-        </a:xfrm>
-      </p:grpSpPr>
-      <p:sp>
-        <p:nvSpPr>
-          <p:cNvPr id="2" name="Title 1"/>
-          <p:cNvSpPr>
-            <a:spLocks noGrp="1"/>
-          </p:cNvSpPr>
-          <p:nvPr>
-            <p:ph type="title"/>
-          </p:nvPr>
-        </p:nvSpPr>
-        <p:spPr>
-          <a:xfrm>
-            <a:off x="1484311" y="4732865"/>
-            <a:ext cx="10018711" cy="566738"/>
-          </a:xfrm>
-        </p:spPr>
-        <p:txBody>
-          <a:bodyPr anchor="b">
-            <a:normAutofit/>
-          </a:bodyPr>
-          <a:lstStyle>
-            <a:lvl1pPr algn="ctr">
-              <a:defRPr sz="2400" b="0"/>
-            </a:lvl1pPr>
-          </a:lstStyle>
-          <a:p>
-            <a:r>
-              <a:rPr lang="en-US"/>
-              <a:t>Click to edit Master title style</a:t>
-            </a:r>
-            <a:endParaRPr lang="en-US" dirty="0"/>
-          </a:p>
-        </p:txBody>
-      </p:sp>
-      <p:sp>
-        <p:nvSpPr>
-          <p:cNvPr id="3" name="Picture Placeholder 2"/>
-          <p:cNvSpPr>
-            <a:spLocks noGrp="1" noChangeAspect="1"/>
-          </p:cNvSpPr>
-          <p:nvPr>
-            <p:ph type="pic" idx="1"/>
-          </p:nvPr>
-        </p:nvSpPr>
-        <p:spPr>
-          <a:xfrm>
-            <a:off x="2386012" y="932112"/>
-            <a:ext cx="8225944" cy="3164976"/>
-          </a:xfrm>
-          <a:prstGeom prst="roundRect">
-            <a:avLst>
-              <a:gd name="adj" fmla="val 4380"/>
-            </a:avLst>
-          </a:prstGeom>
-          <a:ln w="38100">
-            <a:gradFill flip="none" rotWithShape="1">
-              <a:gsLst>
-                <a:gs pos="0">
-                  <a:schemeClr val="bg2"/>
-                </a:gs>
-                <a:gs pos="100000">
-                  <a:schemeClr val="bg2">
-                    <a:lumMod val="75000"/>
-                  </a:schemeClr>
-                </a:gs>
-              </a:gsLst>
-              <a:lin ang="5400000" scaled="0"/>
-              <a:tileRect/>
-            </a:gradFill>
-          </a:ln>
-          <a:effectLst>
-            <a:innerShdw blurRad="57150" dist="38100" dir="14460000">
-              <a:srgbClr val="000000">
-                <a:alpha val="70000"/>
-              </a:srgbClr>
-            </a:innerShdw>
-          </a:effectLst>
-        </p:spPr>
-        <p:txBody>
-          <a:bodyPr anchor="t">
-            <a:normAutofit/>
-          </a:bodyPr>
-          <a:lstStyle>
-            <a:lvl1pPr marL="0" indent="0" algn="ctr">
-              <a:buNone/>
-              <a:defRPr sz="1600"/>
-            </a:lvl1pPr>
-            <a:lvl2pPr marL="457200" indent="0">
-              <a:buNone/>
-              <a:defRPr sz="1600"/>
-            </a:lvl2pPr>
-            <a:lvl3pPr marL="914400" indent="0">
-              <a:buNone/>
-              <a:defRPr sz="1600"/>
-            </a:lvl3pPr>
-            <a:lvl4pPr marL="1371600" indent="0">
-              <a:buNone/>
-              <a:defRPr sz="1600"/>
-            </a:lvl4pPr>
-            <a:lvl5pPr marL="1828800" indent="0">
-              <a:buNone/>
-              <a:defRPr sz="1600"/>
-            </a:lvl5pPr>
-            <a:lvl6pPr marL="2286000" indent="0">
-              <a:buNone/>
-              <a:defRPr sz="1600"/>
-            </a:lvl6pPr>
-            <a:lvl7pPr marL="2743200" indent="0">
-              <a:buNone/>
-              <a:defRPr sz="1600"/>
-            </a:lvl7pPr>
-            <a:lvl8pPr marL="3200400" indent="0">
-              <a:buNone/>
-              <a:defRPr sz="1600"/>
-            </a:lvl8pPr>
-            <a:lvl9pPr marL="3657600" indent="0">
-              <a:buNone/>
-              <a:defRPr sz="1600"/>
-            </a:lvl9pPr>
-          </a:lstStyle>
-          <a:p>
-            <a:r>
-              <a:rPr lang="en-US"/>
-              <a:t>Click icon to add picture</a:t>
-            </a:r>
-            <a:endParaRPr lang="en-US" dirty="0"/>
-          </a:p>
-        </p:txBody>
-      </p:sp>
-      <p:sp>
-        <p:nvSpPr>
-          <p:cNvPr id="4" name="Text Placeholder 3"/>
-          <p:cNvSpPr>
-            <a:spLocks noGrp="1"/>
-          </p:cNvSpPr>
-          <p:nvPr>
-            <p:ph type="body" sz="half" idx="2"/>
-          </p:nvPr>
-        </p:nvSpPr>
-        <p:spPr>
-          <a:xfrm>
-            <a:off x="1484311" y="5299603"/>
-            <a:ext cx="10018711" cy="493712"/>
-          </a:xfrm>
-        </p:spPr>
-        <p:txBody>
-          <a:bodyPr>
-            <a:normAutofit/>
-          </a:bodyPr>
-          <a:lstStyle>
-            <a:lvl1pPr marL="0" indent="0" algn="ctr">
-              <a:buNone/>
-              <a:defRPr sz="1400"/>
-            </a:lvl1pPr>
-            <a:lvl2pPr marL="457200" indent="0">
-              <a:buNone/>
-              <a:defRPr sz="1200"/>
-            </a:lvl2pPr>
-            <a:lvl3pPr marL="914400" indent="0">
-              <a:buNone/>
-              <a:defRPr sz="1000"/>
-            </a:lvl3pPr>
-            <a:lvl4pPr marL="1371600" indent="0">
-              <a:buNone/>
-              <a:defRPr sz="900"/>
-            </a:lvl4pPr>
-            <a:lvl5pPr marL="1828800" indent="0">
-              <a:buNone/>
-              <a:defRPr sz="900"/>
-            </a:lvl5pPr>
-            <a:lvl6pPr marL="2286000" indent="0">
-              <a:buNone/>
-              <a:defRPr sz="900"/>
-            </a:lvl6pPr>
-            <a:lvl7pPr marL="2743200" indent="0">
-              <a:buNone/>
-              <a:defRPr sz="900"/>
-            </a:lvl7pPr>
-            <a:lvl8pPr marL="3200400" indent="0">
-              <a:buNone/>
-              <a:defRPr sz="900"/>
-            </a:lvl8pPr>
-            <a:lvl9pPr marL="3657600" indent="0">
-              <a:buNone/>
-              <a:defRPr sz="900"/>
-            </a:lvl9pPr>
-          </a:lstStyle>
-          <a:p>
-            <a:pPr lvl="0"/>
-            <a:r>
-              <a:rPr lang="en-US"/>
-              <a:t>Edit Master text styles</a:t>
-            </a:r>
-          </a:p>
-        </p:txBody>
-      </p:sp>
-      <p:sp>
-        <p:nvSpPr>
-          <p:cNvPr id="5" name="Date Placeholder 4"/>
-          <p:cNvSpPr>
-            <a:spLocks noGrp="1"/>
-          </p:cNvSpPr>
-          <p:nvPr>
-            <p:ph type="dt" sz="half" idx="10"/>
-          </p:nvPr>
-        </p:nvSpPr>
-        <p:spPr/>
-        <p:txBody>
-          <a:bodyPr/>
-          <a:lstStyle/>
-          <a:p>
-            <a:fld id="{52A40D1F-8DC8-452B-B505-1D78AF183F5D}" type="datetimeFigureOut">
-              <a:rPr lang="en-CA" smtClean="0"/>
-              <a:t>9/2/2021</a:t>
-            </a:fld>
-            <a:endParaRPr lang="en-CA"/>
-          </a:p>
-        </p:txBody>
-      </p:sp>
-      <p:sp>
-        <p:nvSpPr>
-          <p:cNvPr id="6" name="Footer Placeholder 5"/>
-          <p:cNvSpPr>
-            <a:spLocks noGrp="1"/>
-          </p:cNvSpPr>
-          <p:nvPr>
-            <p:ph type="ftr" sz="quarter" idx="11"/>
-          </p:nvPr>
-        </p:nvSpPr>
-        <p:spPr/>
-        <p:txBody>
-          <a:bodyPr/>
-          <a:lstStyle/>
-          <a:p>
-            <a:endParaRPr lang="en-CA"/>
-          </a:p>
-        </p:txBody>
-      </p:sp>
-      <p:sp>
-        <p:nvSpPr>
-          <p:cNvPr id="7" name="Slide Number Placeholder 6"/>
-          <p:cNvSpPr>
-            <a:spLocks noGrp="1"/>
-          </p:cNvSpPr>
-          <p:nvPr>
-            <p:ph type="sldNum" sz="quarter" idx="12"/>
-          </p:nvPr>
-        </p:nvSpPr>
-        <p:spPr/>
-        <p:txBody>
-          <a:bodyPr/>
-          <a:lstStyle/>
-          <a:p>
-            <a:fld id="{BA6AED20-9E11-4005-9576-ED72CEB72F0C}" type="slidenum">
-              <a:rPr lang="en-CA" smtClean="0"/>
-              <a:t>‹#›</a:t>
-            </a:fld>
-            <a:endParaRPr lang="en-CA"/>
-          </a:p>
-        </p:txBody>
-      </p:sp>
-    </p:spTree>
-    <p:extLst>
-      <p:ext uri="{BB962C8B-B14F-4D97-AF65-F5344CB8AC3E}">
-        <p14:creationId xmlns:p14="http://schemas.microsoft.com/office/powerpoint/2010/main" val="1064844006"/>
-      </p:ext>
-    </p:extLst>
-  </p:cSld>
-  <p:clrMapOvr>
-    <a:masterClrMapping/>
-  </p:clrMapOvr>
-</p:sldLayout>
-</file>
-
-<file path=ppt/slideLayouts/slideLayout11.xml><?xml version="1.0" encoding="utf-8"?>
 <p:sldLayout xmlns:a="http://schemas.openxmlformats.org/drawingml/2006/main" xmlns:r="http://schemas.openxmlformats.org/officeDocument/2006/relationships" xmlns:p="http://schemas.openxmlformats.org/presentationml/2006/main" preserve="1">
   <p:cSld name="Title and Caption">
     <p:spTree>
@@ -2341,8 +2519,8 @@
         </p:nvSpPr>
         <p:spPr>
           <a:xfrm>
-            <a:off x="1484312" y="685800"/>
-            <a:ext cx="10018711" cy="3048000"/>
+            <a:off x="677335" y="609600"/>
+            <a:ext cx="8596668" cy="3403600"/>
           </a:xfrm>
         </p:spPr>
         <p:txBody>
@@ -2350,8 +2528,8 @@
             <a:normAutofit/>
           </a:bodyPr>
           <a:lstStyle>
-            <a:lvl1pPr algn="ctr">
-              <a:defRPr sz="3200" b="0" cap="none"/>
+            <a:lvl1pPr algn="l">
+              <a:defRPr sz="4400" b="0" cap="none"/>
             </a:lvl1pPr>
           </a:lstStyle>
           <a:p>
@@ -2375,8 +2553,8 @@
         </p:nvSpPr>
         <p:spPr>
           <a:xfrm>
-            <a:off x="1484312" y="4343400"/>
-            <a:ext cx="10018713" cy="1447800"/>
+            <a:off x="677335" y="4470400"/>
+            <a:ext cx="8596668" cy="1570962"/>
           </a:xfrm>
         </p:spPr>
         <p:txBody>
@@ -2384,11 +2562,14 @@
             <a:normAutofit/>
           </a:bodyPr>
           <a:lstStyle>
-            <a:lvl1pPr marL="0" indent="0" algn="ctr">
-              <a:buNone/>
-              <a:defRPr sz="2000">
-                <a:solidFill>
-                  <a:schemeClr val="tx1"/>
+            <a:lvl1pPr marL="0" indent="0" algn="l">
+              <a:buNone/>
+              <a:defRPr sz="1800">
+                <a:solidFill>
+                  <a:schemeClr val="tx1">
+                    <a:lumMod val="75000"/>
+                    <a:lumOff val="25000"/>
+                  </a:schemeClr>
                 </a:solidFill>
               </a:defRPr>
             </a:lvl1pPr>
@@ -2499,7 +2680,7 @@
           <a:p>
             <a:fld id="{52A40D1F-8DC8-452B-B505-1D78AF183F5D}" type="datetimeFigureOut">
               <a:rPr lang="en-CA" smtClean="0"/>
-              <a:t>9/2/2021</a:t>
+              <a:t>9/3/2021</a:t>
             </a:fld>
             <a:endParaRPr lang="en-CA"/>
           </a:p>
@@ -2550,7 +2731,7 @@
     </p:spTree>
     <p:extLst>
       <p:ext uri="{BB962C8B-B14F-4D97-AF65-F5344CB8AC3E}">
-        <p14:creationId xmlns:p14="http://schemas.microsoft.com/office/powerpoint/2010/main" val="1963006095"/>
+        <p14:creationId xmlns:p14="http://schemas.microsoft.com/office/powerpoint/2010/main" val="534928967"/>
       </p:ext>
     </p:extLst>
   </p:cSld>
@@ -2560,7 +2741,7 @@
 </p:sldLayout>
 </file>
 
-<file path=ppt/slideLayouts/slideLayout12.xml><?xml version="1.0" encoding="utf-8"?>
+<file path=ppt/slideLayouts/slideLayout11.xml><?xml version="1.0" encoding="utf-8"?>
 <p:sldLayout xmlns:a="http://schemas.openxmlformats.org/drawingml/2006/main" xmlns:r="http://schemas.openxmlformats.org/officeDocument/2006/relationships" xmlns:p="http://schemas.openxmlformats.org/presentationml/2006/main" preserve="1">
   <p:cSld name="Quote with Caption">
     <p:spTree>
@@ -2579,13 +2760,297 @@
       </p:grpSpPr>
       <p:sp>
         <p:nvSpPr>
-          <p:cNvPr id="14" name="TextBox 13"/>
+          <p:cNvPr id="2" name="Title 1"/>
+          <p:cNvSpPr>
+            <a:spLocks noGrp="1"/>
+          </p:cNvSpPr>
+          <p:nvPr>
+            <p:ph type="title"/>
+          </p:nvPr>
+        </p:nvSpPr>
+        <p:spPr>
+          <a:xfrm>
+            <a:off x="931334" y="609600"/>
+            <a:ext cx="8094134" cy="3022600"/>
+          </a:xfrm>
+        </p:spPr>
+        <p:txBody>
+          <a:bodyPr anchor="ctr">
+            <a:normAutofit/>
+          </a:bodyPr>
+          <a:lstStyle>
+            <a:lvl1pPr algn="l">
+              <a:defRPr sz="4400" b="0" cap="none"/>
+            </a:lvl1pPr>
+          </a:lstStyle>
+          <a:p>
+            <a:r>
+              <a:rPr lang="en-US"/>
+              <a:t>Click to edit Master title style</a:t>
+            </a:r>
+            <a:endParaRPr lang="en-US" dirty="0"/>
+          </a:p>
+        </p:txBody>
+      </p:sp>
+      <p:sp>
+        <p:nvSpPr>
+          <p:cNvPr id="23" name="Text Placeholder 9"/>
+          <p:cNvSpPr>
+            <a:spLocks noGrp="1"/>
+          </p:cNvSpPr>
+          <p:nvPr>
+            <p:ph type="body" sz="quarter" idx="13"/>
+          </p:nvPr>
+        </p:nvSpPr>
+        <p:spPr>
+          <a:xfrm>
+            <a:off x="1366139" y="3632200"/>
+            <a:ext cx="7224524" cy="381000"/>
+          </a:xfrm>
+        </p:spPr>
+        <p:txBody>
+          <a:bodyPr anchor="ctr">
+            <a:noAutofit/>
+          </a:bodyPr>
+          <a:lstStyle>
+            <a:lvl1pPr marL="0" indent="0">
+              <a:buFontTx/>
+              <a:buNone/>
+              <a:defRPr sz="1600">
+                <a:solidFill>
+                  <a:schemeClr val="tx1">
+                    <a:lumMod val="50000"/>
+                    <a:lumOff val="50000"/>
+                  </a:schemeClr>
+                </a:solidFill>
+              </a:defRPr>
+            </a:lvl1pPr>
+            <a:lvl2pPr marL="457200" indent="0">
+              <a:buFontTx/>
+              <a:buNone/>
+              <a:defRPr/>
+            </a:lvl2pPr>
+            <a:lvl3pPr marL="914400" indent="0">
+              <a:buFontTx/>
+              <a:buNone/>
+              <a:defRPr/>
+            </a:lvl3pPr>
+            <a:lvl4pPr marL="1371600" indent="0">
+              <a:buFontTx/>
+              <a:buNone/>
+              <a:defRPr/>
+            </a:lvl4pPr>
+            <a:lvl5pPr marL="1828800" indent="0">
+              <a:buFontTx/>
+              <a:buNone/>
+              <a:defRPr/>
+            </a:lvl5pPr>
+          </a:lstStyle>
+          <a:p>
+            <a:pPr lvl="0"/>
+            <a:r>
+              <a:rPr lang="en-US"/>
+              <a:t>Edit Master text styles</a:t>
+            </a:r>
+          </a:p>
+        </p:txBody>
+      </p:sp>
+      <p:sp>
+        <p:nvSpPr>
+          <p:cNvPr id="3" name="Text Placeholder 2"/>
+          <p:cNvSpPr>
+            <a:spLocks noGrp="1"/>
+          </p:cNvSpPr>
+          <p:nvPr>
+            <p:ph type="body" idx="1"/>
+          </p:nvPr>
+        </p:nvSpPr>
+        <p:spPr>
+          <a:xfrm>
+            <a:off x="677335" y="4470400"/>
+            <a:ext cx="8596668" cy="1570962"/>
+          </a:xfrm>
+        </p:spPr>
+        <p:txBody>
+          <a:bodyPr anchor="ctr">
+            <a:normAutofit/>
+          </a:bodyPr>
+          <a:lstStyle>
+            <a:lvl1pPr marL="0" indent="0" algn="l">
+              <a:buNone/>
+              <a:defRPr sz="1800">
+                <a:solidFill>
+                  <a:schemeClr val="tx1">
+                    <a:lumMod val="75000"/>
+                    <a:lumOff val="25000"/>
+                  </a:schemeClr>
+                </a:solidFill>
+              </a:defRPr>
+            </a:lvl1pPr>
+            <a:lvl2pPr marL="457200" indent="0">
+              <a:buNone/>
+              <a:defRPr sz="1800">
+                <a:solidFill>
+                  <a:schemeClr val="tx1">
+                    <a:tint val="75000"/>
+                  </a:schemeClr>
+                </a:solidFill>
+              </a:defRPr>
+            </a:lvl2pPr>
+            <a:lvl3pPr marL="914400" indent="0">
+              <a:buNone/>
+              <a:defRPr sz="1600">
+                <a:solidFill>
+                  <a:schemeClr val="tx1">
+                    <a:tint val="75000"/>
+                  </a:schemeClr>
+                </a:solidFill>
+              </a:defRPr>
+            </a:lvl3pPr>
+            <a:lvl4pPr marL="1371600" indent="0">
+              <a:buNone/>
+              <a:defRPr sz="1400">
+                <a:solidFill>
+                  <a:schemeClr val="tx1">
+                    <a:tint val="75000"/>
+                  </a:schemeClr>
+                </a:solidFill>
+              </a:defRPr>
+            </a:lvl4pPr>
+            <a:lvl5pPr marL="1828800" indent="0">
+              <a:buNone/>
+              <a:defRPr sz="1400">
+                <a:solidFill>
+                  <a:schemeClr val="tx1">
+                    <a:tint val="75000"/>
+                  </a:schemeClr>
+                </a:solidFill>
+              </a:defRPr>
+            </a:lvl5pPr>
+            <a:lvl6pPr marL="2286000" indent="0">
+              <a:buNone/>
+              <a:defRPr sz="1400">
+                <a:solidFill>
+                  <a:schemeClr val="tx1">
+                    <a:tint val="75000"/>
+                  </a:schemeClr>
+                </a:solidFill>
+              </a:defRPr>
+            </a:lvl6pPr>
+            <a:lvl7pPr marL="2743200" indent="0">
+              <a:buNone/>
+              <a:defRPr sz="1400">
+                <a:solidFill>
+                  <a:schemeClr val="tx1">
+                    <a:tint val="75000"/>
+                  </a:schemeClr>
+                </a:solidFill>
+              </a:defRPr>
+            </a:lvl7pPr>
+            <a:lvl8pPr marL="3200400" indent="0">
+              <a:buNone/>
+              <a:defRPr sz="1400">
+                <a:solidFill>
+                  <a:schemeClr val="tx1">
+                    <a:tint val="75000"/>
+                  </a:schemeClr>
+                </a:solidFill>
+              </a:defRPr>
+            </a:lvl8pPr>
+            <a:lvl9pPr marL="3657600" indent="0">
+              <a:buNone/>
+              <a:defRPr sz="1400">
+                <a:solidFill>
+                  <a:schemeClr val="tx1">
+                    <a:tint val="75000"/>
+                  </a:schemeClr>
+                </a:solidFill>
+              </a:defRPr>
+            </a:lvl9pPr>
+          </a:lstStyle>
+          <a:p>
+            <a:pPr lvl="0"/>
+            <a:r>
+              <a:rPr lang="en-US"/>
+              <a:t>Edit Master text styles</a:t>
+            </a:r>
+          </a:p>
+        </p:txBody>
+      </p:sp>
+      <p:sp>
+        <p:nvSpPr>
+          <p:cNvPr id="4" name="Date Placeholder 3"/>
+          <p:cNvSpPr>
+            <a:spLocks noGrp="1"/>
+          </p:cNvSpPr>
+          <p:nvPr>
+            <p:ph type="dt" sz="half" idx="10"/>
+          </p:nvPr>
+        </p:nvSpPr>
+        <p:spPr/>
+        <p:txBody>
+          <a:bodyPr/>
+          <a:lstStyle/>
+          <a:p>
+            <a:fld id="{52A40D1F-8DC8-452B-B505-1D78AF183F5D}" type="datetimeFigureOut">
+              <a:rPr lang="en-CA" smtClean="0"/>
+              <a:t>9/3/2021</a:t>
+            </a:fld>
+            <a:endParaRPr lang="en-CA"/>
+          </a:p>
+        </p:txBody>
+      </p:sp>
+      <p:sp>
+        <p:nvSpPr>
+          <p:cNvPr id="5" name="Footer Placeholder 4"/>
+          <p:cNvSpPr>
+            <a:spLocks noGrp="1"/>
+          </p:cNvSpPr>
+          <p:nvPr>
+            <p:ph type="ftr" sz="quarter" idx="11"/>
+          </p:nvPr>
+        </p:nvSpPr>
+        <p:spPr/>
+        <p:txBody>
+          <a:bodyPr/>
+          <a:lstStyle/>
+          <a:p>
+            <a:endParaRPr lang="en-CA"/>
+          </a:p>
+        </p:txBody>
+      </p:sp>
+      <p:sp>
+        <p:nvSpPr>
+          <p:cNvPr id="6" name="Slide Number Placeholder 5"/>
+          <p:cNvSpPr>
+            <a:spLocks noGrp="1"/>
+          </p:cNvSpPr>
+          <p:nvPr>
+            <p:ph type="sldNum" sz="quarter" idx="12"/>
+          </p:nvPr>
+        </p:nvSpPr>
+        <p:spPr/>
+        <p:txBody>
+          <a:bodyPr/>
+          <a:lstStyle/>
+          <a:p>
+            <a:fld id="{BA6AED20-9E11-4005-9576-ED72CEB72F0C}" type="slidenum">
+              <a:rPr lang="en-CA" smtClean="0"/>
+              <a:t>‹#›</a:t>
+            </a:fld>
+            <a:endParaRPr lang="en-CA"/>
+          </a:p>
+        </p:txBody>
+      </p:sp>
+      <p:sp>
+        <p:nvSpPr>
+          <p:cNvPr id="20" name="TextBox 19"/>
           <p:cNvSpPr txBox="1"/>
           <p:nvPr/>
         </p:nvSpPr>
         <p:spPr>
           <a:xfrm>
-            <a:off x="1598612" y="863023"/>
+            <a:off x="541870" y="790378"/>
             <a:ext cx="609600" cy="584776"/>
           </a:xfrm>
           <a:prstGeom prst="rect">
@@ -2596,97 +3061,22 @@
           <a:bodyPr vert="horz" lIns="91440" tIns="45720" rIns="91440" bIns="45720" rtlCol="0" anchor="ctr">
             <a:noAutofit/>
           </a:bodyPr>
-          <a:lstStyle>
-            <a:lvl1pPr>
-              <a:spcBef>
-                <a:spcPct val="0"/>
-              </a:spcBef>
-              <a:buNone/>
-              <a:defRPr sz="3200" b="0" cap="all">
+          <a:lstStyle/>
+          <a:p>
+            <a:pPr lvl="0"/>
+            <a:r>
+              <a:rPr lang="en-US" sz="8000" baseline="0" dirty="0">
                 <a:ln w="3175" cmpd="sng">
                   <a:noFill/>
                 </a:ln>
-                <a:effectLst>
-                  <a:glow rad="38100">
-                    <a:schemeClr val="bg1">
-                      <a:lumMod val="65000"/>
-                      <a:lumOff val="35000"/>
-                      <a:alpha val="40000"/>
-                    </a:schemeClr>
-                  </a:glow>
-                  <a:outerShdw blurRad="28575" dist="38100" dir="14040000" algn="tl" rotWithShape="0">
-                    <a:srgbClr val="000000">
-                      <a:alpha val="25000"/>
-                    </a:srgbClr>
-                  </a:outerShdw>
-                </a:effectLst>
-              </a:defRPr>
-            </a:lvl1pPr>
-            <a:lvl2pPr>
-              <a:defRPr>
-                <a:solidFill>
-                  <a:schemeClr val="tx2"/>
-                </a:solidFill>
-              </a:defRPr>
-            </a:lvl2pPr>
-            <a:lvl3pPr>
-              <a:defRPr>
-                <a:solidFill>
-                  <a:schemeClr val="tx2"/>
-                </a:solidFill>
-              </a:defRPr>
-            </a:lvl3pPr>
-            <a:lvl4pPr>
-              <a:defRPr>
-                <a:solidFill>
-                  <a:schemeClr val="tx2"/>
-                </a:solidFill>
-              </a:defRPr>
-            </a:lvl4pPr>
-            <a:lvl5pPr>
-              <a:defRPr>
-                <a:solidFill>
-                  <a:schemeClr val="tx2"/>
-                </a:solidFill>
-              </a:defRPr>
-            </a:lvl5pPr>
-            <a:lvl6pPr>
-              <a:defRPr>
-                <a:solidFill>
-                  <a:schemeClr val="tx2"/>
-                </a:solidFill>
-              </a:defRPr>
-            </a:lvl6pPr>
-            <a:lvl7pPr>
-              <a:defRPr>
-                <a:solidFill>
-                  <a:schemeClr val="tx2"/>
-                </a:solidFill>
-              </a:defRPr>
-            </a:lvl7pPr>
-            <a:lvl8pPr>
-              <a:defRPr>
-                <a:solidFill>
-                  <a:schemeClr val="tx2"/>
-                </a:solidFill>
-              </a:defRPr>
-            </a:lvl8pPr>
-            <a:lvl9pPr>
-              <a:defRPr>
-                <a:solidFill>
-                  <a:schemeClr val="tx2"/>
-                </a:solidFill>
-              </a:defRPr>
-            </a:lvl9pPr>
-          </a:lstStyle>
-          <a:p>
-            <a:pPr lvl="0"/>
-            <a:r>
-              <a:rPr lang="en-US" sz="8000" dirty="0">
-                <a:solidFill>
-                  <a:schemeClr val="tx1"/>
+                <a:solidFill>
+                  <a:schemeClr val="accent1">
+                    <a:lumMod val="60000"/>
+                    <a:lumOff val="40000"/>
+                  </a:schemeClr>
                 </a:solidFill>
                 <a:effectLst/>
+                <a:latin typeface="Arial"/>
               </a:rPr>
               <a:t>“</a:t>
             </a:r>
@@ -2695,13 +3085,13 @@
       </p:sp>
       <p:sp>
         <p:nvSpPr>
-          <p:cNvPr id="15" name="TextBox 14"/>
+          <p:cNvPr id="22" name="TextBox 21"/>
           <p:cNvSpPr txBox="1"/>
           <p:nvPr/>
         </p:nvSpPr>
         <p:spPr>
           <a:xfrm>
-            <a:off x="10893425" y="2819399"/>
+            <a:off x="8893011" y="2886556"/>
             <a:ext cx="609600" cy="584776"/>
           </a:xfrm>
           <a:prstGeom prst="rect">
@@ -2712,385 +3102,40 @@
           <a:bodyPr vert="horz" lIns="91440" tIns="45720" rIns="91440" bIns="45720" rtlCol="0" anchor="ctr">
             <a:noAutofit/>
           </a:bodyPr>
-          <a:lstStyle>
-            <a:lvl1pPr>
-              <a:spcBef>
-                <a:spcPct val="0"/>
-              </a:spcBef>
-              <a:buNone/>
-              <a:defRPr sz="3200" b="0" cap="all">
+          <a:lstStyle/>
+          <a:p>
+            <a:pPr lvl="0"/>
+            <a:r>
+              <a:rPr lang="en-US" sz="8000" baseline="0" dirty="0">
                 <a:ln w="3175" cmpd="sng">
                   <a:noFill/>
                 </a:ln>
-                <a:effectLst>
-                  <a:glow rad="38100">
-                    <a:schemeClr val="bg1">
-                      <a:lumMod val="65000"/>
-                      <a:lumOff val="35000"/>
-                      <a:alpha val="40000"/>
-                    </a:schemeClr>
-                  </a:glow>
-                  <a:outerShdw blurRad="28575" dist="38100" dir="14040000" algn="tl" rotWithShape="0">
-                    <a:srgbClr val="000000">
-                      <a:alpha val="25000"/>
-                    </a:srgbClr>
-                  </a:outerShdw>
-                </a:effectLst>
-              </a:defRPr>
-            </a:lvl1pPr>
-            <a:lvl2pPr>
-              <a:defRPr>
-                <a:solidFill>
-                  <a:schemeClr val="tx2"/>
-                </a:solidFill>
-              </a:defRPr>
-            </a:lvl2pPr>
-            <a:lvl3pPr>
-              <a:defRPr>
-                <a:solidFill>
-                  <a:schemeClr val="tx2"/>
-                </a:solidFill>
-              </a:defRPr>
-            </a:lvl3pPr>
-            <a:lvl4pPr>
-              <a:defRPr>
-                <a:solidFill>
-                  <a:schemeClr val="tx2"/>
-                </a:solidFill>
-              </a:defRPr>
-            </a:lvl4pPr>
-            <a:lvl5pPr>
-              <a:defRPr>
-                <a:solidFill>
-                  <a:schemeClr val="tx2"/>
-                </a:solidFill>
-              </a:defRPr>
-            </a:lvl5pPr>
-            <a:lvl6pPr>
-              <a:defRPr>
-                <a:solidFill>
-                  <a:schemeClr val="tx2"/>
-                </a:solidFill>
-              </a:defRPr>
-            </a:lvl6pPr>
-            <a:lvl7pPr>
-              <a:defRPr>
-                <a:solidFill>
-                  <a:schemeClr val="tx2"/>
-                </a:solidFill>
-              </a:defRPr>
-            </a:lvl7pPr>
-            <a:lvl8pPr>
-              <a:defRPr>
-                <a:solidFill>
-                  <a:schemeClr val="tx2"/>
-                </a:solidFill>
-              </a:defRPr>
-            </a:lvl8pPr>
-            <a:lvl9pPr>
-              <a:defRPr>
-                <a:solidFill>
-                  <a:schemeClr val="tx2"/>
-                </a:solidFill>
-              </a:defRPr>
-            </a:lvl9pPr>
-          </a:lstStyle>
-          <a:p>
-            <a:pPr lvl="0" algn="r"/>
-            <a:r>
-              <a:rPr lang="en-US" sz="8000" dirty="0">
-                <a:solidFill>
-                  <a:schemeClr val="tx1"/>
-                </a:solidFill>
-                <a:effectLst/>
+                <a:solidFill>
+                  <a:schemeClr val="accent1">
+                    <a:lumMod val="60000"/>
+                    <a:lumOff val="40000"/>
+                  </a:schemeClr>
+                </a:solidFill>
+                <a:latin typeface="Arial"/>
               </a:rPr>
               <a:t>”</a:t>
             </a:r>
-          </a:p>
-        </p:txBody>
-      </p:sp>
-      <p:sp>
-        <p:nvSpPr>
-          <p:cNvPr id="2" name="Title 1"/>
-          <p:cNvSpPr>
-            <a:spLocks noGrp="1"/>
-          </p:cNvSpPr>
-          <p:nvPr>
-            <p:ph type="title"/>
-          </p:nvPr>
-        </p:nvSpPr>
-        <p:spPr>
-          <a:xfrm>
-            <a:off x="2208212" y="685800"/>
-            <a:ext cx="8990012" cy="2743199"/>
-          </a:xfrm>
-        </p:spPr>
-        <p:txBody>
-          <a:bodyPr anchor="ctr">
-            <a:normAutofit/>
-          </a:bodyPr>
-          <a:lstStyle>
-            <a:lvl1pPr algn="ctr">
-              <a:defRPr sz="3200" b="0" cap="none">
-                <a:solidFill>
-                  <a:schemeClr val="tx1"/>
-                </a:solidFill>
-              </a:defRPr>
-            </a:lvl1pPr>
-          </a:lstStyle>
-          <a:p>
-            <a:r>
-              <a:rPr lang="en-US"/>
-              <a:t>Click to edit Master title style</a:t>
-            </a:r>
-            <a:endParaRPr lang="en-US" dirty="0"/>
-          </a:p>
-        </p:txBody>
-      </p:sp>
-      <p:sp>
-        <p:nvSpPr>
-          <p:cNvPr id="10" name="Text Placeholder 9"/>
-          <p:cNvSpPr>
-            <a:spLocks noGrp="1"/>
-          </p:cNvSpPr>
-          <p:nvPr>
-            <p:ph type="body" sz="quarter" idx="13"/>
-          </p:nvPr>
-        </p:nvSpPr>
-        <p:spPr>
-          <a:xfrm>
-            <a:off x="2436811" y="3428999"/>
-            <a:ext cx="8532815" cy="381000"/>
-          </a:xfrm>
-        </p:spPr>
-        <p:txBody>
-          <a:bodyPr anchor="ctr">
-            <a:normAutofit/>
-          </a:bodyPr>
-          <a:lstStyle>
-            <a:lvl1pPr marL="0" indent="0">
-              <a:buFontTx/>
-              <a:buNone/>
-              <a:defRPr sz="1800"/>
-            </a:lvl1pPr>
-            <a:lvl2pPr marL="457200" indent="0">
-              <a:buFontTx/>
-              <a:buNone/>
-              <a:defRPr/>
-            </a:lvl2pPr>
-            <a:lvl3pPr marL="914400" indent="0">
-              <a:buFontTx/>
-              <a:buNone/>
-              <a:defRPr/>
-            </a:lvl3pPr>
-            <a:lvl4pPr marL="1371600" indent="0">
-              <a:buFontTx/>
-              <a:buNone/>
-              <a:defRPr/>
-            </a:lvl4pPr>
-            <a:lvl5pPr marL="1828800" indent="0">
-              <a:buFontTx/>
-              <a:buNone/>
-              <a:defRPr/>
-            </a:lvl5pPr>
-          </a:lstStyle>
-          <a:p>
-            <a:pPr lvl="0"/>
-            <a:r>
-              <a:rPr lang="en-US"/>
-              <a:t>Edit Master text styles</a:t>
-            </a:r>
-          </a:p>
-        </p:txBody>
-      </p:sp>
-      <p:sp>
-        <p:nvSpPr>
-          <p:cNvPr id="3" name="Text Placeholder 2"/>
-          <p:cNvSpPr>
-            <a:spLocks noGrp="1"/>
-          </p:cNvSpPr>
-          <p:nvPr>
-            <p:ph type="body" idx="1"/>
-          </p:nvPr>
-        </p:nvSpPr>
-        <p:spPr>
-          <a:xfrm>
-            <a:off x="1484311" y="4343400"/>
-            <a:ext cx="10018711" cy="1447800"/>
-          </a:xfrm>
-        </p:spPr>
-        <p:txBody>
-          <a:bodyPr anchor="ctr">
-            <a:normAutofit/>
-          </a:bodyPr>
-          <a:lstStyle>
-            <a:lvl1pPr marL="0" indent="0" algn="ctr">
-              <a:buNone/>
-              <a:defRPr sz="2000">
-                <a:solidFill>
-                  <a:schemeClr val="tx1"/>
-                </a:solidFill>
-              </a:defRPr>
-            </a:lvl1pPr>
-            <a:lvl2pPr marL="457200" indent="0">
-              <a:buNone/>
-              <a:defRPr sz="1800">
-                <a:solidFill>
-                  <a:schemeClr val="tx1">
-                    <a:tint val="75000"/>
-                  </a:schemeClr>
-                </a:solidFill>
-              </a:defRPr>
-            </a:lvl2pPr>
-            <a:lvl3pPr marL="914400" indent="0">
-              <a:buNone/>
-              <a:defRPr sz="1600">
-                <a:solidFill>
-                  <a:schemeClr val="tx1">
-                    <a:tint val="75000"/>
-                  </a:schemeClr>
-                </a:solidFill>
-              </a:defRPr>
-            </a:lvl3pPr>
-            <a:lvl4pPr marL="1371600" indent="0">
-              <a:buNone/>
-              <a:defRPr sz="1400">
-                <a:solidFill>
-                  <a:schemeClr val="tx1">
-                    <a:tint val="75000"/>
-                  </a:schemeClr>
-                </a:solidFill>
-              </a:defRPr>
-            </a:lvl4pPr>
-            <a:lvl5pPr marL="1828800" indent="0">
-              <a:buNone/>
-              <a:defRPr sz="1400">
-                <a:solidFill>
-                  <a:schemeClr val="tx1">
-                    <a:tint val="75000"/>
-                  </a:schemeClr>
-                </a:solidFill>
-              </a:defRPr>
-            </a:lvl5pPr>
-            <a:lvl6pPr marL="2286000" indent="0">
-              <a:buNone/>
-              <a:defRPr sz="1400">
-                <a:solidFill>
-                  <a:schemeClr val="tx1">
-                    <a:tint val="75000"/>
-                  </a:schemeClr>
-                </a:solidFill>
-              </a:defRPr>
-            </a:lvl6pPr>
-            <a:lvl7pPr marL="2743200" indent="0">
-              <a:buNone/>
-              <a:defRPr sz="1400">
-                <a:solidFill>
-                  <a:schemeClr val="tx1">
-                    <a:tint val="75000"/>
-                  </a:schemeClr>
-                </a:solidFill>
-              </a:defRPr>
-            </a:lvl7pPr>
-            <a:lvl8pPr marL="3200400" indent="0">
-              <a:buNone/>
-              <a:defRPr sz="1400">
-                <a:solidFill>
-                  <a:schemeClr val="tx1">
-                    <a:tint val="75000"/>
-                  </a:schemeClr>
-                </a:solidFill>
-              </a:defRPr>
-            </a:lvl8pPr>
-            <a:lvl9pPr marL="3657600" indent="0">
-              <a:buNone/>
-              <a:defRPr sz="1400">
-                <a:solidFill>
-                  <a:schemeClr val="tx1">
-                    <a:tint val="75000"/>
-                  </a:schemeClr>
-                </a:solidFill>
-              </a:defRPr>
-            </a:lvl9pPr>
-          </a:lstStyle>
-          <a:p>
-            <a:pPr lvl="0"/>
-            <a:r>
-              <a:rPr lang="en-US"/>
-              <a:t>Edit Master text styles</a:t>
-            </a:r>
-          </a:p>
-        </p:txBody>
-      </p:sp>
-      <p:sp>
-        <p:nvSpPr>
-          <p:cNvPr id="4" name="Date Placeholder 3"/>
-          <p:cNvSpPr>
-            <a:spLocks noGrp="1"/>
-          </p:cNvSpPr>
-          <p:nvPr>
-            <p:ph type="dt" sz="half" idx="10"/>
-          </p:nvPr>
-        </p:nvSpPr>
-        <p:spPr/>
-        <p:txBody>
-          <a:bodyPr/>
-          <a:lstStyle/>
-          <a:p>
-            <a:fld id="{52A40D1F-8DC8-452B-B505-1D78AF183F5D}" type="datetimeFigureOut">
-              <a:rPr lang="en-CA" smtClean="0"/>
-              <a:t>9/2/2021</a:t>
-            </a:fld>
-            <a:endParaRPr lang="en-CA"/>
-          </a:p>
-        </p:txBody>
-      </p:sp>
-      <p:sp>
-        <p:nvSpPr>
-          <p:cNvPr id="5" name="Footer Placeholder 4"/>
-          <p:cNvSpPr>
-            <a:spLocks noGrp="1"/>
-          </p:cNvSpPr>
-          <p:nvPr>
-            <p:ph type="ftr" sz="quarter" idx="11"/>
-          </p:nvPr>
-        </p:nvSpPr>
-        <p:spPr/>
-        <p:txBody>
-          <a:bodyPr/>
-          <a:lstStyle/>
-          <a:p>
-            <a:endParaRPr lang="en-CA"/>
-          </a:p>
-        </p:txBody>
-      </p:sp>
-      <p:sp>
-        <p:nvSpPr>
-          <p:cNvPr id="6" name="Slide Number Placeholder 5"/>
-          <p:cNvSpPr>
-            <a:spLocks noGrp="1"/>
-          </p:cNvSpPr>
-          <p:nvPr>
-            <p:ph type="sldNum" sz="quarter" idx="12"/>
-          </p:nvPr>
-        </p:nvSpPr>
-        <p:spPr/>
-        <p:txBody>
-          <a:bodyPr/>
-          <a:lstStyle/>
-          <a:p>
-            <a:fld id="{BA6AED20-9E11-4005-9576-ED72CEB72F0C}" type="slidenum">
-              <a:rPr lang="en-CA" smtClean="0"/>
-              <a:t>‹#›</a:t>
-            </a:fld>
-            <a:endParaRPr lang="en-CA"/>
+            <a:endParaRPr lang="en-US" dirty="0">
+              <a:solidFill>
+                <a:schemeClr val="accent1">
+                  <a:lumMod val="60000"/>
+                  <a:lumOff val="40000"/>
+                </a:schemeClr>
+              </a:solidFill>
+              <a:latin typeface="Arial"/>
+            </a:endParaRPr>
           </a:p>
         </p:txBody>
       </p:sp>
     </p:spTree>
     <p:extLst>
       <p:ext uri="{BB962C8B-B14F-4D97-AF65-F5344CB8AC3E}">
-        <p14:creationId xmlns:p14="http://schemas.microsoft.com/office/powerpoint/2010/main" val="1907248405"/>
+        <p14:creationId xmlns:p14="http://schemas.microsoft.com/office/powerpoint/2010/main" val="1366326383"/>
       </p:ext>
     </p:extLst>
   </p:cSld>
@@ -3100,7 +3145,7 @@
 </p:sldLayout>
 </file>
 
-<file path=ppt/slideLayouts/slideLayout13.xml><?xml version="1.0" encoding="utf-8"?>
+<file path=ppt/slideLayouts/slideLayout12.xml><?xml version="1.0" encoding="utf-8"?>
 <p:sldLayout xmlns:a="http://schemas.openxmlformats.org/drawingml/2006/main" xmlns:r="http://schemas.openxmlformats.org/officeDocument/2006/relationships" xmlns:p="http://schemas.openxmlformats.org/presentationml/2006/main" preserve="1">
   <p:cSld name="Name Card">
     <p:spTree>
@@ -3129,8 +3174,8 @@
         </p:nvSpPr>
         <p:spPr>
           <a:xfrm>
-            <a:off x="1484313" y="3308581"/>
-            <a:ext cx="10018709" cy="1468800"/>
+            <a:off x="677335" y="1931988"/>
+            <a:ext cx="8596668" cy="2595460"/>
           </a:xfrm>
         </p:spPr>
         <p:txBody>
@@ -3138,8 +3183,8 @@
             <a:normAutofit/>
           </a:bodyPr>
           <a:lstStyle>
-            <a:lvl1pPr algn="r">
-              <a:defRPr sz="3200" b="0" cap="none"/>
+            <a:lvl1pPr algn="l">
+              <a:defRPr sz="4400" b="0" cap="none"/>
             </a:lvl1pPr>
           </a:lstStyle>
           <a:p>
@@ -3163,8 +3208,8 @@
         </p:nvSpPr>
         <p:spPr>
           <a:xfrm>
-            <a:off x="1484312" y="4777381"/>
-            <a:ext cx="10018710" cy="860400"/>
+            <a:off x="677335" y="4527448"/>
+            <a:ext cx="8596668" cy="1513914"/>
           </a:xfrm>
         </p:spPr>
         <p:txBody>
@@ -3172,11 +3217,14 @@
             <a:normAutofit/>
           </a:bodyPr>
           <a:lstStyle>
-            <a:lvl1pPr marL="0" indent="0" algn="r">
-              <a:buNone/>
-              <a:defRPr sz="2000">
-                <a:solidFill>
-                  <a:schemeClr val="tx1"/>
+            <a:lvl1pPr marL="0" indent="0" algn="l">
+              <a:buNone/>
+              <a:defRPr sz="1800">
+                <a:solidFill>
+                  <a:schemeClr val="tx1">
+                    <a:lumMod val="75000"/>
+                    <a:lumOff val="25000"/>
+                  </a:schemeClr>
                 </a:solidFill>
               </a:defRPr>
             </a:lvl1pPr>
@@ -3287,7 +3335,7 @@
           <a:p>
             <a:fld id="{52A40D1F-8DC8-452B-B505-1D78AF183F5D}" type="datetimeFigureOut">
               <a:rPr lang="en-CA" smtClean="0"/>
-              <a:t>9/2/2021</a:t>
+              <a:t>9/3/2021</a:t>
             </a:fld>
             <a:endParaRPr lang="en-CA"/>
           </a:p>
@@ -3338,7 +3386,7 @@
     </p:spTree>
     <p:extLst>
       <p:ext uri="{BB962C8B-B14F-4D97-AF65-F5344CB8AC3E}">
-        <p14:creationId xmlns:p14="http://schemas.microsoft.com/office/powerpoint/2010/main" val="3152906505"/>
+        <p14:creationId xmlns:p14="http://schemas.microsoft.com/office/powerpoint/2010/main" val="1530519905"/>
       </p:ext>
     </p:extLst>
   </p:cSld>
@@ -3348,7 +3396,7 @@
 </p:sldLayout>
 </file>
 
-<file path=ppt/slideLayouts/slideLayout14.xml><?xml version="1.0" encoding="utf-8"?>
+<file path=ppt/slideLayouts/slideLayout13.xml><?xml version="1.0" encoding="utf-8"?>
 <p:sldLayout xmlns:a="http://schemas.openxmlformats.org/drawingml/2006/main" xmlns:r="http://schemas.openxmlformats.org/officeDocument/2006/relationships" xmlns:p="http://schemas.openxmlformats.org/presentationml/2006/main" preserve="1">
   <p:cSld name="Quote Name Card">
     <p:spTree>
@@ -3367,13 +3415,297 @@
       </p:grpSpPr>
       <p:sp>
         <p:nvSpPr>
-          <p:cNvPr id="14" name="TextBox 13"/>
+          <p:cNvPr id="2" name="Title 1"/>
+          <p:cNvSpPr>
+            <a:spLocks noGrp="1"/>
+          </p:cNvSpPr>
+          <p:nvPr>
+            <p:ph type="title"/>
+          </p:nvPr>
+        </p:nvSpPr>
+        <p:spPr>
+          <a:xfrm>
+            <a:off x="931334" y="609600"/>
+            <a:ext cx="8094134" cy="3022600"/>
+          </a:xfrm>
+        </p:spPr>
+        <p:txBody>
+          <a:bodyPr anchor="ctr">
+            <a:normAutofit/>
+          </a:bodyPr>
+          <a:lstStyle>
+            <a:lvl1pPr algn="l">
+              <a:defRPr sz="4400" b="0" cap="none"/>
+            </a:lvl1pPr>
+          </a:lstStyle>
+          <a:p>
+            <a:r>
+              <a:rPr lang="en-US"/>
+              <a:t>Click to edit Master title style</a:t>
+            </a:r>
+            <a:endParaRPr lang="en-US" dirty="0"/>
+          </a:p>
+        </p:txBody>
+      </p:sp>
+      <p:sp>
+        <p:nvSpPr>
+          <p:cNvPr id="23" name="Text Placeholder 9"/>
+          <p:cNvSpPr>
+            <a:spLocks noGrp="1"/>
+          </p:cNvSpPr>
+          <p:nvPr>
+            <p:ph type="body" sz="quarter" idx="13"/>
+          </p:nvPr>
+        </p:nvSpPr>
+        <p:spPr>
+          <a:xfrm>
+            <a:off x="677332" y="4013200"/>
+            <a:ext cx="8596669" cy="514248"/>
+          </a:xfrm>
+        </p:spPr>
+        <p:txBody>
+          <a:bodyPr anchor="b">
+            <a:noAutofit/>
+          </a:bodyPr>
+          <a:lstStyle>
+            <a:lvl1pPr marL="0" indent="0">
+              <a:buFontTx/>
+              <a:buNone/>
+              <a:defRPr sz="2400">
+                <a:solidFill>
+                  <a:schemeClr val="tx1">
+                    <a:lumMod val="75000"/>
+                    <a:lumOff val="25000"/>
+                  </a:schemeClr>
+                </a:solidFill>
+              </a:defRPr>
+            </a:lvl1pPr>
+            <a:lvl2pPr marL="457200" indent="0">
+              <a:buFontTx/>
+              <a:buNone/>
+              <a:defRPr/>
+            </a:lvl2pPr>
+            <a:lvl3pPr marL="914400" indent="0">
+              <a:buFontTx/>
+              <a:buNone/>
+              <a:defRPr/>
+            </a:lvl3pPr>
+            <a:lvl4pPr marL="1371600" indent="0">
+              <a:buFontTx/>
+              <a:buNone/>
+              <a:defRPr/>
+            </a:lvl4pPr>
+            <a:lvl5pPr marL="1828800" indent="0">
+              <a:buFontTx/>
+              <a:buNone/>
+              <a:defRPr/>
+            </a:lvl5pPr>
+          </a:lstStyle>
+          <a:p>
+            <a:pPr lvl="0"/>
+            <a:r>
+              <a:rPr lang="en-US"/>
+              <a:t>Edit Master text styles</a:t>
+            </a:r>
+          </a:p>
+        </p:txBody>
+      </p:sp>
+      <p:sp>
+        <p:nvSpPr>
+          <p:cNvPr id="3" name="Text Placeholder 2"/>
+          <p:cNvSpPr>
+            <a:spLocks noGrp="1"/>
+          </p:cNvSpPr>
+          <p:nvPr>
+            <p:ph type="body" idx="1"/>
+          </p:nvPr>
+        </p:nvSpPr>
+        <p:spPr>
+          <a:xfrm>
+            <a:off x="677335" y="4527448"/>
+            <a:ext cx="8596668" cy="1513914"/>
+          </a:xfrm>
+        </p:spPr>
+        <p:txBody>
+          <a:bodyPr anchor="t">
+            <a:normAutofit/>
+          </a:bodyPr>
+          <a:lstStyle>
+            <a:lvl1pPr marL="0" indent="0" algn="l">
+              <a:buNone/>
+              <a:defRPr sz="1800">
+                <a:solidFill>
+                  <a:schemeClr val="tx1">
+                    <a:lumMod val="50000"/>
+                    <a:lumOff val="50000"/>
+                  </a:schemeClr>
+                </a:solidFill>
+              </a:defRPr>
+            </a:lvl1pPr>
+            <a:lvl2pPr marL="457200" indent="0">
+              <a:buNone/>
+              <a:defRPr sz="1800">
+                <a:solidFill>
+                  <a:schemeClr val="tx1">
+                    <a:tint val="75000"/>
+                  </a:schemeClr>
+                </a:solidFill>
+              </a:defRPr>
+            </a:lvl2pPr>
+            <a:lvl3pPr marL="914400" indent="0">
+              <a:buNone/>
+              <a:defRPr sz="1600">
+                <a:solidFill>
+                  <a:schemeClr val="tx1">
+                    <a:tint val="75000"/>
+                  </a:schemeClr>
+                </a:solidFill>
+              </a:defRPr>
+            </a:lvl3pPr>
+            <a:lvl4pPr marL="1371600" indent="0">
+              <a:buNone/>
+              <a:defRPr sz="1400">
+                <a:solidFill>
+                  <a:schemeClr val="tx1">
+                    <a:tint val="75000"/>
+                  </a:schemeClr>
+                </a:solidFill>
+              </a:defRPr>
+            </a:lvl4pPr>
+            <a:lvl5pPr marL="1828800" indent="0">
+              <a:buNone/>
+              <a:defRPr sz="1400">
+                <a:solidFill>
+                  <a:schemeClr val="tx1">
+                    <a:tint val="75000"/>
+                  </a:schemeClr>
+                </a:solidFill>
+              </a:defRPr>
+            </a:lvl5pPr>
+            <a:lvl6pPr marL="2286000" indent="0">
+              <a:buNone/>
+              <a:defRPr sz="1400">
+                <a:solidFill>
+                  <a:schemeClr val="tx1">
+                    <a:tint val="75000"/>
+                  </a:schemeClr>
+                </a:solidFill>
+              </a:defRPr>
+            </a:lvl6pPr>
+            <a:lvl7pPr marL="2743200" indent="0">
+              <a:buNone/>
+              <a:defRPr sz="1400">
+                <a:solidFill>
+                  <a:schemeClr val="tx1">
+                    <a:tint val="75000"/>
+                  </a:schemeClr>
+                </a:solidFill>
+              </a:defRPr>
+            </a:lvl7pPr>
+            <a:lvl8pPr marL="3200400" indent="0">
+              <a:buNone/>
+              <a:defRPr sz="1400">
+                <a:solidFill>
+                  <a:schemeClr val="tx1">
+                    <a:tint val="75000"/>
+                  </a:schemeClr>
+                </a:solidFill>
+              </a:defRPr>
+            </a:lvl8pPr>
+            <a:lvl9pPr marL="3657600" indent="0">
+              <a:buNone/>
+              <a:defRPr sz="1400">
+                <a:solidFill>
+                  <a:schemeClr val="tx1">
+                    <a:tint val="75000"/>
+                  </a:schemeClr>
+                </a:solidFill>
+              </a:defRPr>
+            </a:lvl9pPr>
+          </a:lstStyle>
+          <a:p>
+            <a:pPr lvl="0"/>
+            <a:r>
+              <a:rPr lang="en-US"/>
+              <a:t>Edit Master text styles</a:t>
+            </a:r>
+          </a:p>
+        </p:txBody>
+      </p:sp>
+      <p:sp>
+        <p:nvSpPr>
+          <p:cNvPr id="4" name="Date Placeholder 3"/>
+          <p:cNvSpPr>
+            <a:spLocks noGrp="1"/>
+          </p:cNvSpPr>
+          <p:nvPr>
+            <p:ph type="dt" sz="half" idx="10"/>
+          </p:nvPr>
+        </p:nvSpPr>
+        <p:spPr/>
+        <p:txBody>
+          <a:bodyPr/>
+          <a:lstStyle/>
+          <a:p>
+            <a:fld id="{52A40D1F-8DC8-452B-B505-1D78AF183F5D}" type="datetimeFigureOut">
+              <a:rPr lang="en-CA" smtClean="0"/>
+              <a:t>9/3/2021</a:t>
+            </a:fld>
+            <a:endParaRPr lang="en-CA"/>
+          </a:p>
+        </p:txBody>
+      </p:sp>
+      <p:sp>
+        <p:nvSpPr>
+          <p:cNvPr id="5" name="Footer Placeholder 4"/>
+          <p:cNvSpPr>
+            <a:spLocks noGrp="1"/>
+          </p:cNvSpPr>
+          <p:nvPr>
+            <p:ph type="ftr" sz="quarter" idx="11"/>
+          </p:nvPr>
+        </p:nvSpPr>
+        <p:spPr/>
+        <p:txBody>
+          <a:bodyPr/>
+          <a:lstStyle/>
+          <a:p>
+            <a:endParaRPr lang="en-CA"/>
+          </a:p>
+        </p:txBody>
+      </p:sp>
+      <p:sp>
+        <p:nvSpPr>
+          <p:cNvPr id="6" name="Slide Number Placeholder 5"/>
+          <p:cNvSpPr>
+            <a:spLocks noGrp="1"/>
+          </p:cNvSpPr>
+          <p:nvPr>
+            <p:ph type="sldNum" sz="quarter" idx="12"/>
+          </p:nvPr>
+        </p:nvSpPr>
+        <p:spPr/>
+        <p:txBody>
+          <a:bodyPr/>
+          <a:lstStyle/>
+          <a:p>
+            <a:fld id="{BA6AED20-9E11-4005-9576-ED72CEB72F0C}" type="slidenum">
+              <a:rPr lang="en-CA" smtClean="0"/>
+              <a:t>‹#›</a:t>
+            </a:fld>
+            <a:endParaRPr lang="en-CA"/>
+          </a:p>
+        </p:txBody>
+      </p:sp>
+      <p:sp>
+        <p:nvSpPr>
+          <p:cNvPr id="24" name="TextBox 23"/>
           <p:cNvSpPr txBox="1"/>
           <p:nvPr/>
         </p:nvSpPr>
         <p:spPr>
           <a:xfrm>
-            <a:off x="1598612" y="863023"/>
+            <a:off x="541870" y="790378"/>
             <a:ext cx="609600" cy="584776"/>
           </a:xfrm>
           <a:prstGeom prst="rect">
@@ -3384,97 +3716,22 @@
           <a:bodyPr vert="horz" lIns="91440" tIns="45720" rIns="91440" bIns="45720" rtlCol="0" anchor="ctr">
             <a:noAutofit/>
           </a:bodyPr>
-          <a:lstStyle>
-            <a:lvl1pPr>
-              <a:spcBef>
-                <a:spcPct val="0"/>
-              </a:spcBef>
-              <a:buNone/>
-              <a:defRPr sz="3200" b="0" cap="all">
+          <a:lstStyle/>
+          <a:p>
+            <a:pPr lvl="0"/>
+            <a:r>
+              <a:rPr lang="en-US" sz="8000" baseline="0" dirty="0">
                 <a:ln w="3175" cmpd="sng">
                   <a:noFill/>
                 </a:ln>
-                <a:effectLst>
-                  <a:glow rad="38100">
-                    <a:schemeClr val="bg1">
-                      <a:lumMod val="65000"/>
-                      <a:lumOff val="35000"/>
-                      <a:alpha val="40000"/>
-                    </a:schemeClr>
-                  </a:glow>
-                  <a:outerShdw blurRad="28575" dist="38100" dir="14040000" algn="tl" rotWithShape="0">
-                    <a:srgbClr val="000000">
-                      <a:alpha val="25000"/>
-                    </a:srgbClr>
-                  </a:outerShdw>
-                </a:effectLst>
-              </a:defRPr>
-            </a:lvl1pPr>
-            <a:lvl2pPr>
-              <a:defRPr>
-                <a:solidFill>
-                  <a:schemeClr val="tx2"/>
-                </a:solidFill>
-              </a:defRPr>
-            </a:lvl2pPr>
-            <a:lvl3pPr>
-              <a:defRPr>
-                <a:solidFill>
-                  <a:schemeClr val="tx2"/>
-                </a:solidFill>
-              </a:defRPr>
-            </a:lvl3pPr>
-            <a:lvl4pPr>
-              <a:defRPr>
-                <a:solidFill>
-                  <a:schemeClr val="tx2"/>
-                </a:solidFill>
-              </a:defRPr>
-            </a:lvl4pPr>
-            <a:lvl5pPr>
-              <a:defRPr>
-                <a:solidFill>
-                  <a:schemeClr val="tx2"/>
-                </a:solidFill>
-              </a:defRPr>
-            </a:lvl5pPr>
-            <a:lvl6pPr>
-              <a:defRPr>
-                <a:solidFill>
-                  <a:schemeClr val="tx2"/>
-                </a:solidFill>
-              </a:defRPr>
-            </a:lvl6pPr>
-            <a:lvl7pPr>
-              <a:defRPr>
-                <a:solidFill>
-                  <a:schemeClr val="tx2"/>
-                </a:solidFill>
-              </a:defRPr>
-            </a:lvl7pPr>
-            <a:lvl8pPr>
-              <a:defRPr>
-                <a:solidFill>
-                  <a:schemeClr val="tx2"/>
-                </a:solidFill>
-              </a:defRPr>
-            </a:lvl8pPr>
-            <a:lvl9pPr>
-              <a:defRPr>
-                <a:solidFill>
-                  <a:schemeClr val="tx2"/>
-                </a:solidFill>
-              </a:defRPr>
-            </a:lvl9pPr>
-          </a:lstStyle>
-          <a:p>
-            <a:pPr lvl="0"/>
-            <a:r>
-              <a:rPr lang="en-US" sz="8000" dirty="0">
-                <a:solidFill>
-                  <a:schemeClr val="tx1"/>
+                <a:solidFill>
+                  <a:schemeClr val="accent1">
+                    <a:lumMod val="60000"/>
+                    <a:lumOff val="40000"/>
+                  </a:schemeClr>
                 </a:solidFill>
                 <a:effectLst/>
+                <a:latin typeface="Arial"/>
               </a:rPr>
               <a:t>“</a:t>
             </a:r>
@@ -3483,13 +3740,13 @@
       </p:sp>
       <p:sp>
         <p:nvSpPr>
-          <p:cNvPr id="15" name="TextBox 14"/>
+          <p:cNvPr id="25" name="TextBox 24"/>
           <p:cNvSpPr txBox="1"/>
           <p:nvPr/>
         </p:nvSpPr>
         <p:spPr>
           <a:xfrm>
-            <a:off x="10893425" y="2819399"/>
+            <a:off x="8893011" y="2886556"/>
             <a:ext cx="609600" cy="584776"/>
           </a:xfrm>
           <a:prstGeom prst="rect">
@@ -3500,377 +3757,32 @@
           <a:bodyPr vert="horz" lIns="91440" tIns="45720" rIns="91440" bIns="45720" rtlCol="0" anchor="ctr">
             <a:noAutofit/>
           </a:bodyPr>
-          <a:lstStyle>
-            <a:lvl1pPr>
-              <a:spcBef>
-                <a:spcPct val="0"/>
-              </a:spcBef>
-              <a:buNone/>
-              <a:defRPr sz="3200" b="0" cap="all">
+          <a:lstStyle/>
+          <a:p>
+            <a:pPr lvl="0"/>
+            <a:r>
+              <a:rPr lang="en-US" sz="8000" baseline="0" dirty="0">
                 <a:ln w="3175" cmpd="sng">
                   <a:noFill/>
                 </a:ln>
-                <a:effectLst>
-                  <a:glow rad="38100">
-                    <a:schemeClr val="bg1">
-                      <a:lumMod val="65000"/>
-                      <a:lumOff val="35000"/>
-                      <a:alpha val="40000"/>
-                    </a:schemeClr>
-                  </a:glow>
-                  <a:outerShdw blurRad="28575" dist="38100" dir="14040000" algn="tl" rotWithShape="0">
-                    <a:srgbClr val="000000">
-                      <a:alpha val="25000"/>
-                    </a:srgbClr>
-                  </a:outerShdw>
-                </a:effectLst>
-              </a:defRPr>
-            </a:lvl1pPr>
-            <a:lvl2pPr>
-              <a:defRPr>
-                <a:solidFill>
-                  <a:schemeClr val="tx2"/>
-                </a:solidFill>
-              </a:defRPr>
-            </a:lvl2pPr>
-            <a:lvl3pPr>
-              <a:defRPr>
-                <a:solidFill>
-                  <a:schemeClr val="tx2"/>
-                </a:solidFill>
-              </a:defRPr>
-            </a:lvl3pPr>
-            <a:lvl4pPr>
-              <a:defRPr>
-                <a:solidFill>
-                  <a:schemeClr val="tx2"/>
-                </a:solidFill>
-              </a:defRPr>
-            </a:lvl4pPr>
-            <a:lvl5pPr>
-              <a:defRPr>
-                <a:solidFill>
-                  <a:schemeClr val="tx2"/>
-                </a:solidFill>
-              </a:defRPr>
-            </a:lvl5pPr>
-            <a:lvl6pPr>
-              <a:defRPr>
-                <a:solidFill>
-                  <a:schemeClr val="tx2"/>
-                </a:solidFill>
-              </a:defRPr>
-            </a:lvl6pPr>
-            <a:lvl7pPr>
-              <a:defRPr>
-                <a:solidFill>
-                  <a:schemeClr val="tx2"/>
-                </a:solidFill>
-              </a:defRPr>
-            </a:lvl7pPr>
-            <a:lvl8pPr>
-              <a:defRPr>
-                <a:solidFill>
-                  <a:schemeClr val="tx2"/>
-                </a:solidFill>
-              </a:defRPr>
-            </a:lvl8pPr>
-            <a:lvl9pPr>
-              <a:defRPr>
-                <a:solidFill>
-                  <a:schemeClr val="tx2"/>
-                </a:solidFill>
-              </a:defRPr>
-            </a:lvl9pPr>
-          </a:lstStyle>
-          <a:p>
-            <a:pPr lvl="0" algn="r"/>
-            <a:r>
-              <a:rPr lang="en-US" sz="8000" dirty="0">
-                <a:solidFill>
-                  <a:schemeClr val="tx1"/>
+                <a:solidFill>
+                  <a:schemeClr val="accent1">
+                    <a:lumMod val="60000"/>
+                    <a:lumOff val="40000"/>
+                  </a:schemeClr>
                 </a:solidFill>
                 <a:effectLst/>
+                <a:latin typeface="Arial"/>
               </a:rPr>
               <a:t>”</a:t>
             </a:r>
-          </a:p>
-        </p:txBody>
-      </p:sp>
-      <p:sp>
-        <p:nvSpPr>
-          <p:cNvPr id="2" name="Title 1"/>
-          <p:cNvSpPr>
-            <a:spLocks noGrp="1"/>
-          </p:cNvSpPr>
-          <p:nvPr>
-            <p:ph type="title"/>
-          </p:nvPr>
-        </p:nvSpPr>
-        <p:spPr>
-          <a:xfrm>
-            <a:off x="2208212" y="685800"/>
-            <a:ext cx="8990012" cy="2743199"/>
-          </a:xfrm>
-        </p:spPr>
-        <p:txBody>
-          <a:bodyPr anchor="ctr">
-            <a:normAutofit/>
-          </a:bodyPr>
-          <a:lstStyle>
-            <a:lvl1pPr algn="ctr">
-              <a:defRPr sz="3200" b="0" cap="none">
-                <a:solidFill>
-                  <a:schemeClr val="tx1"/>
-                </a:solidFill>
-              </a:defRPr>
-            </a:lvl1pPr>
-          </a:lstStyle>
-          <a:p>
-            <a:r>
-              <a:rPr lang="en-US"/>
-              <a:t>Click to edit Master title style</a:t>
-            </a:r>
-            <a:endParaRPr lang="en-US" dirty="0"/>
-          </a:p>
-        </p:txBody>
-      </p:sp>
-      <p:sp>
-        <p:nvSpPr>
-          <p:cNvPr id="10" name="Text Placeholder 9"/>
-          <p:cNvSpPr>
-            <a:spLocks noGrp="1"/>
-          </p:cNvSpPr>
-          <p:nvPr>
-            <p:ph type="body" sz="quarter" idx="13"/>
-          </p:nvPr>
-        </p:nvSpPr>
-        <p:spPr>
-          <a:xfrm>
-            <a:off x="1484313" y="3886200"/>
-            <a:ext cx="10018710" cy="889000"/>
-          </a:xfrm>
-        </p:spPr>
-        <p:txBody>
-          <a:bodyPr vert="horz" lIns="91440" tIns="45720" rIns="91440" bIns="45720" rtlCol="0" anchor="b">
-            <a:normAutofit/>
-          </a:bodyPr>
-          <a:lstStyle>
-            <a:lvl1pPr algn="r">
-              <a:buNone/>
-              <a:defRPr lang="en-US" sz="2400" b="0" cap="none" dirty="0">
-                <a:ln w="3175" cmpd="sng">
-                  <a:noFill/>
-                </a:ln>
-                <a:solidFill>
-                  <a:schemeClr val="tx1"/>
-                </a:solidFill>
-                <a:effectLst/>
-              </a:defRPr>
-            </a:lvl1pPr>
-          </a:lstStyle>
-          <a:p>
-            <a:pPr marL="0" lvl="0">
-              <a:spcBef>
-                <a:spcPct val="0"/>
-              </a:spcBef>
-              <a:buNone/>
-            </a:pPr>
-            <a:r>
-              <a:rPr lang="en-US"/>
-              <a:t>Edit Master text styles</a:t>
-            </a:r>
-          </a:p>
-        </p:txBody>
-      </p:sp>
-      <p:sp>
-        <p:nvSpPr>
-          <p:cNvPr id="3" name="Text Placeholder 2"/>
-          <p:cNvSpPr>
-            <a:spLocks noGrp="1"/>
-          </p:cNvSpPr>
-          <p:nvPr>
-            <p:ph type="body" idx="1"/>
-          </p:nvPr>
-        </p:nvSpPr>
-        <p:spPr>
-          <a:xfrm>
-            <a:off x="1484312" y="4775200"/>
-            <a:ext cx="10018710" cy="1016000"/>
-          </a:xfrm>
-        </p:spPr>
-        <p:txBody>
-          <a:bodyPr anchor="t">
-            <a:normAutofit/>
-          </a:bodyPr>
-          <a:lstStyle>
-            <a:lvl1pPr marL="0" indent="0" algn="r">
-              <a:buNone/>
-              <a:defRPr sz="1800">
-                <a:solidFill>
-                  <a:schemeClr val="tx1"/>
-                </a:solidFill>
-              </a:defRPr>
-            </a:lvl1pPr>
-            <a:lvl2pPr marL="457200" indent="0">
-              <a:buNone/>
-              <a:defRPr sz="1800">
-                <a:solidFill>
-                  <a:schemeClr val="tx1">
-                    <a:tint val="75000"/>
-                  </a:schemeClr>
-                </a:solidFill>
-              </a:defRPr>
-            </a:lvl2pPr>
-            <a:lvl3pPr marL="914400" indent="0">
-              <a:buNone/>
-              <a:defRPr sz="1600">
-                <a:solidFill>
-                  <a:schemeClr val="tx1">
-                    <a:tint val="75000"/>
-                  </a:schemeClr>
-                </a:solidFill>
-              </a:defRPr>
-            </a:lvl3pPr>
-            <a:lvl4pPr marL="1371600" indent="0">
-              <a:buNone/>
-              <a:defRPr sz="1400">
-                <a:solidFill>
-                  <a:schemeClr val="tx1">
-                    <a:tint val="75000"/>
-                  </a:schemeClr>
-                </a:solidFill>
-              </a:defRPr>
-            </a:lvl4pPr>
-            <a:lvl5pPr marL="1828800" indent="0">
-              <a:buNone/>
-              <a:defRPr sz="1400">
-                <a:solidFill>
-                  <a:schemeClr val="tx1">
-                    <a:tint val="75000"/>
-                  </a:schemeClr>
-                </a:solidFill>
-              </a:defRPr>
-            </a:lvl5pPr>
-            <a:lvl6pPr marL="2286000" indent="0">
-              <a:buNone/>
-              <a:defRPr sz="1400">
-                <a:solidFill>
-                  <a:schemeClr val="tx1">
-                    <a:tint val="75000"/>
-                  </a:schemeClr>
-                </a:solidFill>
-              </a:defRPr>
-            </a:lvl6pPr>
-            <a:lvl7pPr marL="2743200" indent="0">
-              <a:buNone/>
-              <a:defRPr sz="1400">
-                <a:solidFill>
-                  <a:schemeClr val="tx1">
-                    <a:tint val="75000"/>
-                  </a:schemeClr>
-                </a:solidFill>
-              </a:defRPr>
-            </a:lvl7pPr>
-            <a:lvl8pPr marL="3200400" indent="0">
-              <a:buNone/>
-              <a:defRPr sz="1400">
-                <a:solidFill>
-                  <a:schemeClr val="tx1">
-                    <a:tint val="75000"/>
-                  </a:schemeClr>
-                </a:solidFill>
-              </a:defRPr>
-            </a:lvl8pPr>
-            <a:lvl9pPr marL="3657600" indent="0">
-              <a:buNone/>
-              <a:defRPr sz="1400">
-                <a:solidFill>
-                  <a:schemeClr val="tx1">
-                    <a:tint val="75000"/>
-                  </a:schemeClr>
-                </a:solidFill>
-              </a:defRPr>
-            </a:lvl9pPr>
-          </a:lstStyle>
-          <a:p>
-            <a:pPr lvl="0"/>
-            <a:r>
-              <a:rPr lang="en-US"/>
-              <a:t>Edit Master text styles</a:t>
-            </a:r>
-          </a:p>
-        </p:txBody>
-      </p:sp>
-      <p:sp>
-        <p:nvSpPr>
-          <p:cNvPr id="4" name="Date Placeholder 3"/>
-          <p:cNvSpPr>
-            <a:spLocks noGrp="1"/>
-          </p:cNvSpPr>
-          <p:nvPr>
-            <p:ph type="dt" sz="half" idx="10"/>
-          </p:nvPr>
-        </p:nvSpPr>
-        <p:spPr/>
-        <p:txBody>
-          <a:bodyPr/>
-          <a:lstStyle/>
-          <a:p>
-            <a:fld id="{52A40D1F-8DC8-452B-B505-1D78AF183F5D}" type="datetimeFigureOut">
-              <a:rPr lang="en-CA" smtClean="0"/>
-              <a:t>9/2/2021</a:t>
-            </a:fld>
-            <a:endParaRPr lang="en-CA"/>
-          </a:p>
-        </p:txBody>
-      </p:sp>
-      <p:sp>
-        <p:nvSpPr>
-          <p:cNvPr id="5" name="Footer Placeholder 4"/>
-          <p:cNvSpPr>
-            <a:spLocks noGrp="1"/>
-          </p:cNvSpPr>
-          <p:nvPr>
-            <p:ph type="ftr" sz="quarter" idx="11"/>
-          </p:nvPr>
-        </p:nvSpPr>
-        <p:spPr/>
-        <p:txBody>
-          <a:bodyPr/>
-          <a:lstStyle/>
-          <a:p>
-            <a:endParaRPr lang="en-CA"/>
-          </a:p>
-        </p:txBody>
-      </p:sp>
-      <p:sp>
-        <p:nvSpPr>
-          <p:cNvPr id="6" name="Slide Number Placeholder 5"/>
-          <p:cNvSpPr>
-            <a:spLocks noGrp="1"/>
-          </p:cNvSpPr>
-          <p:nvPr>
-            <p:ph type="sldNum" sz="quarter" idx="12"/>
-          </p:nvPr>
-        </p:nvSpPr>
-        <p:spPr/>
-        <p:txBody>
-          <a:bodyPr/>
-          <a:lstStyle/>
-          <a:p>
-            <a:fld id="{BA6AED20-9E11-4005-9576-ED72CEB72F0C}" type="slidenum">
-              <a:rPr lang="en-CA" smtClean="0"/>
-              <a:t>‹#›</a:t>
-            </a:fld>
-            <a:endParaRPr lang="en-CA"/>
           </a:p>
         </p:txBody>
       </p:sp>
     </p:spTree>
     <p:extLst>
       <p:ext uri="{BB962C8B-B14F-4D97-AF65-F5344CB8AC3E}">
-        <p14:creationId xmlns:p14="http://schemas.microsoft.com/office/powerpoint/2010/main" val="261805054"/>
+        <p14:creationId xmlns:p14="http://schemas.microsoft.com/office/powerpoint/2010/main" val="1318477021"/>
       </p:ext>
     </p:extLst>
   </p:cSld>
@@ -3880,7 +3792,7 @@
 </p:sldLayout>
 </file>
 
-<file path=ppt/slideLayouts/slideLayout15.xml><?xml version="1.0" encoding="utf-8"?>
+<file path=ppt/slideLayouts/slideLayout14.xml><?xml version="1.0" encoding="utf-8"?>
 <p:sldLayout xmlns:a="http://schemas.openxmlformats.org/drawingml/2006/main" xmlns:r="http://schemas.openxmlformats.org/officeDocument/2006/relationships" xmlns:p="http://schemas.openxmlformats.org/presentationml/2006/main" preserve="1">
   <p:cSld name="True or False">
     <p:spTree>
@@ -3909,21 +3821,20 @@
         </p:nvSpPr>
         <p:spPr>
           <a:xfrm>
-            <a:off x="1484313" y="685800"/>
-            <a:ext cx="10018712" cy="2727325"/>
+            <a:off x="685799" y="609600"/>
+            <a:ext cx="8588203" cy="3022600"/>
           </a:xfrm>
         </p:spPr>
         <p:txBody>
-          <a:bodyPr vert="horz" lIns="91440" tIns="45720" rIns="91440" bIns="45720" rtlCol="0" anchor="ctr">
+          <a:bodyPr anchor="ctr">
             <a:normAutofit/>
           </a:bodyPr>
           <a:lstStyle>
-            <a:lvl1pPr>
-              <a:defRPr lang="en-US" b="0" dirty="0"/>
+            <a:lvl1pPr algn="l">
+              <a:defRPr sz="4400" b="0" cap="none"/>
             </a:lvl1pPr>
           </a:lstStyle>
           <a:p>
-            <a:pPr marL="0" lvl="0"/>
             <a:r>
               <a:rPr lang="en-US"/>
               <a:t>Click to edit Master title style</a:t>
@@ -3934,7 +3845,7 @@
       </p:sp>
       <p:sp>
         <p:nvSpPr>
-          <p:cNvPr id="10" name="Text Placeholder 9"/>
+          <p:cNvPr id="23" name="Text Placeholder 9"/>
           <p:cNvSpPr>
             <a:spLocks noGrp="1"/>
           </p:cNvSpPr>
@@ -3944,35 +3855,47 @@
         </p:nvSpPr>
         <p:spPr>
           <a:xfrm>
-            <a:off x="1484312" y="3505200"/>
-            <a:ext cx="10018713" cy="838200"/>
+            <a:off x="677332" y="4013200"/>
+            <a:ext cx="8596669" cy="514248"/>
           </a:xfrm>
         </p:spPr>
         <p:txBody>
-          <a:bodyPr vert="horz" lIns="91440" tIns="45720" rIns="91440" bIns="45720" rtlCol="0" anchor="b">
-            <a:normAutofit/>
+          <a:bodyPr anchor="b">
+            <a:noAutofit/>
           </a:bodyPr>
           <a:lstStyle>
-            <a:lvl1pPr>
-              <a:buNone/>
-              <a:defRPr lang="en-US" sz="2800" b="0" cap="none" dirty="0">
-                <a:ln w="3175" cmpd="sng">
-                  <a:noFill/>
-                </a:ln>
-                <a:solidFill>
-                  <a:schemeClr val="tx1"/>
-                </a:solidFill>
-                <a:effectLst/>
+            <a:lvl1pPr marL="0" indent="0">
+              <a:buFontTx/>
+              <a:buNone/>
+              <a:defRPr sz="2400">
+                <a:solidFill>
+                  <a:schemeClr val="accent1"/>
+                </a:solidFill>
               </a:defRPr>
             </a:lvl1pPr>
+            <a:lvl2pPr marL="457200" indent="0">
+              <a:buFontTx/>
+              <a:buNone/>
+              <a:defRPr/>
+            </a:lvl2pPr>
+            <a:lvl3pPr marL="914400" indent="0">
+              <a:buFontTx/>
+              <a:buNone/>
+              <a:defRPr/>
+            </a:lvl3pPr>
+            <a:lvl4pPr marL="1371600" indent="0">
+              <a:buFontTx/>
+              <a:buNone/>
+              <a:defRPr/>
+            </a:lvl4pPr>
+            <a:lvl5pPr marL="1828800" indent="0">
+              <a:buFontTx/>
+              <a:buNone/>
+              <a:defRPr/>
+            </a:lvl5pPr>
           </a:lstStyle>
           <a:p>
-            <a:pPr marL="0" lvl="0">
-              <a:spcBef>
-                <a:spcPct val="0"/>
-              </a:spcBef>
-              <a:buNone/>
-            </a:pPr>
+            <a:pPr lvl="0"/>
             <a:r>
               <a:rPr lang="en-US"/>
               <a:t>Edit Master text styles</a:t>
@@ -3992,8 +3915,8 @@
         </p:nvSpPr>
         <p:spPr>
           <a:xfrm>
-            <a:off x="1484311" y="4343400"/>
-            <a:ext cx="10018713" cy="1447800"/>
+            <a:off x="677335" y="4527448"/>
+            <a:ext cx="8596668" cy="1513914"/>
           </a:xfrm>
         </p:spPr>
         <p:txBody>
@@ -4005,7 +3928,10 @@
               <a:buNone/>
               <a:defRPr sz="1800">
                 <a:solidFill>
-                  <a:schemeClr val="tx1"/>
+                  <a:schemeClr val="tx1">
+                    <a:lumMod val="50000"/>
+                    <a:lumOff val="50000"/>
+                  </a:schemeClr>
                 </a:solidFill>
               </a:defRPr>
             </a:lvl1pPr>
@@ -4116,7 +4042,7 @@
           <a:p>
             <a:fld id="{52A40D1F-8DC8-452B-B505-1D78AF183F5D}" type="datetimeFigureOut">
               <a:rPr lang="en-CA" smtClean="0"/>
-              <a:t>9/2/2021</a:t>
+              <a:t>9/3/2021</a:t>
             </a:fld>
             <a:endParaRPr lang="en-CA"/>
           </a:p>
@@ -4167,7 +4093,7 @@
     </p:spTree>
     <p:extLst>
       <p:ext uri="{BB962C8B-B14F-4D97-AF65-F5344CB8AC3E}">
-        <p14:creationId xmlns:p14="http://schemas.microsoft.com/office/powerpoint/2010/main" val="154259693"/>
+        <p14:creationId xmlns:p14="http://schemas.microsoft.com/office/powerpoint/2010/main" val="3337085635"/>
       </p:ext>
     </p:extLst>
   </p:cSld>
@@ -4177,7 +4103,7 @@
 </p:sldLayout>
 </file>
 
-<file path=ppt/slideLayouts/slideLayout16.xml><?xml version="1.0" encoding="utf-8"?>
+<file path=ppt/slideLayouts/slideLayout15.xml><?xml version="1.0" encoding="utf-8"?>
 <p:sldLayout xmlns:a="http://schemas.openxmlformats.org/drawingml/2006/main" xmlns:r="http://schemas.openxmlformats.org/officeDocument/2006/relationships" xmlns:p="http://schemas.openxmlformats.org/presentationml/2006/main" type="vertTx" preserve="1">
   <p:cSld name="Title and Vertical Text">
     <p:spTree>
@@ -4207,11 +4133,7 @@
         <p:spPr/>
         <p:txBody>
           <a:bodyPr/>
-          <a:lstStyle>
-            <a:lvl1pPr algn="ctr">
-              <a:defRPr/>
-            </a:lvl1pPr>
-          </a:lstStyle>
+          <a:lstStyle/>
           <a:p>
             <a:r>
               <a:rPr lang="en-US"/>
@@ -4233,7 +4155,7 @@
         </p:nvSpPr>
         <p:spPr/>
         <p:txBody>
-          <a:bodyPr vert="eaVert" anchor="t"/>
+          <a:bodyPr vert="eaVert"/>
           <a:lstStyle/>
           <a:p>
             <a:pPr lvl="0"/>
@@ -4290,7 +4212,7 @@
           <a:p>
             <a:fld id="{52A40D1F-8DC8-452B-B505-1D78AF183F5D}" type="datetimeFigureOut">
               <a:rPr lang="en-CA" smtClean="0"/>
-              <a:t>9/2/2021</a:t>
+              <a:t>9/3/2021</a:t>
             </a:fld>
             <a:endParaRPr lang="en-CA"/>
           </a:p>
@@ -4341,7 +4263,7 @@
     </p:spTree>
     <p:extLst>
       <p:ext uri="{BB962C8B-B14F-4D97-AF65-F5344CB8AC3E}">
-        <p14:creationId xmlns:p14="http://schemas.microsoft.com/office/powerpoint/2010/main" val="732411122"/>
+        <p14:creationId xmlns:p14="http://schemas.microsoft.com/office/powerpoint/2010/main" val="3921821707"/>
       </p:ext>
     </p:extLst>
   </p:cSld>
@@ -4351,7 +4273,7 @@
 </p:sldLayout>
 </file>
 
-<file path=ppt/slideLayouts/slideLayout17.xml><?xml version="1.0" encoding="utf-8"?>
+<file path=ppt/slideLayouts/slideLayout16.xml><?xml version="1.0" encoding="utf-8"?>
 <p:sldLayout xmlns:a="http://schemas.openxmlformats.org/drawingml/2006/main" xmlns:r="http://schemas.openxmlformats.org/officeDocument/2006/relationships" xmlns:p="http://schemas.openxmlformats.org/presentationml/2006/main" type="vertTitleAndTx" preserve="1">
   <p:cSld name="Vertical Title and Text">
     <p:spTree>
@@ -4380,42 +4302,42 @@
         </p:nvSpPr>
         <p:spPr>
           <a:xfrm>
-            <a:off x="9732655" y="685800"/>
-            <a:ext cx="1770369" cy="5105400"/>
+            <a:off x="7967673" y="609599"/>
+            <a:ext cx="1304743" cy="5251451"/>
           </a:xfrm>
         </p:spPr>
         <p:txBody>
+          <a:bodyPr vert="eaVert" anchor="ctr"/>
+          <a:lstStyle/>
+          <a:p>
+            <a:r>
+              <a:rPr lang="en-US"/>
+              <a:t>Click to edit Master title style</a:t>
+            </a:r>
+            <a:endParaRPr lang="en-US" dirty="0"/>
+          </a:p>
+        </p:txBody>
+      </p:sp>
+      <p:sp>
+        <p:nvSpPr>
+          <p:cNvPr id="3" name="Vertical Text Placeholder 2"/>
+          <p:cNvSpPr>
+            <a:spLocks noGrp="1"/>
+          </p:cNvSpPr>
+          <p:nvPr>
+            <p:ph type="body" orient="vert" idx="1"/>
+          </p:nvPr>
+        </p:nvSpPr>
+        <p:spPr>
+          <a:xfrm>
+            <a:off x="677335" y="609600"/>
+            <a:ext cx="7060150" cy="5251450"/>
+          </a:xfrm>
+        </p:spPr>
+        <p:txBody>
           <a:bodyPr vert="eaVert"/>
           <a:lstStyle/>
           <a:p>
-            <a:r>
-              <a:rPr lang="en-US"/>
-              <a:t>Click to edit Master title style</a:t>
-            </a:r>
-            <a:endParaRPr lang="en-US" dirty="0"/>
-          </a:p>
-        </p:txBody>
-      </p:sp>
-      <p:sp>
-        <p:nvSpPr>
-          <p:cNvPr id="3" name="Vertical Text Placeholder 2"/>
-          <p:cNvSpPr>
-            <a:spLocks noGrp="1"/>
-          </p:cNvSpPr>
-          <p:nvPr>
-            <p:ph type="body" orient="vert" idx="1"/>
-          </p:nvPr>
-        </p:nvSpPr>
-        <p:spPr>
-          <a:xfrm>
-            <a:off x="1484312" y="685800"/>
-            <a:ext cx="8019742" cy="5105400"/>
-          </a:xfrm>
-        </p:spPr>
-        <p:txBody>
-          <a:bodyPr vert="eaVert" anchor="t"/>
-          <a:lstStyle/>
-          <a:p>
             <a:pPr lvl="0"/>
             <a:r>
               <a:rPr lang="en-US"/>
@@ -4470,7 +4392,7 @@
           <a:p>
             <a:fld id="{52A40D1F-8DC8-452B-B505-1D78AF183F5D}" type="datetimeFigureOut">
               <a:rPr lang="en-CA" smtClean="0"/>
-              <a:t>9/2/2021</a:t>
+              <a:t>9/3/2021</a:t>
             </a:fld>
             <a:endParaRPr lang="en-CA"/>
           </a:p>
@@ -4521,7 +4443,7 @@
     </p:spTree>
     <p:extLst>
       <p:ext uri="{BB962C8B-B14F-4D97-AF65-F5344CB8AC3E}">
-        <p14:creationId xmlns:p14="http://schemas.microsoft.com/office/powerpoint/2010/main" val="2602053199"/>
+        <p14:creationId xmlns:p14="http://schemas.microsoft.com/office/powerpoint/2010/main" val="2451507649"/>
       </p:ext>
     </p:extLst>
   </p:cSld>
@@ -4560,32 +4482,38 @@
         </p:nvSpPr>
         <p:spPr/>
         <p:txBody>
+          <a:bodyPr>
+            <a:normAutofit/>
+          </a:bodyPr>
+          <a:lstStyle>
+            <a:lvl1pPr>
+              <a:defRPr sz="3600"/>
+            </a:lvl1pPr>
+          </a:lstStyle>
+          <a:p>
+            <a:r>
+              <a:rPr lang="en-US"/>
+              <a:t>Click to edit Master title style</a:t>
+            </a:r>
+            <a:endParaRPr lang="en-US" dirty="0"/>
+          </a:p>
+        </p:txBody>
+      </p:sp>
+      <p:sp>
+        <p:nvSpPr>
+          <p:cNvPr id="3" name="Content Placeholder 2"/>
+          <p:cNvSpPr>
+            <a:spLocks noGrp="1"/>
+          </p:cNvSpPr>
+          <p:nvPr>
+            <p:ph idx="1"/>
+          </p:nvPr>
+        </p:nvSpPr>
+        <p:spPr/>
+        <p:txBody>
           <a:bodyPr/>
           <a:lstStyle/>
           <a:p>
-            <a:r>
-              <a:rPr lang="en-US"/>
-              <a:t>Click to edit Master title style</a:t>
-            </a:r>
-            <a:endParaRPr lang="en-US" dirty="0"/>
-          </a:p>
-        </p:txBody>
-      </p:sp>
-      <p:sp>
-        <p:nvSpPr>
-          <p:cNvPr id="3" name="Content Placeholder 2"/>
-          <p:cNvSpPr>
-            <a:spLocks noGrp="1"/>
-          </p:cNvSpPr>
-          <p:nvPr>
-            <p:ph idx="1"/>
-          </p:nvPr>
-        </p:nvSpPr>
-        <p:spPr/>
-        <p:txBody>
-          <a:bodyPr anchor="ctr"/>
-          <a:lstStyle/>
-          <a:p>
             <a:pPr lvl="0"/>
             <a:r>
               <a:rPr lang="en-US"/>
@@ -4640,7 +4568,7 @@
           <a:p>
             <a:fld id="{52A40D1F-8DC8-452B-B505-1D78AF183F5D}" type="datetimeFigureOut">
               <a:rPr lang="en-CA" smtClean="0"/>
-              <a:t>9/2/2021</a:t>
+              <a:t>9/3/2021</a:t>
             </a:fld>
             <a:endParaRPr lang="en-CA"/>
           </a:p>
@@ -4675,12 +4603,7 @@
             <p:ph type="sldNum" sz="quarter" idx="12"/>
           </p:nvPr>
         </p:nvSpPr>
-        <p:spPr>
-          <a:xfrm>
-            <a:off x="10951856" y="5867131"/>
-            <a:ext cx="551167" cy="365125"/>
-          </a:xfrm>
-        </p:spPr>
+        <p:spPr/>
         <p:txBody>
           <a:bodyPr/>
           <a:lstStyle/>
@@ -4696,7 +4619,7 @@
     </p:spTree>
     <p:extLst>
       <p:ext uri="{BB962C8B-B14F-4D97-AF65-F5344CB8AC3E}">
-        <p14:creationId xmlns:p14="http://schemas.microsoft.com/office/powerpoint/2010/main" val="3664499423"/>
+        <p14:creationId xmlns:p14="http://schemas.microsoft.com/office/powerpoint/2010/main" val="2479127476"/>
       </p:ext>
     </p:extLst>
   </p:cSld>
@@ -4735,14 +4658,14 @@
         </p:nvSpPr>
         <p:spPr>
           <a:xfrm>
-            <a:off x="2572279" y="2666999"/>
-            <a:ext cx="8930747" cy="2110382"/>
+            <a:off x="677335" y="2700867"/>
+            <a:ext cx="8596668" cy="1826581"/>
           </a:xfrm>
         </p:spPr>
         <p:txBody>
           <a:bodyPr anchor="b"/>
           <a:lstStyle>
-            <a:lvl1pPr algn="r">
+            <a:lvl1pPr algn="l">
               <a:defRPr sz="4000" b="0" cap="none"/>
             </a:lvl1pPr>
           </a:lstStyle>
@@ -4767,20 +4690,21 @@
         </p:nvSpPr>
         <p:spPr>
           <a:xfrm>
-            <a:off x="2572278" y="4777381"/>
-            <a:ext cx="8930748" cy="860400"/>
+            <a:off x="677335" y="4527448"/>
+            <a:ext cx="8596668" cy="860400"/>
           </a:xfrm>
         </p:spPr>
         <p:txBody>
-          <a:bodyPr anchor="t">
-            <a:normAutofit/>
-          </a:bodyPr>
+          <a:bodyPr anchor="t"/>
           <a:lstStyle>
-            <a:lvl1pPr marL="0" indent="0" algn="r">
+            <a:lvl1pPr marL="0" indent="0" algn="l">
               <a:buNone/>
               <a:defRPr sz="2000">
                 <a:solidFill>
-                  <a:schemeClr val="tx1"/>
+                  <a:schemeClr val="tx1">
+                    <a:lumMod val="50000"/>
+                    <a:lumOff val="50000"/>
+                  </a:schemeClr>
                 </a:solidFill>
               </a:defRPr>
             </a:lvl1pPr>
@@ -4891,7 +4815,7 @@
           <a:p>
             <a:fld id="{52A40D1F-8DC8-452B-B505-1D78AF183F5D}" type="datetimeFigureOut">
               <a:rPr lang="en-CA" smtClean="0"/>
-              <a:t>9/2/2021</a:t>
+              <a:t>9/3/2021</a:t>
             </a:fld>
             <a:endParaRPr lang="en-CA"/>
           </a:p>
@@ -4942,7 +4866,7 @@
     </p:spTree>
     <p:extLst>
       <p:ext uri="{BB962C8B-B14F-4D97-AF65-F5344CB8AC3E}">
-        <p14:creationId xmlns:p14="http://schemas.microsoft.com/office/powerpoint/2010/main" val="460492004"/>
+        <p14:creationId xmlns:p14="http://schemas.microsoft.com/office/powerpoint/2010/main" val="4230270057"/>
       </p:ext>
     </p:extLst>
   </p:cSld>
@@ -4979,19 +4903,71 @@
             <p:ph type="title"/>
           </p:nvPr>
         </p:nvSpPr>
+        <p:spPr/>
+        <p:txBody>
+          <a:bodyPr/>
+          <a:lstStyle/>
+          <a:p>
+            <a:r>
+              <a:rPr lang="en-US"/>
+              <a:t>Click to edit Master title style</a:t>
+            </a:r>
+            <a:endParaRPr lang="en-US" dirty="0"/>
+          </a:p>
+        </p:txBody>
+      </p:sp>
+      <p:sp>
+        <p:nvSpPr>
+          <p:cNvPr id="3" name="Content Placeholder 2"/>
+          <p:cNvSpPr>
+            <a:spLocks noGrp="1"/>
+          </p:cNvSpPr>
+          <p:nvPr>
+            <p:ph sz="half" idx="1"/>
+          </p:nvPr>
+        </p:nvSpPr>
         <p:spPr>
           <a:xfrm>
-            <a:off x="1484311" y="685800"/>
-            <a:ext cx="10018713" cy="1752599"/>
+            <a:off x="677334" y="2160589"/>
+            <a:ext cx="4184035" cy="3880772"/>
           </a:xfrm>
         </p:spPr>
         <p:txBody>
           <a:bodyPr/>
           <a:lstStyle/>
           <a:p>
+            <a:pPr lvl="0"/>
             <a:r>
               <a:rPr lang="en-US"/>
-              <a:t>Click to edit Master title style</a:t>
+              <a:t>Edit Master text styles</a:t>
+            </a:r>
+          </a:p>
+          <a:p>
+            <a:pPr lvl="1"/>
+            <a:r>
+              <a:rPr lang="en-US"/>
+              <a:t>Second level</a:t>
+            </a:r>
+          </a:p>
+          <a:p>
+            <a:pPr lvl="2"/>
+            <a:r>
+              <a:rPr lang="en-US"/>
+              <a:t>Third level</a:t>
+            </a:r>
+          </a:p>
+          <a:p>
+            <a:pPr lvl="3"/>
+            <a:r>
+              <a:rPr lang="en-US"/>
+              <a:t>Fourth level</a:t>
+            </a:r>
+          </a:p>
+          <a:p>
+            <a:pPr lvl="4"/>
+            <a:r>
+              <a:rPr lang="en-US"/>
+              <a:t>Fifth level</a:t>
             </a:r>
             <a:endParaRPr lang="en-US" dirty="0"/>
           </a:p>
@@ -4999,53 +4975,23 @@
       </p:sp>
       <p:sp>
         <p:nvSpPr>
-          <p:cNvPr id="3" name="Content Placeholder 2"/>
-          <p:cNvSpPr>
-            <a:spLocks noGrp="1"/>
-          </p:cNvSpPr>
-          <p:nvPr>
-            <p:ph sz="half" idx="1"/>
+          <p:cNvPr id="4" name="Content Placeholder 3"/>
+          <p:cNvSpPr>
+            <a:spLocks noGrp="1"/>
+          </p:cNvSpPr>
+          <p:nvPr>
+            <p:ph sz="half" idx="2"/>
           </p:nvPr>
         </p:nvSpPr>
         <p:spPr>
           <a:xfrm>
-            <a:off x="1484312" y="2666999"/>
-            <a:ext cx="4895055" cy="3124201"/>
+            <a:off x="5089970" y="2160589"/>
+            <a:ext cx="4184034" cy="3880773"/>
           </a:xfrm>
         </p:spPr>
         <p:txBody>
-          <a:bodyPr>
-            <a:normAutofit/>
-          </a:bodyPr>
-          <a:lstStyle>
-            <a:lvl1pPr>
-              <a:defRPr sz="1800"/>
-            </a:lvl1pPr>
-            <a:lvl2pPr>
-              <a:defRPr sz="1600"/>
-            </a:lvl2pPr>
-            <a:lvl3pPr>
-              <a:defRPr sz="1400"/>
-            </a:lvl3pPr>
-            <a:lvl4pPr>
-              <a:defRPr sz="1200"/>
-            </a:lvl4pPr>
-            <a:lvl5pPr>
-              <a:defRPr sz="1200"/>
-            </a:lvl5pPr>
-            <a:lvl6pPr>
-              <a:defRPr sz="1200"/>
-            </a:lvl6pPr>
-            <a:lvl7pPr>
-              <a:defRPr sz="1200"/>
-            </a:lvl7pPr>
-            <a:lvl8pPr>
-              <a:defRPr sz="1200"/>
-            </a:lvl8pPr>
-            <a:lvl9pPr>
-              <a:defRPr sz="1200"/>
-            </a:lvl9pPr>
-          </a:lstStyle>
+          <a:bodyPr/>
+          <a:lstStyle/>
           <a:p>
             <a:pPr lvl="0"/>
             <a:r>
@@ -5086,93 +5032,6 @@
       </p:sp>
       <p:sp>
         <p:nvSpPr>
-          <p:cNvPr id="4" name="Content Placeholder 3"/>
-          <p:cNvSpPr>
-            <a:spLocks noGrp="1"/>
-          </p:cNvSpPr>
-          <p:nvPr>
-            <p:ph sz="half" idx="2"/>
-          </p:nvPr>
-        </p:nvSpPr>
-        <p:spPr>
-          <a:xfrm>
-            <a:off x="6607967" y="2667000"/>
-            <a:ext cx="4895056" cy="3124200"/>
-          </a:xfrm>
-        </p:spPr>
-        <p:txBody>
-          <a:bodyPr>
-            <a:normAutofit/>
-          </a:bodyPr>
-          <a:lstStyle>
-            <a:lvl1pPr>
-              <a:defRPr sz="1800"/>
-            </a:lvl1pPr>
-            <a:lvl2pPr>
-              <a:defRPr sz="1600"/>
-            </a:lvl2pPr>
-            <a:lvl3pPr>
-              <a:defRPr sz="1400"/>
-            </a:lvl3pPr>
-            <a:lvl4pPr>
-              <a:defRPr sz="1200"/>
-            </a:lvl4pPr>
-            <a:lvl5pPr>
-              <a:defRPr sz="1200"/>
-            </a:lvl5pPr>
-            <a:lvl6pPr>
-              <a:defRPr sz="1200"/>
-            </a:lvl6pPr>
-            <a:lvl7pPr>
-              <a:defRPr sz="1200"/>
-            </a:lvl7pPr>
-            <a:lvl8pPr>
-              <a:defRPr sz="1200"/>
-            </a:lvl8pPr>
-            <a:lvl9pPr>
-              <a:defRPr sz="1200"/>
-            </a:lvl9pPr>
-          </a:lstStyle>
-          <a:p>
-            <a:pPr lvl="0"/>
-            <a:r>
-              <a:rPr lang="en-US"/>
-              <a:t>Edit Master text styles</a:t>
-            </a:r>
-          </a:p>
-          <a:p>
-            <a:pPr lvl="1"/>
-            <a:r>
-              <a:rPr lang="en-US"/>
-              <a:t>Second level</a:t>
-            </a:r>
-          </a:p>
-          <a:p>
-            <a:pPr lvl="2"/>
-            <a:r>
-              <a:rPr lang="en-US"/>
-              <a:t>Third level</a:t>
-            </a:r>
-          </a:p>
-          <a:p>
-            <a:pPr lvl="3"/>
-            <a:r>
-              <a:rPr lang="en-US"/>
-              <a:t>Fourth level</a:t>
-            </a:r>
-          </a:p>
-          <a:p>
-            <a:pPr lvl="4"/>
-            <a:r>
-              <a:rPr lang="en-US"/>
-              <a:t>Fifth level</a:t>
-            </a:r>
-            <a:endParaRPr lang="en-US" dirty="0"/>
-          </a:p>
-        </p:txBody>
-      </p:sp>
-      <p:sp>
-        <p:nvSpPr>
           <p:cNvPr id="5" name="Date Placeholder 4"/>
           <p:cNvSpPr>
             <a:spLocks noGrp="1"/>
@@ -5188,7 +5047,7 @@
           <a:p>
             <a:fld id="{52A40D1F-8DC8-452B-B505-1D78AF183F5D}" type="datetimeFigureOut">
               <a:rPr lang="en-CA" smtClean="0"/>
-              <a:t>9/2/2021</a:t>
+              <a:t>9/3/2021</a:t>
             </a:fld>
             <a:endParaRPr lang="en-CA"/>
           </a:p>
@@ -5239,7 +5098,7 @@
     </p:spTree>
     <p:extLst>
       <p:ext uri="{BB962C8B-B14F-4D97-AF65-F5344CB8AC3E}">
-        <p14:creationId xmlns:p14="http://schemas.microsoft.com/office/powerpoint/2010/main" val="724914372"/>
+        <p14:creationId xmlns:p14="http://schemas.microsoft.com/office/powerpoint/2010/main" val="2599060098"/>
       </p:ext>
     </p:extLst>
   </p:cSld>
@@ -5305,8 +5164,8 @@
         </p:nvSpPr>
         <p:spPr>
           <a:xfrm>
-            <a:off x="1772179" y="2658533"/>
-            <a:ext cx="4607188" cy="576262"/>
+            <a:off x="675745" y="2160983"/>
+            <a:ext cx="4185623" cy="576262"/>
           </a:xfrm>
         </p:spPr>
         <p:txBody>
@@ -5316,13 +5175,7 @@
           <a:lstStyle>
             <a:lvl1pPr marL="0" indent="0">
               <a:buNone/>
-              <a:defRPr sz="2800" b="0">
-                <a:solidFill>
-                  <a:schemeClr val="accent1">
-                    <a:lumMod val="75000"/>
-                  </a:schemeClr>
-                </a:solidFill>
-              </a:defRPr>
+              <a:defRPr sz="2400" b="0"/>
             </a:lvl1pPr>
             <a:lvl2pPr marL="457200" indent="0">
               <a:buNone/>
@@ -5378,43 +5231,15 @@
         </p:nvSpPr>
         <p:spPr>
           <a:xfrm>
-            <a:off x="1484311" y="3335337"/>
-            <a:ext cx="4895056" cy="2455862"/>
+            <a:off x="675745" y="2737245"/>
+            <a:ext cx="4185623" cy="3304117"/>
           </a:xfrm>
         </p:spPr>
         <p:txBody>
-          <a:bodyPr anchor="t">
+          <a:bodyPr>
             <a:normAutofit/>
           </a:bodyPr>
-          <a:lstStyle>
-            <a:lvl1pPr>
-              <a:defRPr sz="1800"/>
-            </a:lvl1pPr>
-            <a:lvl2pPr>
-              <a:defRPr sz="1600"/>
-            </a:lvl2pPr>
-            <a:lvl3pPr>
-              <a:defRPr sz="1400"/>
-            </a:lvl3pPr>
-            <a:lvl4pPr>
-              <a:defRPr sz="1200"/>
-            </a:lvl4pPr>
-            <a:lvl5pPr>
-              <a:defRPr sz="1200"/>
-            </a:lvl5pPr>
-            <a:lvl6pPr>
-              <a:defRPr sz="1200"/>
-            </a:lvl6pPr>
-            <a:lvl7pPr>
-              <a:defRPr sz="1200"/>
-            </a:lvl7pPr>
-            <a:lvl8pPr>
-              <a:defRPr sz="1200"/>
-            </a:lvl8pPr>
-            <a:lvl9pPr>
-              <a:defRPr sz="1200"/>
-            </a:lvl9pPr>
-          </a:lstStyle>
+          <a:lstStyle/>
           <a:p>
             <a:pPr lvl="0"/>
             <a:r>
@@ -5465,8 +5290,8 @@
         </p:nvSpPr>
         <p:spPr>
           <a:xfrm>
-            <a:off x="6880487" y="2667000"/>
-            <a:ext cx="4622537" cy="576262"/>
+            <a:off x="5088383" y="2160983"/>
+            <a:ext cx="4185618" cy="576262"/>
           </a:xfrm>
         </p:spPr>
         <p:txBody>
@@ -5476,13 +5301,7 @@
           <a:lstStyle>
             <a:lvl1pPr marL="0" indent="0">
               <a:buNone/>
-              <a:defRPr sz="2800" b="0">
-                <a:solidFill>
-                  <a:schemeClr val="accent1">
-                    <a:lumMod val="75000"/>
-                  </a:schemeClr>
-                </a:solidFill>
-              </a:defRPr>
+              <a:defRPr sz="2400" b="0"/>
             </a:lvl1pPr>
             <a:lvl2pPr marL="457200" indent="0">
               <a:buNone/>
@@ -5538,43 +5357,15 @@
         </p:nvSpPr>
         <p:spPr>
           <a:xfrm>
-            <a:off x="6607967" y="3335337"/>
-            <a:ext cx="4895056" cy="2455862"/>
+            <a:off x="5088384" y="2737245"/>
+            <a:ext cx="4185617" cy="3304117"/>
           </a:xfrm>
         </p:spPr>
         <p:txBody>
-          <a:bodyPr anchor="t">
+          <a:bodyPr>
             <a:normAutofit/>
           </a:bodyPr>
-          <a:lstStyle>
-            <a:lvl1pPr>
-              <a:defRPr sz="1800"/>
-            </a:lvl1pPr>
-            <a:lvl2pPr>
-              <a:defRPr sz="1600"/>
-            </a:lvl2pPr>
-            <a:lvl3pPr>
-              <a:defRPr sz="1400"/>
-            </a:lvl3pPr>
-            <a:lvl4pPr>
-              <a:defRPr sz="1200"/>
-            </a:lvl4pPr>
-            <a:lvl5pPr>
-              <a:defRPr sz="1200"/>
-            </a:lvl5pPr>
-            <a:lvl6pPr>
-              <a:defRPr sz="1200"/>
-            </a:lvl6pPr>
-            <a:lvl7pPr>
-              <a:defRPr sz="1200"/>
-            </a:lvl7pPr>
-            <a:lvl8pPr>
-              <a:defRPr sz="1200"/>
-            </a:lvl8pPr>
-            <a:lvl9pPr>
-              <a:defRPr sz="1200"/>
-            </a:lvl9pPr>
-          </a:lstStyle>
+          <a:lstStyle/>
           <a:p>
             <a:pPr lvl="0"/>
             <a:r>
@@ -5630,7 +5421,7 @@
           <a:p>
             <a:fld id="{52A40D1F-8DC8-452B-B505-1D78AF183F5D}" type="datetimeFigureOut">
               <a:rPr lang="en-CA" smtClean="0"/>
-              <a:t>9/2/2021</a:t>
+              <a:t>9/3/2021</a:t>
             </a:fld>
             <a:endParaRPr lang="en-CA"/>
           </a:p>
@@ -5681,7 +5472,7 @@
     </p:spTree>
     <p:extLst>
       <p:ext uri="{BB962C8B-B14F-4D97-AF65-F5344CB8AC3E}">
-        <p14:creationId xmlns:p14="http://schemas.microsoft.com/office/powerpoint/2010/main" val="3016894515"/>
+        <p14:creationId xmlns:p14="http://schemas.microsoft.com/office/powerpoint/2010/main" val="396350453"/>
       </p:ext>
     </p:extLst>
   </p:cSld>
@@ -5718,7 +5509,12 @@
             <p:ph type="title"/>
           </p:nvPr>
         </p:nvSpPr>
-        <p:spPr/>
+        <p:spPr>
+          <a:xfrm>
+            <a:off x="677334" y="609600"/>
+            <a:ext cx="8596668" cy="1320800"/>
+          </a:xfrm>
+        </p:spPr>
         <p:txBody>
           <a:bodyPr/>
           <a:lstStyle/>
@@ -5748,7 +5544,7 @@
           <a:p>
             <a:fld id="{52A40D1F-8DC8-452B-B505-1D78AF183F5D}" type="datetimeFigureOut">
               <a:rPr lang="en-CA" smtClean="0"/>
-              <a:t>9/2/2021</a:t>
+              <a:t>9/3/2021</a:t>
             </a:fld>
             <a:endParaRPr lang="en-CA"/>
           </a:p>
@@ -5799,7 +5595,7 @@
     </p:spTree>
     <p:extLst>
       <p:ext uri="{BB962C8B-B14F-4D97-AF65-F5344CB8AC3E}">
-        <p14:creationId xmlns:p14="http://schemas.microsoft.com/office/powerpoint/2010/main" val="3566998962"/>
+        <p14:creationId xmlns:p14="http://schemas.microsoft.com/office/powerpoint/2010/main" val="950786580"/>
       </p:ext>
     </p:extLst>
   </p:cSld>
@@ -5843,7 +5639,7 @@
           <a:p>
             <a:fld id="{52A40D1F-8DC8-452B-B505-1D78AF183F5D}" type="datetimeFigureOut">
               <a:rPr lang="en-CA" smtClean="0"/>
-              <a:t>9/2/2021</a:t>
+              <a:t>9/3/2021</a:t>
             </a:fld>
             <a:endParaRPr lang="en-CA"/>
           </a:p>
@@ -5894,7 +5690,7 @@
     </p:spTree>
     <p:extLst>
       <p:ext uri="{BB962C8B-B14F-4D97-AF65-F5344CB8AC3E}">
-        <p14:creationId xmlns:p14="http://schemas.microsoft.com/office/powerpoint/2010/main" val="3159898150"/>
+        <p14:creationId xmlns:p14="http://schemas.microsoft.com/office/powerpoint/2010/main" val="3103577788"/>
       </p:ext>
     </p:extLst>
   </p:cSld>
@@ -5933,77 +5729,49 @@
         </p:nvSpPr>
         <p:spPr>
           <a:xfrm>
-            <a:off x="1484312" y="1600200"/>
-            <a:ext cx="3549121" cy="1371600"/>
+            <a:off x="677334" y="1498604"/>
+            <a:ext cx="3854528" cy="1278466"/>
           </a:xfrm>
         </p:spPr>
         <p:txBody>
           <a:bodyPr anchor="b">
-            <a:normAutofit/>
-          </a:bodyPr>
-          <a:lstStyle>
-            <a:lvl1pPr algn="ctr">
-              <a:defRPr sz="2400" b="0"/>
-            </a:lvl1pPr>
-          </a:lstStyle>
-          <a:p>
-            <a:r>
-              <a:rPr lang="en-US"/>
-              <a:t>Click to edit Master title style</a:t>
-            </a:r>
-            <a:endParaRPr lang="en-US" dirty="0"/>
-          </a:p>
-        </p:txBody>
-      </p:sp>
-      <p:sp>
-        <p:nvSpPr>
-          <p:cNvPr id="3" name="Content Placeholder 2"/>
-          <p:cNvSpPr>
-            <a:spLocks noGrp="1"/>
-          </p:cNvSpPr>
-          <p:nvPr>
-            <p:ph idx="1"/>
-          </p:nvPr>
-        </p:nvSpPr>
-        <p:spPr>
-          <a:xfrm>
-            <a:off x="5262033" y="685799"/>
-            <a:ext cx="6240990" cy="5105401"/>
-          </a:xfrm>
-        </p:spPr>
-        <p:txBody>
-          <a:bodyPr anchor="ctr">
             <a:normAutofit/>
           </a:bodyPr>
           <a:lstStyle>
             <a:lvl1pPr>
               <a:defRPr sz="2000"/>
             </a:lvl1pPr>
-            <a:lvl2pPr>
-              <a:defRPr sz="1800"/>
-            </a:lvl2pPr>
-            <a:lvl3pPr>
-              <a:defRPr sz="1600"/>
-            </a:lvl3pPr>
-            <a:lvl4pPr>
-              <a:defRPr sz="1400"/>
-            </a:lvl4pPr>
-            <a:lvl5pPr>
-              <a:defRPr sz="1400"/>
-            </a:lvl5pPr>
-            <a:lvl6pPr>
-              <a:defRPr sz="1400"/>
-            </a:lvl6pPr>
-            <a:lvl7pPr>
-              <a:defRPr sz="1400"/>
-            </a:lvl7pPr>
-            <a:lvl8pPr>
-              <a:defRPr sz="1400"/>
-            </a:lvl8pPr>
-            <a:lvl9pPr>
-              <a:defRPr sz="1400"/>
-            </a:lvl9pPr>
           </a:lstStyle>
+          <a:p>
+            <a:r>
+              <a:rPr lang="en-US"/>
+              <a:t>Click to edit Master title style</a:t>
+            </a:r>
+            <a:endParaRPr lang="en-US" dirty="0"/>
+          </a:p>
+        </p:txBody>
+      </p:sp>
+      <p:sp>
+        <p:nvSpPr>
+          <p:cNvPr id="3" name="Content Placeholder 2"/>
+          <p:cNvSpPr>
+            <a:spLocks noGrp="1"/>
+          </p:cNvSpPr>
+          <p:nvPr>
+            <p:ph idx="1"/>
+          </p:nvPr>
+        </p:nvSpPr>
+        <p:spPr>
+          <a:xfrm>
+            <a:off x="4760461" y="514924"/>
+            <a:ext cx="4513541" cy="5526437"/>
+          </a:xfrm>
+        </p:spPr>
+        <p:txBody>
+          <a:bodyPr>
+            <a:normAutofit/>
+          </a:bodyPr>
+          <a:lstStyle/>
           <a:p>
             <a:pPr lvl="0"/>
             <a:r>
@@ -6054,8 +5822,8 @@
         </p:nvSpPr>
         <p:spPr>
           <a:xfrm>
-            <a:off x="1484312" y="2971800"/>
-            <a:ext cx="3549121" cy="1828800"/>
+            <a:off x="677334" y="2777069"/>
+            <a:ext cx="3854528" cy="2584449"/>
           </a:xfrm>
         </p:spPr>
         <p:txBody>
@@ -6063,41 +5831,41 @@
             <a:normAutofit/>
           </a:bodyPr>
           <a:lstStyle>
-            <a:lvl1pPr marL="0" indent="0" algn="ctr">
-              <a:buNone/>
-              <a:defRPr sz="1600"/>
+            <a:lvl1pPr marL="0" indent="0">
+              <a:buNone/>
+              <a:defRPr sz="1400"/>
             </a:lvl1pPr>
-            <a:lvl2pPr marL="457200" indent="0">
+            <a:lvl2pPr marL="457063" indent="0">
+              <a:buNone/>
+              <a:defRPr sz="1400"/>
+            </a:lvl2pPr>
+            <a:lvl3pPr marL="914126" indent="0">
               <a:buNone/>
               <a:defRPr sz="1200"/>
-            </a:lvl2pPr>
-            <a:lvl3pPr marL="914400" indent="0">
+            </a:lvl3pPr>
+            <a:lvl4pPr marL="1371189" indent="0">
               <a:buNone/>
               <a:defRPr sz="1000"/>
-            </a:lvl3pPr>
-            <a:lvl4pPr marL="1371600" indent="0">
-              <a:buNone/>
-              <a:defRPr sz="900"/>
             </a:lvl4pPr>
-            <a:lvl5pPr marL="1828800" indent="0">
-              <a:buNone/>
-              <a:defRPr sz="900"/>
+            <a:lvl5pPr marL="1828251" indent="0">
+              <a:buNone/>
+              <a:defRPr sz="1000"/>
             </a:lvl5pPr>
-            <a:lvl6pPr marL="2286000" indent="0">
-              <a:buNone/>
-              <a:defRPr sz="900"/>
+            <a:lvl6pPr marL="2285314" indent="0">
+              <a:buNone/>
+              <a:defRPr sz="1000"/>
             </a:lvl6pPr>
-            <a:lvl7pPr marL="2743200" indent="0">
-              <a:buNone/>
-              <a:defRPr sz="900"/>
+            <a:lvl7pPr marL="2742377" indent="0">
+              <a:buNone/>
+              <a:defRPr sz="1000"/>
             </a:lvl7pPr>
-            <a:lvl8pPr marL="3200400" indent="0">
-              <a:buNone/>
-              <a:defRPr sz="900"/>
+            <a:lvl8pPr marL="3199440" indent="0">
+              <a:buNone/>
+              <a:defRPr sz="1000"/>
             </a:lvl8pPr>
-            <a:lvl9pPr marL="3657600" indent="0">
-              <a:buNone/>
-              <a:defRPr sz="900"/>
+            <a:lvl9pPr marL="3656503" indent="0">
+              <a:buNone/>
+              <a:defRPr sz="1000"/>
             </a:lvl9pPr>
           </a:lstStyle>
           <a:p>
@@ -6126,7 +5894,7 @@
           <a:p>
             <a:fld id="{52A40D1F-8DC8-452B-B505-1D78AF183F5D}" type="datetimeFigureOut">
               <a:rPr lang="en-CA" smtClean="0"/>
-              <a:t>9/2/2021</a:t>
+              <a:t>9/3/2021</a:t>
             </a:fld>
             <a:endParaRPr lang="en-CA"/>
           </a:p>
@@ -6177,7 +5945,7 @@
     </p:spTree>
     <p:extLst>
       <p:ext uri="{BB962C8B-B14F-4D97-AF65-F5344CB8AC3E}">
-        <p14:creationId xmlns:p14="http://schemas.microsoft.com/office/powerpoint/2010/main" val="2019341208"/>
+        <p14:creationId xmlns:p14="http://schemas.microsoft.com/office/powerpoint/2010/main" val="4170593103"/>
       </p:ext>
     </p:extLst>
   </p:cSld>
@@ -6216,8 +5984,8 @@
         </p:nvSpPr>
         <p:spPr>
           <a:xfrm>
-            <a:off x="1482724" y="1752599"/>
-            <a:ext cx="5426158" cy="1371600"/>
+            <a:off x="677334" y="4800600"/>
+            <a:ext cx="8596667" cy="566738"/>
           </a:xfrm>
         </p:spPr>
         <p:txBody>
@@ -6225,8 +5993,8 @@
             <a:normAutofit/>
           </a:bodyPr>
           <a:lstStyle>
-            <a:lvl1pPr algn="ctr">
-              <a:defRPr sz="2800" b="0"/>
+            <a:lvl1pPr algn="l">
+              <a:defRPr sz="2400" b="0"/>
             </a:lvl1pPr>
           </a:lstStyle>
           <a:p>
@@ -6240,7 +6008,7 @@
       </p:sp>
       <p:sp>
         <p:nvSpPr>
-          <p:cNvPr id="14" name="Picture Placeholder 2"/>
+          <p:cNvPr id="3" name="Picture Placeholder 2"/>
           <p:cNvSpPr>
             <a:spLocks noGrp="1" noChangeAspect="1"/>
           </p:cNvSpPr>
@@ -6250,37 +6018,9 @@
         </p:nvSpPr>
         <p:spPr>
           <a:xfrm>
-            <a:off x="7594682" y="914400"/>
-            <a:ext cx="3280974" cy="4572000"/>
+            <a:off x="677334" y="609600"/>
+            <a:ext cx="8596668" cy="3845718"/>
           </a:xfrm>
-          <a:prstGeom prst="roundRect">
-            <a:avLst>
-              <a:gd name="adj" fmla="val 4280"/>
-            </a:avLst>
-          </a:prstGeom>
-          <a:ln w="38100">
-            <a:gradFill flip="none" rotWithShape="1">
-              <a:gsLst>
-                <a:gs pos="0">
-                  <a:schemeClr val="bg2"/>
-                </a:gs>
-                <a:gs pos="100000">
-                  <a:schemeClr val="bg2">
-                    <a:lumMod val="75000"/>
-                  </a:schemeClr>
-                </a:gs>
-              </a:gsLst>
-              <a:lin ang="5400000" scaled="0"/>
-              <a:tileRect/>
-            </a:gradFill>
-          </a:ln>
-          <a:effectLst>
-            <a:innerShdw blurRad="57150" dist="38100" dir="14460000">
-              <a:srgbClr val="000000">
-                <a:alpha val="70000"/>
-              </a:srgbClr>
-            </a:innerShdw>
-          </a:effectLst>
         </p:spPr>
         <p:txBody>
           <a:bodyPr anchor="t">
@@ -6345,8 +6085,8 @@
         </p:nvSpPr>
         <p:spPr>
           <a:xfrm>
-            <a:off x="1482724" y="3124199"/>
-            <a:ext cx="5426158" cy="1828800"/>
+            <a:off x="677334" y="5367338"/>
+            <a:ext cx="8596667" cy="674024"/>
           </a:xfrm>
         </p:spPr>
         <p:txBody>
@@ -6354,9 +6094,9 @@
             <a:normAutofit/>
           </a:bodyPr>
           <a:lstStyle>
-            <a:lvl1pPr marL="0" indent="0" algn="ctr">
-              <a:buNone/>
-              <a:defRPr sz="1800"/>
+            <a:lvl1pPr marL="0" indent="0">
+              <a:buNone/>
+              <a:defRPr sz="1200"/>
             </a:lvl1pPr>
             <a:lvl2pPr marL="457200" indent="0">
               <a:buNone/>
@@ -6417,7 +6157,7 @@
           <a:p>
             <a:fld id="{52A40D1F-8DC8-452B-B505-1D78AF183F5D}" type="datetimeFigureOut">
               <a:rPr lang="en-CA" smtClean="0"/>
-              <a:t>9/2/2021</a:t>
+              <a:t>9/3/2021</a:t>
             </a:fld>
             <a:endParaRPr lang="en-CA"/>
           </a:p>
@@ -6468,7 +6208,7 @@
     </p:spTree>
     <p:extLst>
       <p:ext uri="{BB962C8B-B14F-4D97-AF65-F5344CB8AC3E}">
-        <p14:creationId xmlns:p14="http://schemas.microsoft.com/office/powerpoint/2010/main" val="1308672391"/>
+        <p14:creationId xmlns:p14="http://schemas.microsoft.com/office/powerpoint/2010/main" val="1167927736"/>
       </p:ext>
     </p:extLst>
   </p:cSld>
@@ -6482,8 +6222,8 @@
 <p:sldMaster xmlns:a="http://schemas.openxmlformats.org/drawingml/2006/main" xmlns:r="http://schemas.openxmlformats.org/officeDocument/2006/relationships" xmlns:p="http://schemas.openxmlformats.org/presentationml/2006/main">
   <p:cSld>
     <p:bg>
-      <p:bgRef idx="1003">
-        <a:schemeClr val="bg2"/>
+      <p:bgRef idx="1001">
+        <a:schemeClr val="bg1"/>
       </p:bgRef>
     </p:bg>
     <p:spTree>
@@ -6508,180 +6248,179 @@
         </p:nvGrpSpPr>
         <p:grpSpPr>
           <a:xfrm>
-            <a:off x="150812" y="0"/>
-            <a:ext cx="2436813" cy="6858001"/>
-            <a:chOff x="1320800" y="0"/>
-            <a:chExt cx="2436813" cy="6858001"/>
+            <a:off x="0" y="-8467"/>
+            <a:ext cx="12192000" cy="6866467"/>
+            <a:chOff x="0" y="-8467"/>
+            <a:chExt cx="12192000" cy="6866467"/>
           </a:xfrm>
         </p:grpSpPr>
+        <p:cxnSp>
+          <p:nvCxnSpPr>
+            <p:cNvPr id="20" name="Straight Connector 19"/>
+            <p:cNvCxnSpPr/>
+            <p:nvPr/>
+          </p:nvCxnSpPr>
+          <p:spPr>
+            <a:xfrm>
+              <a:off x="9371012" y="0"/>
+              <a:ext cx="1219200" cy="6858000"/>
+            </a:xfrm>
+            <a:prstGeom prst="line">
+              <a:avLst/>
+            </a:prstGeom>
+            <a:ln w="9525">
+              <a:solidFill>
+                <a:schemeClr val="bg1">
+                  <a:lumMod val="75000"/>
+                </a:schemeClr>
+              </a:solidFill>
+            </a:ln>
+          </p:spPr>
+          <p:style>
+            <a:lnRef idx="2">
+              <a:schemeClr val="accent1"/>
+            </a:lnRef>
+            <a:fillRef idx="0">
+              <a:schemeClr val="accent1"/>
+            </a:fillRef>
+            <a:effectRef idx="1">
+              <a:schemeClr val="accent1"/>
+            </a:effectRef>
+            <a:fontRef idx="minor">
+              <a:schemeClr val="tx1"/>
+            </a:fontRef>
+          </p:style>
+        </p:cxnSp>
+        <p:cxnSp>
+          <p:nvCxnSpPr>
+            <p:cNvPr id="21" name="Straight Connector 20"/>
+            <p:cNvCxnSpPr/>
+            <p:nvPr/>
+          </p:nvCxnSpPr>
+          <p:spPr>
+            <a:xfrm flipH="1">
+              <a:off x="7425267" y="3681413"/>
+              <a:ext cx="4763558" cy="3176587"/>
+            </a:xfrm>
+            <a:prstGeom prst="line">
+              <a:avLst/>
+            </a:prstGeom>
+            <a:ln w="9525">
+              <a:solidFill>
+                <a:schemeClr val="bg1">
+                  <a:lumMod val="85000"/>
+                </a:schemeClr>
+              </a:solidFill>
+            </a:ln>
+          </p:spPr>
+          <p:style>
+            <a:lnRef idx="2">
+              <a:schemeClr val="accent1"/>
+            </a:lnRef>
+            <a:fillRef idx="0">
+              <a:schemeClr val="accent1"/>
+            </a:fillRef>
+            <a:effectRef idx="1">
+              <a:schemeClr val="accent1"/>
+            </a:effectRef>
+            <a:fontRef idx="minor">
+              <a:schemeClr val="tx1"/>
+            </a:fontRef>
+          </p:style>
+        </p:cxnSp>
         <p:sp>
           <p:nvSpPr>
-            <p:cNvPr id="8" name="Freeform 6"/>
+            <p:cNvPr id="22" name="Rectangle 23"/>
             <p:cNvSpPr/>
             <p:nvPr/>
           </p:nvSpPr>
-          <p:spPr bwMode="auto">
+          <p:spPr>
             <a:xfrm>
-              <a:off x="1627188" y="0"/>
-              <a:ext cx="1122363" cy="5329238"/>
+              <a:off x="9181476" y="-8467"/>
+              <a:ext cx="3007349" cy="6866467"/>
             </a:xfrm>
             <a:custGeom>
               <a:avLst/>
               <a:gdLst/>
               <a:ahLst/>
               <a:cxnLst/>
-              <a:rect l="0" t="0" r="r" b="b"/>
+              <a:rect l="l" t="t" r="r" b="b"/>
               <a:pathLst>
-                <a:path w="707" h="3357">
+                <a:path w="3007349" h="6866467">
                   <a:moveTo>
-                    <a:pt x="0" y="3330"/>
+                    <a:pt x="2045532" y="0"/>
                   </a:moveTo>
                   <a:lnTo>
-                    <a:pt x="156" y="3357"/>
+                    <a:pt x="3007349" y="0"/>
                   </a:lnTo>
                   <a:lnTo>
-                    <a:pt x="707" y="0"/>
+                    <a:pt x="3007349" y="6866467"/>
                   </a:lnTo>
                   <a:lnTo>
-                    <a:pt x="547" y="0"/>
+                    <a:pt x="0" y="6866467"/>
                   </a:lnTo>
                   <a:lnTo>
-                    <a:pt x="0" y="3330"/>
+                    <a:pt x="2045532" y="0"/>
                   </a:lnTo>
                   <a:close/>
                 </a:path>
               </a:pathLst>
             </a:custGeom>
             <a:solidFill>
-              <a:schemeClr val="accent1"/>
+              <a:schemeClr val="accent1">
+                <a:alpha val="30000"/>
+              </a:schemeClr>
             </a:solidFill>
             <a:ln>
               <a:noFill/>
             </a:ln>
+            <a:effectLst/>
           </p:spPr>
+          <p:style>
+            <a:lnRef idx="1">
+              <a:schemeClr val="accent1"/>
+            </a:lnRef>
+            <a:fillRef idx="3">
+              <a:schemeClr val="accent1"/>
+            </a:fillRef>
+            <a:effectRef idx="2">
+              <a:schemeClr val="accent1"/>
+            </a:effectRef>
+            <a:fontRef idx="minor">
+              <a:schemeClr val="lt1"/>
+            </a:fontRef>
+          </p:style>
         </p:sp>
         <p:sp>
           <p:nvSpPr>
-            <p:cNvPr id="9" name="Freeform 7"/>
+            <p:cNvPr id="23" name="Rectangle 25"/>
             <p:cNvSpPr/>
             <p:nvPr/>
           </p:nvSpPr>
-          <p:spPr bwMode="auto">
+          <p:spPr>
             <a:xfrm>
-              <a:off x="1320800" y="0"/>
-              <a:ext cx="1117600" cy="5276850"/>
+              <a:off x="9603442" y="-8467"/>
+              <a:ext cx="2588558" cy="6866467"/>
             </a:xfrm>
             <a:custGeom>
               <a:avLst/>
               <a:gdLst/>
               <a:ahLst/>
               <a:cxnLst/>
-              <a:rect l="0" t="0" r="r" b="b"/>
+              <a:rect l="l" t="t" r="r" b="b"/>
               <a:pathLst>
-                <a:path w="704" h="3324">
-                  <a:moveTo>
-                    <a:pt x="704" y="0"/>
-                  </a:moveTo>
-                  <a:lnTo>
-                    <a:pt x="545" y="0"/>
-                  </a:lnTo>
-                  <a:lnTo>
-                    <a:pt x="0" y="3300"/>
-                  </a:lnTo>
-                  <a:lnTo>
-                    <a:pt x="157" y="3324"/>
-                  </a:lnTo>
-                  <a:lnTo>
-                    <a:pt x="704" y="0"/>
-                  </a:lnTo>
-                  <a:close/>
-                </a:path>
-              </a:pathLst>
-            </a:custGeom>
-            <a:solidFill>
-              <a:schemeClr val="tx1">
-                <a:lumMod val="65000"/>
-                <a:lumOff val="35000"/>
-              </a:schemeClr>
-            </a:solidFill>
-            <a:ln>
-              <a:noFill/>
-            </a:ln>
-          </p:spPr>
-        </p:sp>
-        <p:sp>
-          <p:nvSpPr>
-            <p:cNvPr id="10" name="Freeform 8"/>
-            <p:cNvSpPr/>
-            <p:nvPr/>
-          </p:nvSpPr>
-          <p:spPr bwMode="auto">
-            <a:xfrm>
-              <a:off x="1320800" y="5238750"/>
-              <a:ext cx="1228725" cy="1619250"/>
-            </a:xfrm>
-            <a:custGeom>
-              <a:avLst/>
-              <a:gdLst/>
-              <a:ahLst/>
-              <a:cxnLst/>
-              <a:rect l="0" t="0" r="r" b="b"/>
-              <a:pathLst>
-                <a:path w="774" h="1020">
+                <a:path w="2573311" h="6866467">
                   <a:moveTo>
                     <a:pt x="0" y="0"/>
                   </a:moveTo>
                   <a:lnTo>
-                    <a:pt x="740" y="1020"/>
+                    <a:pt x="2573311" y="0"/>
                   </a:lnTo>
                   <a:lnTo>
-                    <a:pt x="774" y="1020"/>
+                    <a:pt x="2573311" y="6866467"/>
                   </a:lnTo>
                   <a:lnTo>
-                    <a:pt x="0" y="0"/>
-                  </a:lnTo>
-                  <a:close/>
-                </a:path>
-              </a:pathLst>
-            </a:custGeom>
-            <a:solidFill>
-              <a:schemeClr val="tx1">
-                <a:lumMod val="85000"/>
-                <a:lumOff val="15000"/>
-              </a:schemeClr>
-            </a:solidFill>
-            <a:ln>
-              <a:noFill/>
-            </a:ln>
-          </p:spPr>
-        </p:sp>
-        <p:sp>
-          <p:nvSpPr>
-            <p:cNvPr id="11" name="Freeform 9"/>
-            <p:cNvSpPr/>
-            <p:nvPr/>
-          </p:nvSpPr>
-          <p:spPr bwMode="auto">
-            <a:xfrm>
-              <a:off x="1627188" y="5291138"/>
-              <a:ext cx="1495425" cy="1566863"/>
-            </a:xfrm>
-            <a:custGeom>
-              <a:avLst/>
-              <a:gdLst/>
-              <a:ahLst/>
-              <a:cxnLst/>
-              <a:rect l="0" t="0" r="r" b="b"/>
-              <a:pathLst>
-                <a:path w="942" h="987">
-                  <a:moveTo>
-                    <a:pt x="0" y="0"/>
-                  </a:moveTo>
-                  <a:lnTo>
-                    <a:pt x="909" y="987"/>
-                  </a:lnTo>
-                  <a:lnTo>
-                    <a:pt x="942" y="987"/>
+                    <a:pt x="1202336" y="6866467"/>
                   </a:lnTo>
                   <a:lnTo>
                     <a:pt x="0" y="0"/>
@@ -6692,50 +6431,167 @@
             </a:custGeom>
             <a:solidFill>
               <a:schemeClr val="accent1">
-                <a:lumMod val="50000"/>
+                <a:alpha val="20000"/>
               </a:schemeClr>
             </a:solidFill>
             <a:ln>
               <a:noFill/>
             </a:ln>
+            <a:effectLst/>
           </p:spPr>
+          <p:style>
+            <a:lnRef idx="1">
+              <a:schemeClr val="accent1"/>
+            </a:lnRef>
+            <a:fillRef idx="3">
+              <a:schemeClr val="accent1"/>
+            </a:fillRef>
+            <a:effectRef idx="2">
+              <a:schemeClr val="accent1"/>
+            </a:effectRef>
+            <a:fontRef idx="minor">
+              <a:schemeClr val="lt1"/>
+            </a:fontRef>
+          </p:style>
         </p:sp>
         <p:sp>
           <p:nvSpPr>
-            <p:cNvPr id="12" name="Freeform 10"/>
+            <p:cNvPr id="24" name="Isosceles Triangle 23"/>
             <p:cNvSpPr/>
             <p:nvPr/>
           </p:nvSpPr>
-          <p:spPr bwMode="auto">
+          <p:spPr>
             <a:xfrm>
-              <a:off x="1627188" y="5286375"/>
-              <a:ext cx="2130425" cy="1571625"/>
+              <a:off x="8932333" y="3048000"/>
+              <a:ext cx="3259667" cy="3810000"/>
+            </a:xfrm>
+            <a:prstGeom prst="triangle">
+              <a:avLst>
+                <a:gd name="adj" fmla="val 100000"/>
+              </a:avLst>
+            </a:prstGeom>
+            <a:solidFill>
+              <a:schemeClr val="accent2">
+                <a:alpha val="72000"/>
+              </a:schemeClr>
+            </a:solidFill>
+            <a:ln>
+              <a:noFill/>
+            </a:ln>
+            <a:effectLst/>
+          </p:spPr>
+          <p:style>
+            <a:lnRef idx="1">
+              <a:schemeClr val="accent1"/>
+            </a:lnRef>
+            <a:fillRef idx="3">
+              <a:schemeClr val="accent1"/>
+            </a:fillRef>
+            <a:effectRef idx="2">
+              <a:schemeClr val="accent1"/>
+            </a:effectRef>
+            <a:fontRef idx="minor">
+              <a:schemeClr val="lt1"/>
+            </a:fontRef>
+          </p:style>
+        </p:sp>
+        <p:sp>
+          <p:nvSpPr>
+            <p:cNvPr id="25" name="Rectangle 27"/>
+            <p:cNvSpPr/>
+            <p:nvPr/>
+          </p:nvSpPr>
+          <p:spPr>
+            <a:xfrm>
+              <a:off x="9334500" y="-8467"/>
+              <a:ext cx="2854326" cy="6866467"/>
             </a:xfrm>
             <a:custGeom>
               <a:avLst/>
               <a:gdLst/>
               <a:ahLst/>
               <a:cxnLst/>
-              <a:rect l="0" t="0" r="r" b="b"/>
+              <a:rect l="l" t="t" r="r" b="b"/>
               <a:pathLst>
-                <a:path w="1342" h="990">
+                <a:path w="2858013" h="6866467">
                   <a:moveTo>
-                    <a:pt x="0" y="3"/>
+                    <a:pt x="0" y="0"/>
                   </a:moveTo>
                   <a:lnTo>
-                    <a:pt x="942" y="990"/>
+                    <a:pt x="2858013" y="0"/>
                   </a:lnTo>
                   <a:lnTo>
-                    <a:pt x="1342" y="990"/>
+                    <a:pt x="2858013" y="6866467"/>
                   </a:lnTo>
                   <a:lnTo>
-                    <a:pt x="156" y="27"/>
+                    <a:pt x="2473942" y="6866467"/>
                   </a:lnTo>
                   <a:lnTo>
                     <a:pt x="0" y="0"/>
                   </a:lnTo>
+                  <a:close/>
+                </a:path>
+              </a:pathLst>
+            </a:custGeom>
+            <a:solidFill>
+              <a:schemeClr val="accent2">
+                <a:lumMod val="75000"/>
+                <a:alpha val="70000"/>
+              </a:schemeClr>
+            </a:solidFill>
+            <a:ln>
+              <a:noFill/>
+            </a:ln>
+            <a:effectLst/>
+          </p:spPr>
+          <p:style>
+            <a:lnRef idx="1">
+              <a:schemeClr val="accent1"/>
+            </a:lnRef>
+            <a:fillRef idx="3">
+              <a:schemeClr val="accent1"/>
+            </a:fillRef>
+            <a:effectRef idx="2">
+              <a:schemeClr val="accent1"/>
+            </a:effectRef>
+            <a:fontRef idx="minor">
+              <a:schemeClr val="lt1"/>
+            </a:fontRef>
+          </p:style>
+        </p:sp>
+        <p:sp>
+          <p:nvSpPr>
+            <p:cNvPr id="26" name="Rectangle 28"/>
+            <p:cNvSpPr/>
+            <p:nvPr/>
+          </p:nvSpPr>
+          <p:spPr>
+            <a:xfrm>
+              <a:off x="10898730" y="-8467"/>
+              <a:ext cx="1290094" cy="6866467"/>
+            </a:xfrm>
+            <a:custGeom>
+              <a:avLst/>
+              <a:gdLst/>
+              <a:ahLst/>
+              <a:cxnLst/>
+              <a:rect l="l" t="t" r="r" b="b"/>
+              <a:pathLst>
+                <a:path w="1290094" h="6858000">
+                  <a:moveTo>
+                    <a:pt x="1019735" y="0"/>
+                  </a:moveTo>
                   <a:lnTo>
-                    <a:pt x="0" y="3"/>
+                    <a:pt x="1290094" y="0"/>
+                  </a:lnTo>
+                  <a:lnTo>
+                    <a:pt x="1290094" y="6858000"/>
+                  </a:lnTo>
+                  <a:lnTo>
+                    <a:pt x="0" y="6858000"/>
+                  </a:lnTo>
+                  <a:lnTo>
+                    <a:pt x="1019735" y="0"/>
                   </a:lnTo>
                   <a:close/>
                 </a:path>
@@ -6743,77 +6599,175 @@
             </a:custGeom>
             <a:solidFill>
               <a:schemeClr val="accent1">
-                <a:lumMod val="75000"/>
+                <a:lumMod val="60000"/>
+                <a:lumOff val="40000"/>
+                <a:alpha val="70000"/>
               </a:schemeClr>
             </a:solidFill>
             <a:ln>
               <a:noFill/>
             </a:ln>
+            <a:effectLst/>
           </p:spPr>
+          <p:style>
+            <a:lnRef idx="1">
+              <a:schemeClr val="accent1"/>
+            </a:lnRef>
+            <a:fillRef idx="3">
+              <a:schemeClr val="accent1"/>
+            </a:fillRef>
+            <a:effectRef idx="2">
+              <a:schemeClr val="accent1"/>
+            </a:effectRef>
+            <a:fontRef idx="minor">
+              <a:schemeClr val="lt1"/>
+            </a:fontRef>
+          </p:style>
         </p:sp>
         <p:sp>
           <p:nvSpPr>
-            <p:cNvPr id="13" name="Freeform 11"/>
+            <p:cNvPr id="27" name="Rectangle 29"/>
             <p:cNvSpPr/>
             <p:nvPr/>
           </p:nvSpPr>
-          <p:spPr bwMode="auto">
+          <p:spPr>
             <a:xfrm>
-              <a:off x="1320800" y="5238750"/>
-              <a:ext cx="1695450" cy="1619250"/>
+              <a:off x="10938999" y="-8467"/>
+              <a:ext cx="1249825" cy="6866467"/>
             </a:xfrm>
             <a:custGeom>
               <a:avLst/>
               <a:gdLst/>
               <a:ahLst/>
               <a:cxnLst/>
-              <a:rect l="0" t="0" r="r" b="b"/>
+              <a:rect l="l" t="t" r="r" b="b"/>
               <a:pathLst>
-                <a:path w="1068" h="1020">
+                <a:path w="1249825" h="6858000">
                   <a:moveTo>
-                    <a:pt x="1068" y="1020"/>
+                    <a:pt x="0" y="0"/>
                   </a:moveTo>
                   <a:lnTo>
-                    <a:pt x="184" y="60"/>
+                    <a:pt x="1249825" y="0"/>
                   </a:lnTo>
                   <a:lnTo>
-                    <a:pt x="154" y="27"/>
+                    <a:pt x="1249825" y="6858000"/>
                   </a:lnTo>
                   <a:lnTo>
-                    <a:pt x="157" y="27"/>
-                  </a:lnTo>
-                  <a:lnTo>
-                    <a:pt x="157" y="24"/>
-                  </a:lnTo>
-                  <a:lnTo>
-                    <a:pt x="154" y="24"/>
+                    <a:pt x="1109382" y="6858000"/>
                   </a:lnTo>
                   <a:lnTo>
                     <a:pt x="0" y="0"/>
-                  </a:lnTo>
-                  <a:lnTo>
-                    <a:pt x="0" y="0"/>
-                  </a:lnTo>
-                  <a:lnTo>
-                    <a:pt x="774" y="1020"/>
-                  </a:lnTo>
-                  <a:lnTo>
-                    <a:pt x="1068" y="1020"/>
                   </a:lnTo>
                   <a:close/>
                 </a:path>
               </a:pathLst>
             </a:custGeom>
             <a:solidFill>
-              <a:schemeClr val="tx1">
-                <a:lumMod val="75000"/>
-                <a:lumOff val="25000"/>
+              <a:schemeClr val="accent1">
+                <a:alpha val="65000"/>
               </a:schemeClr>
             </a:solidFill>
             <a:ln>
               <a:noFill/>
             </a:ln>
+            <a:effectLst/>
           </p:spPr>
+          <p:style>
+            <a:lnRef idx="1">
+              <a:schemeClr val="accent1"/>
+            </a:lnRef>
+            <a:fillRef idx="3">
+              <a:schemeClr val="accent1"/>
+            </a:fillRef>
+            <a:effectRef idx="2">
+              <a:schemeClr val="accent1"/>
+            </a:effectRef>
+            <a:fontRef idx="minor">
+              <a:schemeClr val="lt1"/>
+            </a:fontRef>
+          </p:style>
+        </p:sp>
+        <p:sp>
+          <p:nvSpPr>
+            <p:cNvPr id="28" name="Isosceles Triangle 27"/>
+            <p:cNvSpPr/>
+            <p:nvPr/>
+          </p:nvSpPr>
+          <p:spPr>
+            <a:xfrm>
+              <a:off x="10371666" y="3589867"/>
+              <a:ext cx="1817159" cy="3268133"/>
+            </a:xfrm>
+            <a:prstGeom prst="triangle">
+              <a:avLst>
+                <a:gd name="adj" fmla="val 100000"/>
+              </a:avLst>
+            </a:prstGeom>
+            <a:solidFill>
+              <a:schemeClr val="accent1">
+                <a:alpha val="80000"/>
+              </a:schemeClr>
+            </a:solidFill>
+            <a:ln>
+              <a:noFill/>
+            </a:ln>
+            <a:effectLst/>
+          </p:spPr>
+          <p:style>
+            <a:lnRef idx="1">
+              <a:schemeClr val="accent1"/>
+            </a:lnRef>
+            <a:fillRef idx="3">
+              <a:schemeClr val="accent1"/>
+            </a:fillRef>
+            <a:effectRef idx="2">
+              <a:schemeClr val="accent1"/>
+            </a:effectRef>
+            <a:fontRef idx="minor">
+              <a:schemeClr val="lt1"/>
+            </a:fontRef>
+          </p:style>
+        </p:sp>
+        <p:sp>
+          <p:nvSpPr>
+            <p:cNvPr id="29" name="Isosceles Triangle 28"/>
+            <p:cNvSpPr/>
+            <p:nvPr/>
+          </p:nvSpPr>
+          <p:spPr>
+            <a:xfrm>
+              <a:off x="0" y="4013200"/>
+              <a:ext cx="448733" cy="2844800"/>
+            </a:xfrm>
+            <a:prstGeom prst="triangle">
+              <a:avLst>
+                <a:gd name="adj" fmla="val 0"/>
+              </a:avLst>
+            </a:prstGeom>
+            <a:solidFill>
+              <a:schemeClr val="accent1">
+                <a:alpha val="85000"/>
+              </a:schemeClr>
+            </a:solidFill>
+            <a:ln>
+              <a:noFill/>
+            </a:ln>
+            <a:effectLst/>
+          </p:spPr>
+          <p:style>
+            <a:lnRef idx="1">
+              <a:schemeClr val="accent1"/>
+            </a:lnRef>
+            <a:fillRef idx="3">
+              <a:schemeClr val="accent1"/>
+            </a:fillRef>
+            <a:effectRef idx="2">
+              <a:schemeClr val="accent1"/>
+            </a:effectRef>
+            <a:fontRef idx="minor">
+              <a:schemeClr val="lt1"/>
+            </a:fontRef>
+          </p:style>
         </p:sp>
       </p:grpSp>
       <p:sp>
@@ -6828,85 +6782,22 @@
         </p:nvSpPr>
         <p:spPr>
           <a:xfrm>
-            <a:off x="1484311" y="685800"/>
-            <a:ext cx="10018713" cy="1752599"/>
-          </a:xfrm>
-          <a:prstGeom prst="rect">
-            <a:avLst/>
-          </a:prstGeom>
-          <a:effectLst/>
-        </p:spPr>
-        <p:txBody>
-          <a:bodyPr vert="horz" lIns="91440" tIns="45720" rIns="91440" bIns="45720" rtlCol="0" anchor="ctr">
-            <a:normAutofit/>
-          </a:bodyPr>
-          <a:lstStyle/>
-          <a:p>
-            <a:r>
-              <a:rPr lang="en-US"/>
-              <a:t>Click to edit Master title style</a:t>
-            </a:r>
-            <a:endParaRPr lang="en-US" dirty="0"/>
-          </a:p>
-        </p:txBody>
-      </p:sp>
-      <p:sp>
-        <p:nvSpPr>
-          <p:cNvPr id="3" name="Text Placeholder 2"/>
-          <p:cNvSpPr>
-            <a:spLocks noGrp="1"/>
-          </p:cNvSpPr>
-          <p:nvPr>
-            <p:ph type="body" idx="1"/>
-          </p:nvPr>
-        </p:nvSpPr>
-        <p:spPr>
-          <a:xfrm>
-            <a:off x="1484310" y="2666999"/>
-            <a:ext cx="10018713" cy="3124201"/>
+            <a:off x="677334" y="609600"/>
+            <a:ext cx="8596668" cy="1320800"/>
           </a:xfrm>
           <a:prstGeom prst="rect">
             <a:avLst/>
           </a:prstGeom>
         </p:spPr>
         <p:txBody>
-          <a:bodyPr vert="horz" lIns="91440" tIns="45720" rIns="91440" bIns="45720" rtlCol="0" anchor="ctr">
+          <a:bodyPr vert="horz" lIns="91440" tIns="45720" rIns="91440" bIns="45720" rtlCol="0" anchor="t">
             <a:normAutofit/>
           </a:bodyPr>
           <a:lstStyle/>
           <a:p>
-            <a:pPr lvl="0"/>
             <a:r>
               <a:rPr lang="en-US"/>
-              <a:t>Edit Master text styles</a:t>
-            </a:r>
-          </a:p>
-          <a:p>
-            <a:pPr lvl="1"/>
-            <a:r>
-              <a:rPr lang="en-US"/>
-              <a:t>Second level</a:t>
-            </a:r>
-          </a:p>
-          <a:p>
-            <a:pPr lvl="2"/>
-            <a:r>
-              <a:rPr lang="en-US"/>
-              <a:t>Third level</a:t>
-            </a:r>
-          </a:p>
-          <a:p>
-            <a:pPr lvl="3"/>
-            <a:r>
-              <a:rPr lang="en-US"/>
-              <a:t>Fourth level</a:t>
-            </a:r>
-          </a:p>
-          <a:p>
-            <a:pPr lvl="4"/>
-            <a:r>
-              <a:rPr lang="en-US"/>
-              <a:t>Fifth level</a:t>
+              <a:t>Click to edit Master title style</a:t>
             </a:r>
             <a:endParaRPr lang="en-US" dirty="0"/>
           </a:p>
@@ -6914,59 +6805,80 @@
       </p:sp>
       <p:sp>
         <p:nvSpPr>
-          <p:cNvPr id="4" name="Date Placeholder 3"/>
-          <p:cNvSpPr>
-            <a:spLocks noGrp="1"/>
-          </p:cNvSpPr>
-          <p:nvPr>
-            <p:ph type="dt" sz="half" idx="2"/>
+          <p:cNvPr id="3" name="Text Placeholder 2"/>
+          <p:cNvSpPr>
+            <a:spLocks noGrp="1"/>
+          </p:cNvSpPr>
+          <p:nvPr>
+            <p:ph type="body" idx="1"/>
           </p:nvPr>
         </p:nvSpPr>
         <p:spPr>
           <a:xfrm>
-            <a:off x="9732656" y="5883275"/>
-            <a:ext cx="1143000" cy="365125"/>
+            <a:off x="677334" y="2160589"/>
+            <a:ext cx="8596668" cy="3880773"/>
           </a:xfrm>
           <a:prstGeom prst="rect">
             <a:avLst/>
           </a:prstGeom>
         </p:spPr>
         <p:txBody>
-          <a:bodyPr vert="horz" lIns="91440" tIns="45720" rIns="91440" bIns="45720" rtlCol="0" anchor="ctr"/>
-          <a:lstStyle>
-            <a:lvl1pPr algn="r">
-              <a:defRPr sz="1000" b="0" i="0">
-                <a:solidFill>
-                  <a:schemeClr val="tx1"/>
-                </a:solidFill>
-                <a:effectLst/>
-                <a:latin typeface="+mn-lt"/>
-              </a:defRPr>
-            </a:lvl1pPr>
-          </a:lstStyle>
-          <a:p>
-            <a:fld id="{52A40D1F-8DC8-452B-B505-1D78AF183F5D}" type="datetimeFigureOut">
-              <a:rPr lang="en-CA" smtClean="0"/>
-              <a:t>9/2/2021</a:t>
-            </a:fld>
-            <a:endParaRPr lang="en-CA"/>
-          </a:p>
-        </p:txBody>
-      </p:sp>
-      <p:sp>
-        <p:nvSpPr>
-          <p:cNvPr id="5" name="Footer Placeholder 4"/>
-          <p:cNvSpPr>
-            <a:spLocks noGrp="1"/>
-          </p:cNvSpPr>
-          <p:nvPr>
-            <p:ph type="ftr" sz="quarter" idx="3"/>
+          <a:bodyPr vert="horz" lIns="91440" tIns="45720" rIns="91440" bIns="45720" rtlCol="0">
+            <a:normAutofit/>
+          </a:bodyPr>
+          <a:lstStyle/>
+          <a:p>
+            <a:pPr lvl="0"/>
+            <a:r>
+              <a:rPr lang="en-US"/>
+              <a:t>Edit Master text styles</a:t>
+            </a:r>
+          </a:p>
+          <a:p>
+            <a:pPr lvl="1"/>
+            <a:r>
+              <a:rPr lang="en-US"/>
+              <a:t>Second level</a:t>
+            </a:r>
+          </a:p>
+          <a:p>
+            <a:pPr lvl="2"/>
+            <a:r>
+              <a:rPr lang="en-US"/>
+              <a:t>Third level</a:t>
+            </a:r>
+          </a:p>
+          <a:p>
+            <a:pPr lvl="3"/>
+            <a:r>
+              <a:rPr lang="en-US"/>
+              <a:t>Fourth level</a:t>
+            </a:r>
+          </a:p>
+          <a:p>
+            <a:pPr lvl="4"/>
+            <a:r>
+              <a:rPr lang="en-US"/>
+              <a:t>Fifth level</a:t>
+            </a:r>
+            <a:endParaRPr lang="en-US" dirty="0"/>
+          </a:p>
+        </p:txBody>
+      </p:sp>
+      <p:sp>
+        <p:nvSpPr>
+          <p:cNvPr id="4" name="Date Placeholder 3"/>
+          <p:cNvSpPr>
+            <a:spLocks noGrp="1"/>
+          </p:cNvSpPr>
+          <p:nvPr>
+            <p:ph type="dt" sz="half" idx="2"/>
           </p:nvPr>
         </p:nvSpPr>
         <p:spPr>
           <a:xfrm>
-            <a:off x="2572279" y="5883275"/>
-            <a:ext cx="7084177" cy="365125"/>
+            <a:off x="7205133" y="6041362"/>
+            <a:ext cx="911939" cy="365125"/>
           </a:xfrm>
           <a:prstGeom prst="rect">
             <a:avLst/>
@@ -6975,35 +6887,39 @@
         <p:txBody>
           <a:bodyPr vert="horz" lIns="91440" tIns="45720" rIns="91440" bIns="45720" rtlCol="0" anchor="ctr"/>
           <a:lstStyle>
-            <a:lvl1pPr algn="l">
-              <a:defRPr sz="1000" b="0" i="0">
-                <a:solidFill>
-                  <a:schemeClr val="tx1"/>
-                </a:solidFill>
-                <a:effectLst/>
-                <a:latin typeface="+mn-lt"/>
+            <a:lvl1pPr algn="r">
+              <a:defRPr sz="900">
+                <a:solidFill>
+                  <a:schemeClr val="tx1">
+                    <a:tint val="75000"/>
+                  </a:schemeClr>
+                </a:solidFill>
               </a:defRPr>
             </a:lvl1pPr>
           </a:lstStyle>
           <a:p>
+            <a:fld id="{52A40D1F-8DC8-452B-B505-1D78AF183F5D}" type="datetimeFigureOut">
+              <a:rPr lang="en-CA" smtClean="0"/>
+              <a:t>9/3/2021</a:t>
+            </a:fld>
             <a:endParaRPr lang="en-CA"/>
           </a:p>
         </p:txBody>
       </p:sp>
       <p:sp>
         <p:nvSpPr>
-          <p:cNvPr id="6" name="Slide Number Placeholder 5"/>
-          <p:cNvSpPr>
-            <a:spLocks noGrp="1"/>
-          </p:cNvSpPr>
-          <p:nvPr>
-            <p:ph type="sldNum" sz="quarter" idx="4"/>
+          <p:cNvPr id="5" name="Footer Placeholder 4"/>
+          <p:cNvSpPr>
+            <a:spLocks noGrp="1"/>
+          </p:cNvSpPr>
+          <p:nvPr>
+            <p:ph type="ftr" sz="quarter" idx="3"/>
           </p:nvPr>
         </p:nvSpPr>
         <p:spPr>
           <a:xfrm>
-            <a:off x="10951856" y="5883275"/>
-            <a:ext cx="551167" cy="365125"/>
+            <a:off x="677334" y="6041362"/>
+            <a:ext cx="6297612" cy="365125"/>
           </a:xfrm>
           <a:prstGeom prst="rect">
             <a:avLst/>
@@ -7012,13 +6928,48 @@
         <p:txBody>
           <a:bodyPr vert="horz" lIns="91440" tIns="45720" rIns="91440" bIns="45720" rtlCol="0" anchor="ctr"/>
           <a:lstStyle>
+            <a:lvl1pPr algn="l">
+              <a:defRPr sz="900">
+                <a:solidFill>
+                  <a:schemeClr val="tx1">
+                    <a:tint val="75000"/>
+                  </a:schemeClr>
+                </a:solidFill>
+              </a:defRPr>
+            </a:lvl1pPr>
+          </a:lstStyle>
+          <a:p>
+            <a:endParaRPr lang="en-CA"/>
+          </a:p>
+        </p:txBody>
+      </p:sp>
+      <p:sp>
+        <p:nvSpPr>
+          <p:cNvPr id="6" name="Slide Number Placeholder 5"/>
+          <p:cNvSpPr>
+            <a:spLocks noGrp="1"/>
+          </p:cNvSpPr>
+          <p:nvPr>
+            <p:ph type="sldNum" sz="quarter" idx="4"/>
+          </p:nvPr>
+        </p:nvSpPr>
+        <p:spPr>
+          <a:xfrm>
+            <a:off x="8590663" y="6041362"/>
+            <a:ext cx="683339" cy="365125"/>
+          </a:xfrm>
+          <a:prstGeom prst="rect">
+            <a:avLst/>
+          </a:prstGeom>
+        </p:spPr>
+        <p:txBody>
+          <a:bodyPr vert="horz" lIns="91440" tIns="45720" rIns="91440" bIns="45720" rtlCol="0" anchor="ctr"/>
+          <a:lstStyle>
             <a:lvl1pPr algn="r">
-              <a:defRPr sz="1000" b="0" i="0">
-                <a:solidFill>
-                  <a:schemeClr val="tx1"/>
-                </a:solidFill>
-                <a:effectLst/>
-                <a:latin typeface="+mn-lt"/>
+              <a:defRPr sz="900">
+                <a:solidFill>
+                  <a:schemeClr val="accent1"/>
+                </a:solidFill>
               </a:defRPr>
             </a:lvl1pPr>
           </a:lstStyle>
@@ -7034,45 +6985,40 @@
     </p:spTree>
     <p:extLst>
       <p:ext uri="{BB962C8B-B14F-4D97-AF65-F5344CB8AC3E}">
-        <p14:creationId xmlns:p14="http://schemas.microsoft.com/office/powerpoint/2010/main" val="1065403571"/>
+        <p14:creationId xmlns:p14="http://schemas.microsoft.com/office/powerpoint/2010/main" val="811837334"/>
       </p:ext>
     </p:extLst>
   </p:cSld>
   <p:clrMap bg1="lt1" tx1="dk1" bg2="lt2" tx2="dk2" accent1="accent1" accent2="accent2" accent3="accent3" accent4="accent4" accent5="accent5" accent6="accent6" hlink="hlink" folHlink="folHlink"/>
   <p:sldLayoutIdLst>
-    <p:sldLayoutId id="2147483661" r:id="rId1"/>
-    <p:sldLayoutId id="2147483662" r:id="rId2"/>
-    <p:sldLayoutId id="2147483663" r:id="rId3"/>
-    <p:sldLayoutId id="2147483664" r:id="rId4"/>
-    <p:sldLayoutId id="2147483665" r:id="rId5"/>
-    <p:sldLayoutId id="2147483666" r:id="rId6"/>
-    <p:sldLayoutId id="2147483667" r:id="rId7"/>
-    <p:sldLayoutId id="2147483668" r:id="rId8"/>
-    <p:sldLayoutId id="2147483669" r:id="rId9"/>
-    <p:sldLayoutId id="2147483670" r:id="rId10"/>
-    <p:sldLayoutId id="2147483671" r:id="rId11"/>
-    <p:sldLayoutId id="2147483672" r:id="rId12"/>
-    <p:sldLayoutId id="2147483673" r:id="rId13"/>
-    <p:sldLayoutId id="2147483674" r:id="rId14"/>
-    <p:sldLayoutId id="2147483675" r:id="rId15"/>
-    <p:sldLayoutId id="2147483676" r:id="rId16"/>
-    <p:sldLayoutId id="2147483677" r:id="rId17"/>
+    <p:sldLayoutId id="2147483679" r:id="rId1"/>
+    <p:sldLayoutId id="2147483680" r:id="rId2"/>
+    <p:sldLayoutId id="2147483681" r:id="rId3"/>
+    <p:sldLayoutId id="2147483682" r:id="rId4"/>
+    <p:sldLayoutId id="2147483683" r:id="rId5"/>
+    <p:sldLayoutId id="2147483684" r:id="rId6"/>
+    <p:sldLayoutId id="2147483685" r:id="rId7"/>
+    <p:sldLayoutId id="2147483686" r:id="rId8"/>
+    <p:sldLayoutId id="2147483687" r:id="rId9"/>
+    <p:sldLayoutId id="2147483688" r:id="rId10"/>
+    <p:sldLayoutId id="2147483689" r:id="rId11"/>
+    <p:sldLayoutId id="2147483690" r:id="rId12"/>
+    <p:sldLayoutId id="2147483691" r:id="rId13"/>
+    <p:sldLayoutId id="2147483692" r:id="rId14"/>
+    <p:sldLayoutId id="2147483693" r:id="rId15"/>
+    <p:sldLayoutId id="2147483694" r:id="rId16"/>
   </p:sldLayoutIdLst>
   <p:txStyles>
     <p:titleStyle>
-      <a:lvl1pPr algn="ctr" defTabSz="457200" rtl="0" eaLnBrk="1" latinLnBrk="0" hangingPunct="1">
+      <a:lvl1pPr algn="l" defTabSz="457200" rtl="0" eaLnBrk="1" latinLnBrk="0" hangingPunct="1">
         <a:spcBef>
           <a:spcPct val="0"/>
         </a:spcBef>
         <a:buNone/>
-        <a:defRPr sz="4000" kern="1200" cap="none">
-          <a:ln w="3175" cmpd="sng">
-            <a:noFill/>
-          </a:ln>
+        <a:defRPr sz="3600" kern="1200">
           <a:solidFill>
-            <a:schemeClr val="tx1"/>
+            <a:schemeClr val="accent1"/>
           </a:solidFill>
-          <a:effectLst/>
           <a:latin typeface="+mj-lt"/>
           <a:ea typeface="+mj-ea"/>
           <a:cs typeface="+mj-cs"/>
@@ -7136,26 +7082,26 @@
       </a:lvl9pPr>
     </p:titleStyle>
     <p:bodyStyle>
-      <a:lvl1pPr marL="285750" indent="-285750" algn="l" defTabSz="457200" rtl="0" eaLnBrk="1" latinLnBrk="0" hangingPunct="1">
+      <a:lvl1pPr marL="342900" indent="-342900" algn="l" defTabSz="457200" rtl="0" eaLnBrk="1" latinLnBrk="0" hangingPunct="1">
         <a:spcBef>
-          <a:spcPct val="20000"/>
+          <a:spcPts val="1000"/>
         </a:spcBef>
         <a:spcAft>
-          <a:spcPts val="600"/>
+          <a:spcPts val="0"/>
         </a:spcAft>
         <a:buClr>
-          <a:schemeClr val="accent1">
-            <a:lumMod val="75000"/>
-          </a:schemeClr>
+          <a:schemeClr val="accent1"/>
         </a:buClr>
-        <a:buSzPct val="145000"/>
-        <a:buFont typeface="Arial"/>
-        <a:buChar char="•"/>
-        <a:defRPr sz="2400" kern="1200" cap="none">
+        <a:buSzPct val="80000"/>
+        <a:buFont typeface="Wingdings 3" charset="2"/>
+        <a:buChar char=""/>
+        <a:defRPr sz="1800" kern="1200">
           <a:solidFill>
-            <a:schemeClr val="tx1"/>
+            <a:schemeClr val="tx1">
+              <a:lumMod val="75000"/>
+              <a:lumOff val="25000"/>
+            </a:schemeClr>
           </a:solidFill>
-          <a:effectLst/>
           <a:latin typeface="+mn-lt"/>
           <a:ea typeface="+mn-ea"/>
           <a:cs typeface="+mn-cs"/>
@@ -7163,99 +7109,99 @@
       </a:lvl1pPr>
       <a:lvl2pPr marL="742950" indent="-285750" algn="l" defTabSz="457200" rtl="0" eaLnBrk="1" latinLnBrk="0" hangingPunct="1">
         <a:spcBef>
-          <a:spcPct val="20000"/>
+          <a:spcPts val="1000"/>
         </a:spcBef>
         <a:spcAft>
-          <a:spcPts val="600"/>
+          <a:spcPts val="0"/>
         </a:spcAft>
         <a:buClr>
-          <a:schemeClr val="accent1">
-            <a:lumMod val="75000"/>
-          </a:schemeClr>
+          <a:schemeClr val="accent1"/>
         </a:buClr>
-        <a:buSzPct val="145000"/>
-        <a:buFont typeface="Arial"/>
-        <a:buChar char="•"/>
-        <a:defRPr sz="2000" kern="1200" cap="none">
+        <a:buSzPct val="80000"/>
+        <a:buFont typeface="Wingdings 3" charset="2"/>
+        <a:buChar char=""/>
+        <a:defRPr sz="1600" kern="1200">
           <a:solidFill>
-            <a:schemeClr val="tx1"/>
+            <a:schemeClr val="tx1">
+              <a:lumMod val="75000"/>
+              <a:lumOff val="25000"/>
+            </a:schemeClr>
           </a:solidFill>
-          <a:effectLst/>
           <a:latin typeface="+mn-lt"/>
           <a:ea typeface="+mn-ea"/>
           <a:cs typeface="+mn-cs"/>
         </a:defRPr>
       </a:lvl2pPr>
-      <a:lvl3pPr marL="1200150" indent="-285750" algn="l" defTabSz="457200" rtl="0" eaLnBrk="1" latinLnBrk="0" hangingPunct="1">
+      <a:lvl3pPr marL="1143000" indent="-228600" algn="l" defTabSz="457200" rtl="0" eaLnBrk="1" latinLnBrk="0" hangingPunct="1">
         <a:spcBef>
-          <a:spcPct val="20000"/>
+          <a:spcPts val="1000"/>
         </a:spcBef>
         <a:spcAft>
-          <a:spcPts val="600"/>
+          <a:spcPts val="0"/>
         </a:spcAft>
         <a:buClr>
-          <a:schemeClr val="accent1">
-            <a:lumMod val="75000"/>
-          </a:schemeClr>
+          <a:schemeClr val="accent1"/>
         </a:buClr>
-        <a:buSzPct val="145000"/>
-        <a:buFont typeface="Arial"/>
-        <a:buChar char="•"/>
-        <a:defRPr sz="1800" kern="1200" cap="none">
+        <a:buSzPct val="80000"/>
+        <a:buFont typeface="Wingdings 3" charset="2"/>
+        <a:buChar char=""/>
+        <a:defRPr sz="1400" kern="1200">
           <a:solidFill>
-            <a:schemeClr val="tx1"/>
+            <a:schemeClr val="tx1">
+              <a:lumMod val="75000"/>
+              <a:lumOff val="25000"/>
+            </a:schemeClr>
           </a:solidFill>
-          <a:effectLst/>
           <a:latin typeface="+mn-lt"/>
           <a:ea typeface="+mn-ea"/>
           <a:cs typeface="+mn-cs"/>
         </a:defRPr>
       </a:lvl3pPr>
-      <a:lvl4pPr marL="1543050" indent="-171450" algn="l" defTabSz="457200" rtl="0" eaLnBrk="1" latinLnBrk="0" hangingPunct="1">
+      <a:lvl4pPr marL="1600200" indent="-228600" algn="l" defTabSz="457200" rtl="0" eaLnBrk="1" latinLnBrk="0" hangingPunct="1">
         <a:spcBef>
-          <a:spcPct val="20000"/>
+          <a:spcPts val="1000"/>
         </a:spcBef>
         <a:spcAft>
-          <a:spcPts val="600"/>
+          <a:spcPts val="0"/>
         </a:spcAft>
         <a:buClr>
-          <a:schemeClr val="accent1">
-            <a:lumMod val="75000"/>
-          </a:schemeClr>
+          <a:schemeClr val="accent1"/>
         </a:buClr>
-        <a:buSzPct val="145000"/>
-        <a:buFont typeface="Arial"/>
-        <a:buChar char="•"/>
-        <a:defRPr sz="1600" kern="1200" cap="none">
+        <a:buSzPct val="80000"/>
+        <a:buFont typeface="Wingdings 3" charset="2"/>
+        <a:buChar char=""/>
+        <a:defRPr sz="1200" kern="1200">
           <a:solidFill>
-            <a:schemeClr val="tx1"/>
+            <a:schemeClr val="tx1">
+              <a:lumMod val="75000"/>
+              <a:lumOff val="25000"/>
+            </a:schemeClr>
           </a:solidFill>
-          <a:effectLst/>
           <a:latin typeface="+mn-lt"/>
           <a:ea typeface="+mn-ea"/>
           <a:cs typeface="+mn-cs"/>
         </a:defRPr>
       </a:lvl4pPr>
-      <a:lvl5pPr marL="2000250" indent="-171450" algn="l" defTabSz="457200" rtl="0" eaLnBrk="1" latinLnBrk="0" hangingPunct="1">
+      <a:lvl5pPr marL="2057400" indent="-228600" algn="l" defTabSz="457200" rtl="0" eaLnBrk="1" latinLnBrk="0" hangingPunct="1">
         <a:spcBef>
-          <a:spcPct val="20000"/>
+          <a:spcPts val="1000"/>
         </a:spcBef>
         <a:spcAft>
-          <a:spcPts val="600"/>
+          <a:spcPts val="0"/>
         </a:spcAft>
         <a:buClr>
-          <a:schemeClr val="accent1">
-            <a:lumMod val="75000"/>
-          </a:schemeClr>
+          <a:schemeClr val="accent1"/>
         </a:buClr>
-        <a:buSzPct val="145000"/>
-        <a:buFont typeface="Arial"/>
-        <a:buChar char="•"/>
-        <a:defRPr sz="1400" kern="1200" cap="none">
+        <a:buSzPct val="80000"/>
+        <a:buFont typeface="Wingdings 3" charset="2"/>
+        <a:buChar char=""/>
+        <a:defRPr sz="1200" kern="1200">
           <a:solidFill>
-            <a:schemeClr val="tx1"/>
+            <a:schemeClr val="tx1">
+              <a:lumMod val="75000"/>
+              <a:lumOff val="25000"/>
+            </a:schemeClr>
           </a:solidFill>
-          <a:effectLst/>
           <a:latin typeface="+mn-lt"/>
           <a:ea typeface="+mn-ea"/>
           <a:cs typeface="+mn-cs"/>
@@ -7263,24 +7209,24 @@
       </a:lvl5pPr>
       <a:lvl6pPr marL="2514600" indent="-228600" algn="l" defTabSz="457200" rtl="0" eaLnBrk="1" latinLnBrk="0" hangingPunct="1">
         <a:spcBef>
-          <a:spcPct val="20000"/>
+          <a:spcPts val="1000"/>
         </a:spcBef>
         <a:spcAft>
-          <a:spcPts val="600"/>
+          <a:spcPts val="0"/>
         </a:spcAft>
         <a:buClr>
-          <a:schemeClr val="accent1">
-            <a:lumMod val="75000"/>
-          </a:schemeClr>
+          <a:schemeClr val="accent1"/>
         </a:buClr>
-        <a:buSzPct val="145000"/>
-        <a:buFont typeface="Arial"/>
-        <a:buChar char="•"/>
-        <a:defRPr sz="1400" kern="1200" cap="none">
+        <a:buSzPct val="80000"/>
+        <a:buFont typeface="Wingdings 3" charset="2"/>
+        <a:buChar char=""/>
+        <a:defRPr sz="1200" kern="1200">
           <a:solidFill>
-            <a:schemeClr val="tx1"/>
+            <a:schemeClr val="tx1">
+              <a:lumMod val="75000"/>
+              <a:lumOff val="25000"/>
+            </a:schemeClr>
           </a:solidFill>
-          <a:effectLst/>
           <a:latin typeface="+mn-lt"/>
           <a:ea typeface="+mn-ea"/>
           <a:cs typeface="+mn-cs"/>
@@ -7288,24 +7234,24 @@
       </a:lvl6pPr>
       <a:lvl7pPr marL="2971800" indent="-228600" algn="l" defTabSz="457200" rtl="0" eaLnBrk="1" latinLnBrk="0" hangingPunct="1">
         <a:spcBef>
-          <a:spcPct val="20000"/>
+          <a:spcPts val="1000"/>
         </a:spcBef>
         <a:spcAft>
-          <a:spcPts val="600"/>
+          <a:spcPts val="0"/>
         </a:spcAft>
         <a:buClr>
-          <a:schemeClr val="accent1">
-            <a:lumMod val="75000"/>
-          </a:schemeClr>
+          <a:schemeClr val="accent1"/>
         </a:buClr>
-        <a:buSzPct val="145000"/>
-        <a:buFont typeface="Arial"/>
-        <a:buChar char="•"/>
-        <a:defRPr sz="1400" kern="1200" cap="none">
+        <a:buSzPct val="80000"/>
+        <a:buFont typeface="Wingdings 3" charset="2"/>
+        <a:buChar char=""/>
+        <a:defRPr sz="1200" kern="1200">
           <a:solidFill>
-            <a:schemeClr val="tx1"/>
+            <a:schemeClr val="tx1">
+              <a:lumMod val="75000"/>
+              <a:lumOff val="25000"/>
+            </a:schemeClr>
           </a:solidFill>
-          <a:effectLst/>
           <a:latin typeface="+mn-lt"/>
           <a:ea typeface="+mn-ea"/>
           <a:cs typeface="+mn-cs"/>
@@ -7313,24 +7259,24 @@
       </a:lvl7pPr>
       <a:lvl8pPr marL="3429000" indent="-228600" algn="l" defTabSz="457200" rtl="0" eaLnBrk="1" latinLnBrk="0" hangingPunct="1">
         <a:spcBef>
-          <a:spcPct val="20000"/>
+          <a:spcPts val="1000"/>
         </a:spcBef>
         <a:spcAft>
-          <a:spcPts val="600"/>
+          <a:spcPts val="0"/>
         </a:spcAft>
         <a:buClr>
-          <a:schemeClr val="accent1">
-            <a:lumMod val="75000"/>
-          </a:schemeClr>
+          <a:schemeClr val="accent1"/>
         </a:buClr>
-        <a:buSzPct val="145000"/>
-        <a:buFont typeface="Arial"/>
-        <a:buChar char="•"/>
-        <a:defRPr sz="1400" kern="1200" cap="none">
+        <a:buSzPct val="80000"/>
+        <a:buFont typeface="Wingdings 3" charset="2"/>
+        <a:buChar char=""/>
+        <a:defRPr sz="1200" kern="1200">
           <a:solidFill>
-            <a:schemeClr val="tx1"/>
+            <a:schemeClr val="tx1">
+              <a:lumMod val="75000"/>
+              <a:lumOff val="25000"/>
+            </a:schemeClr>
           </a:solidFill>
-          <a:effectLst/>
           <a:latin typeface="+mn-lt"/>
           <a:ea typeface="+mn-ea"/>
           <a:cs typeface="+mn-cs"/>
@@ -7338,24 +7284,24 @@
       </a:lvl8pPr>
       <a:lvl9pPr marL="3886200" indent="-228600" algn="l" defTabSz="457200" rtl="0" eaLnBrk="1" latinLnBrk="0" hangingPunct="1">
         <a:spcBef>
-          <a:spcPct val="20000"/>
+          <a:spcPts val="1000"/>
         </a:spcBef>
         <a:spcAft>
-          <a:spcPts val="600"/>
+          <a:spcPts val="0"/>
         </a:spcAft>
         <a:buClr>
-          <a:schemeClr val="accent1">
-            <a:lumMod val="75000"/>
-          </a:schemeClr>
+          <a:schemeClr val="accent1"/>
         </a:buClr>
-        <a:buSzPct val="145000"/>
-        <a:buFont typeface="Arial"/>
-        <a:buChar char="•"/>
-        <a:defRPr sz="1400" kern="1200" cap="none">
+        <a:buSzPct val="80000"/>
+        <a:buFont typeface="Wingdings 3" charset="2"/>
+        <a:buChar char=""/>
+        <a:defRPr sz="1200" kern="1200">
           <a:solidFill>
-            <a:schemeClr val="tx1"/>
+            <a:schemeClr val="tx1">
+              <a:lumMod val="75000"/>
+              <a:lumOff val="25000"/>
+            </a:schemeClr>
           </a:solidFill>
-          <a:effectLst/>
           <a:latin typeface="+mn-lt"/>
           <a:ea typeface="+mn-ea"/>
           <a:cs typeface="+mn-cs"/>
@@ -7508,7 +7454,7 @@
             </a:br>
             <a:r>
               <a:rPr lang="en-CA" dirty="0"/>
-              <a:t>Banking Clientele Segmentation</a:t>
+              <a:t>Loan Predictions</a:t>
             </a:r>
           </a:p>
         </p:txBody>
@@ -7525,7 +7471,7 @@
         </p:nvSpPr>
         <p:spPr>
           <a:xfrm>
-            <a:off x="5084606" y="5492978"/>
+            <a:off x="337346" y="5492978"/>
             <a:ext cx="6987645" cy="1252992"/>
           </a:xfrm>
         </p:spPr>
@@ -7535,15 +7481,17 @@
           </a:bodyPr>
           <a:lstStyle/>
           <a:p>
+            <a:pPr algn="l"/>
             <a:r>
               <a:rPr lang="en-CA" dirty="0"/>
               <a:t>Niklas Bergen</a:t>
             </a:r>
           </a:p>
           <a:p>
+            <a:pPr algn="l"/>
             <a:r>
               <a:rPr lang="en-CA" dirty="0"/>
-              <a:t>September 2, 2021</a:t>
+              <a:t>September 3, 2021</a:t>
             </a:r>
           </a:p>
         </p:txBody>
@@ -7734,6 +7682,49 @@
           <a:chExt cx="0" cy="0"/>
         </a:xfrm>
       </p:grpSpPr>
+      <p:sp useBgFill="1">
+        <p:nvSpPr>
+          <p:cNvPr id="21" name="Rectangle 20"/>
+          <p:cNvSpPr/>
+          <p:nvPr/>
+        </p:nvSpPr>
+        <p:spPr>
+          <a:xfrm>
+            <a:off x="0" y="-53172"/>
+            <a:ext cx="12260580" cy="7025471"/>
+          </a:xfrm>
+          <a:prstGeom prst="rect">
+            <a:avLst/>
+          </a:prstGeom>
+          <a:ln>
+            <a:noFill/>
+          </a:ln>
+        </p:spPr>
+        <p:style>
+          <a:lnRef idx="2">
+            <a:schemeClr val="accent1">
+              <a:shade val="50000"/>
+            </a:schemeClr>
+          </a:lnRef>
+          <a:fillRef idx="1">
+            <a:schemeClr val="accent1"/>
+          </a:fillRef>
+          <a:effectRef idx="0">
+            <a:schemeClr val="accent1"/>
+          </a:effectRef>
+          <a:fontRef idx="minor">
+            <a:schemeClr val="lt1"/>
+          </a:fontRef>
+        </p:style>
+        <p:txBody>
+          <a:bodyPr rtlCol="0" anchor="ctr"/>
+          <a:lstStyle/>
+          <a:p>
+            <a:pPr algn="ctr"/>
+            <a:endParaRPr lang="en-CA"/>
+          </a:p>
+        </p:txBody>
+      </p:sp>
       <p:pic>
         <p:nvPicPr>
           <p:cNvPr id="1034" name="Picture 10" descr="http://fsco.ucoz.com/Raitis/application_denied_stamp.png"/>
@@ -7798,7 +7789,7 @@
         </p:blipFill>
         <p:spPr bwMode="auto">
           <a:xfrm>
-            <a:off x="2162049" y="2709609"/>
+            <a:off x="2112397" y="2895433"/>
             <a:ext cx="2933065" cy="2374219"/>
           </a:xfrm>
           <a:prstGeom prst="rect">
@@ -8210,7 +8201,7 @@
         </p:blipFill>
         <p:spPr bwMode="auto">
           <a:xfrm rot="6951421" flipH="1">
-            <a:off x="2006627" y="2869221"/>
+            <a:off x="1893954" y="3198993"/>
             <a:ext cx="1275692" cy="1271955"/>
           </a:xfrm>
           <a:prstGeom prst="rect">
@@ -8233,7 +8224,7 @@
         </p:nvSpPr>
         <p:spPr>
           <a:xfrm>
-            <a:off x="1155679" y="2388906"/>
+            <a:off x="986009" y="2685028"/>
             <a:ext cx="2472902" cy="474108"/>
           </a:xfrm>
           <a:prstGeom prst="rect">
@@ -8499,8 +8490,8 @@
         </p:nvSpPr>
         <p:spPr>
           <a:xfrm>
-            <a:off x="6774948" y="2667655"/>
-            <a:ext cx="2774367" cy="464329"/>
+            <a:off x="6642843" y="2858225"/>
+            <a:ext cx="2859297" cy="464329"/>
           </a:xfrm>
           <a:prstGeom prst="rect">
             <a:avLst/>
@@ -8776,7 +8767,7 @@
         </p:blipFill>
         <p:spPr bwMode="auto">
           <a:xfrm rot="6825179" flipH="1">
-            <a:off x="7772481" y="3198604"/>
+            <a:off x="7878391" y="3442426"/>
             <a:ext cx="1175428" cy="1171985"/>
           </a:xfrm>
           <a:prstGeom prst="rect">
@@ -9097,7 +9088,7 @@
                   </a:schemeClr>
                 </a:solidFill>
               </a:rPr>
-              <a:t>Post-Secondary Graduate</a:t>
+              <a:t>High Income</a:t>
             </a:r>
             <a:endParaRPr lang="en-CA" sz="2000" dirty="0"/>
           </a:p>
@@ -9166,7 +9157,7 @@
         <p:spPr>
           <a:xfrm>
             <a:off x="0" y="-53172"/>
-            <a:ext cx="12092765" cy="7025471"/>
+            <a:ext cx="12260580" cy="7025471"/>
           </a:xfrm>
           <a:prstGeom prst="rect">
             <a:avLst/>
@@ -9212,8 +9203,8 @@
         </p:nvSpPr>
         <p:spPr>
           <a:xfrm>
-            <a:off x="-3240089" y="-356738"/>
-            <a:ext cx="10018713" cy="1752599"/>
+            <a:off x="127951" y="54743"/>
+            <a:ext cx="3537269" cy="1050158"/>
           </a:xfrm>
         </p:spPr>
         <p:txBody>
@@ -9251,7 +9242,7 @@
         </p:blipFill>
         <p:spPr>
           <a:xfrm>
-            <a:off x="1027111" y="878127"/>
+            <a:off x="1133791" y="878127"/>
             <a:ext cx="9183689" cy="5888433"/>
           </a:xfrm>
           <a:prstGeom prst="rect">
@@ -9324,7 +9315,7 @@
         <p:spPr>
           <a:xfrm>
             <a:off x="0" y="-98892"/>
-            <a:ext cx="12092765" cy="7025471"/>
+            <a:ext cx="12283440" cy="7025471"/>
           </a:xfrm>
           <a:prstGeom prst="rect">
             <a:avLst/>
@@ -9411,7 +9402,7 @@
         </p:blipFill>
         <p:spPr>
           <a:xfrm>
-            <a:off x="2616886" y="1680314"/>
+            <a:off x="1963404" y="1680314"/>
             <a:ext cx="1894154" cy="2195640"/>
           </a:xfrm>
         </p:spPr>
@@ -9424,7 +9415,7 @@
         </p:nvSpPr>
         <p:spPr>
           <a:xfrm>
-            <a:off x="8602245" y="6030416"/>
+            <a:off x="7977405" y="6030416"/>
             <a:ext cx="1852395" cy="461665"/>
           </a:xfrm>
           <a:prstGeom prst="rect">
@@ -9457,7 +9448,7 @@
         </p:nvSpPr>
         <p:spPr>
           <a:xfrm>
-            <a:off x="2577775" y="6025792"/>
+            <a:off x="1924293" y="6025792"/>
             <a:ext cx="2136145" cy="461665"/>
           </a:xfrm>
           <a:prstGeom prst="rect">
@@ -9490,7 +9481,7 @@
         </p:nvSpPr>
         <p:spPr>
           <a:xfrm>
-            <a:off x="1973579" y="1608881"/>
+            <a:off x="1320097" y="1608881"/>
             <a:ext cx="3284221" cy="4994415"/>
           </a:xfrm>
           <a:prstGeom prst="rect">
@@ -9536,7 +9527,7 @@
         </p:nvSpPr>
         <p:spPr>
           <a:xfrm>
-            <a:off x="7211028" y="1608881"/>
+            <a:off x="6586188" y="1608881"/>
             <a:ext cx="4291996" cy="4994415"/>
           </a:xfrm>
           <a:prstGeom prst="rect">
@@ -9597,7 +9588,7 @@
         </p:blipFill>
         <p:spPr bwMode="auto">
           <a:xfrm>
-            <a:off x="2223945" y="3875954"/>
+            <a:off x="1570463" y="3875954"/>
             <a:ext cx="2726097" cy="2044573"/>
           </a:xfrm>
           <a:prstGeom prst="rect">
@@ -9638,7 +9629,7 @@
         </p:blipFill>
         <p:spPr bwMode="auto">
           <a:xfrm>
-            <a:off x="7319260" y="1892845"/>
+            <a:off x="6694420" y="1892845"/>
             <a:ext cx="1622203" cy="1566824"/>
           </a:xfrm>
           <a:prstGeom prst="rect">
@@ -9679,7 +9670,7 @@
         </p:blipFill>
         <p:spPr bwMode="auto">
           <a:xfrm>
-            <a:off x="8159276" y="3459669"/>
+            <a:off x="7534436" y="3459669"/>
             <a:ext cx="2295364" cy="1235671"/>
           </a:xfrm>
           <a:prstGeom prst="rect">
@@ -9720,7 +9711,7 @@
         </p:blipFill>
         <p:spPr bwMode="auto">
           <a:xfrm>
-            <a:off x="9290660" y="2171812"/>
+            <a:off x="8665820" y="2171812"/>
             <a:ext cx="1984382" cy="802022"/>
           </a:xfrm>
           <a:prstGeom prst="rect">
@@ -9746,7 +9737,7 @@
         </p:nvSpPr>
         <p:spPr>
           <a:xfrm>
-            <a:off x="7556926" y="4864989"/>
+            <a:off x="6932086" y="4864989"/>
             <a:ext cx="3600200" cy="923330"/>
           </a:xfrm>
           <a:prstGeom prst="rect">
@@ -9857,7 +9848,7 @@
         <p:spPr>
           <a:xfrm>
             <a:off x="0" y="-74795"/>
-            <a:ext cx="12092765" cy="7025471"/>
+            <a:ext cx="12321540" cy="7025471"/>
           </a:xfrm>
           <a:prstGeom prst="rect">
             <a:avLst/>
@@ -10321,8 +10312,8 @@
         </p:nvSpPr>
         <p:spPr>
           <a:xfrm>
-            <a:off x="0" y="-83736"/>
-            <a:ext cx="12092765" cy="7025471"/>
+            <a:off x="0" y="-74795"/>
+            <a:ext cx="12321540" cy="7025471"/>
           </a:xfrm>
           <a:prstGeom prst="rect">
             <a:avLst/>
@@ -10409,7 +10400,7 @@
           <a:p>
             <a:r>
               <a:rPr lang="en-CA" sz="2800" dirty="0"/>
-              <a:t>Based on demographics:</a:t>
+              <a:t>Exploratory analysis:</a:t>
             </a:r>
           </a:p>
         </p:txBody>
@@ -10424,8 +10415,8 @@
         </p:nvSpPr>
         <p:spPr>
           <a:xfrm>
-            <a:off x="906985" y="4833744"/>
-            <a:ext cx="7098949" cy="2079216"/>
+            <a:off x="906985" y="5257750"/>
+            <a:ext cx="8639624" cy="1767721"/>
           </a:xfrm>
           <a:prstGeom prst="rect">
             <a:avLst/>
@@ -10678,27 +10669,15 @@
             </a:pPr>
             <a:r>
               <a:rPr lang="en-CA" sz="2000" dirty="0"/>
-              <a:t>Income is skewed based on gender</a:t>
-            </a:r>
-          </a:p>
-          <a:p>
-            <a:pPr lvl="1">
-              <a:buFont typeface="Courier New" panose="02070309020205020404" pitchFamily="49" charset="0"/>
-              <a:buChar char="o"/>
-            </a:pPr>
-            <a:r>
-              <a:rPr lang="en-CA" sz="1600" dirty="0"/>
-              <a:t>Could have special offers for women to increase business</a:t>
-            </a:r>
-          </a:p>
-          <a:p>
-            <a:pPr lvl="1">
-              <a:buFont typeface="Courier New" panose="02070309020205020404" pitchFamily="49" charset="0"/>
-              <a:buChar char="o"/>
-            </a:pPr>
-            <a:r>
-              <a:rPr lang="en-US" sz="1600" dirty="0"/>
-              <a:t>Extend interest free period on credit cards</a:t>
+              <a:t>Urban and </a:t>
+            </a:r>
+            <a:r>
+              <a:rPr lang="en-CA" sz="2000" dirty="0" err="1"/>
+              <a:t>semiurban</a:t>
+            </a:r>
+            <a:r>
+              <a:rPr lang="en-CA" sz="2000" dirty="0"/>
+              <a:t> applicants are highly favored</a:t>
             </a:r>
           </a:p>
           <a:p>
@@ -10708,29 +10687,46 @@
             </a:pPr>
             <a:r>
               <a:rPr lang="en-CA" sz="2000" dirty="0"/>
-              <a:t>Target long-term plans for </a:t>
-            </a:r>
-            <a:r>
-              <a:rPr lang="en-US" sz="2000" dirty="0"/>
-              <a:t>clients </a:t>
-            </a:r>
-            <a:r>
-              <a:rPr lang="en-CA" sz="2000" dirty="0"/>
-              <a:t>with kids</a:t>
-            </a:r>
-          </a:p>
-          <a:p>
-            <a:pPr marL="0" indent="0">
-              <a:buNone/>
+              <a:t>Other factors are more important for rural applicants</a:t>
+            </a:r>
+          </a:p>
+          <a:p>
+            <a:pPr>
+              <a:buFont typeface="Courier New" panose="02070309020205020404" pitchFamily="49" charset="0"/>
+              <a:buChar char="o"/>
             </a:pPr>
             <a:endParaRPr lang="en-CA" sz="2000" dirty="0"/>
           </a:p>
         </p:txBody>
       </p:sp>
+      <p:pic>
+        <p:nvPicPr>
+          <p:cNvPr id="3" name="Picture 2"/>
+          <p:cNvPicPr>
+            <a:picLocks noChangeAspect="1"/>
+          </p:cNvPicPr>
+          <p:nvPr/>
+        </p:nvPicPr>
+        <p:blipFill>
+          <a:blip r:embed="rId4"/>
+          <a:stretch>
+            <a:fillRect/>
+          </a:stretch>
+        </p:blipFill>
+        <p:spPr>
+          <a:xfrm>
+            <a:off x="1781489" y="1761618"/>
+            <a:ext cx="8969285" cy="3496132"/>
+          </a:xfrm>
+          <a:prstGeom prst="rect">
+            <a:avLst/>
+          </a:prstGeom>
+        </p:spPr>
+      </p:pic>
     </p:spTree>
     <p:extLst>
       <p:ext uri="{BB962C8B-B14F-4D97-AF65-F5344CB8AC3E}">
-        <p14:creationId xmlns:p14="http://schemas.microsoft.com/office/powerpoint/2010/main" val="2995662968"/>
+        <p14:creationId xmlns:p14="http://schemas.microsoft.com/office/powerpoint/2010/main" val="1105150338"/>
       </p:ext>
     </p:extLst>
   </p:cSld>
@@ -10789,8 +10785,8 @@
         </p:nvSpPr>
         <p:spPr>
           <a:xfrm>
-            <a:off x="0" y="-53172"/>
-            <a:ext cx="12092765" cy="7025471"/>
+            <a:off x="0" y="0"/>
+            <a:ext cx="12260580" cy="7025471"/>
           </a:xfrm>
           <a:prstGeom prst="rect">
             <a:avLst/>
@@ -10876,8 +10872,16 @@
           <a:lstStyle/>
           <a:p>
             <a:r>
-              <a:rPr lang="en-CA" sz="3600" dirty="0"/>
-              <a:t>Based on banking habits:</a:t>
+              <a:rPr lang="en-CA" sz="2800" dirty="0"/>
+              <a:t>Feature </a:t>
+            </a:r>
+            <a:r>
+              <a:rPr lang="en-CA" sz="2800" dirty="0" err="1"/>
+              <a:t>Importances</a:t>
+            </a:r>
+            <a:r>
+              <a:rPr lang="en-CA" sz="2800" dirty="0"/>
+              <a:t>:</a:t>
             </a:r>
           </a:p>
         </p:txBody>
@@ -10892,8 +10896,8 @@
         </p:nvSpPr>
         <p:spPr>
           <a:xfrm>
-            <a:off x="906985" y="4983343"/>
-            <a:ext cx="8639624" cy="1767721"/>
+            <a:off x="967945" y="5561589"/>
+            <a:ext cx="7098949" cy="1569861"/>
           </a:xfrm>
           <a:prstGeom prst="rect">
             <a:avLst/>
@@ -11146,7 +11150,7 @@
             </a:pPr>
             <a:r>
               <a:rPr lang="en-CA" sz="2000" dirty="0"/>
-              <a:t>Target checking users to create a savings account</a:t>
+              <a:t>No credit history is a deal-breaker</a:t>
             </a:r>
           </a:p>
           <a:p>
@@ -11156,55 +11160,309 @@
             </a:pPr>
             <a:r>
               <a:rPr lang="en-CA" sz="2000" dirty="0"/>
-              <a:t>Target avid credit card users with credit limit increase</a:t>
-            </a:r>
-          </a:p>
-          <a:p>
-            <a:pPr>
-              <a:buFont typeface="Courier New" panose="02070309020205020404" pitchFamily="49" charset="0"/>
-              <a:buChar char="o"/>
+              <a:t>Income is a primary consideration, as expected</a:t>
+            </a:r>
+          </a:p>
+          <a:p>
+            <a:pPr marL="0" indent="0">
+              <a:buNone/>
             </a:pPr>
             <a:endParaRPr lang="en-CA" sz="2000" dirty="0"/>
           </a:p>
         </p:txBody>
       </p:sp>
-      <p:sp>
-        <p:nvSpPr>
-          <p:cNvPr id="12" name="TextBox 11"/>
-          <p:cNvSpPr txBox="1"/>
+      <p:pic>
+        <p:nvPicPr>
+          <p:cNvPr id="3" name="Picture 2"/>
+          <p:cNvPicPr>
+            <a:picLocks noChangeAspect="1"/>
+          </p:cNvPicPr>
           <p:nvPr/>
-        </p:nvSpPr>
+        </p:nvPicPr>
+        <p:blipFill>
+          <a:blip r:embed="rId4"/>
+          <a:stretch>
+            <a:fillRect/>
+          </a:stretch>
+        </p:blipFill>
         <p:spPr>
           <a:xfrm>
-            <a:off x="8283666" y="6307684"/>
-            <a:ext cx="2525885" cy="369332"/>
+            <a:off x="2811618" y="1680463"/>
+            <a:ext cx="8385175" cy="3987104"/>
           </a:xfrm>
           <a:prstGeom prst="rect">
             <a:avLst/>
           </a:prstGeom>
-          <a:noFill/>
         </p:spPr>
-        <p:txBody>
-          <a:bodyPr wrap="square" rtlCol="0">
-            <a:spAutoFit/>
+      </p:pic>
+      <p:sp>
+        <p:nvSpPr>
+          <p:cNvPr id="7" name="Content Placeholder 7"/>
+          <p:cNvSpPr txBox="1">
+            <a:spLocks/>
+          </p:cNvSpPr>
+          <p:nvPr/>
+        </p:nvSpPr>
+        <p:spPr>
+          <a:xfrm>
+            <a:off x="449581" y="2776859"/>
+            <a:ext cx="1888884" cy="933223"/>
+          </a:xfrm>
+          <a:prstGeom prst="rect">
+            <a:avLst/>
+          </a:prstGeom>
+        </p:spPr>
+        <p:txBody>
+          <a:bodyPr vert="horz" lIns="91440" tIns="45720" rIns="91440" bIns="45720" rtlCol="0" anchor="t">
+            <a:noAutofit/>
           </a:bodyPr>
-          <a:lstStyle/>
-          <a:p>
-            <a:r>
-              <a:rPr lang="en-CA" dirty="0" err="1"/>
-              <a:t>MinMax</a:t>
-            </a:r>
-            <a:r>
-              <a:rPr lang="en-CA" dirty="0"/>
-              <a:t>, </a:t>
-            </a:r>
-            <a:r>
-              <a:rPr lang="en-CA" dirty="0" err="1"/>
-              <a:t>KMeans</a:t>
-            </a:r>
-            <a:r>
-              <a:rPr lang="en-CA" dirty="0"/>
-              <a:t>, n = 4</a:t>
+          <a:lstStyle>
+            <a:lvl1pPr marL="285750" indent="-285750" algn="l" defTabSz="457200" rtl="0" eaLnBrk="1" latinLnBrk="0" hangingPunct="1">
+              <a:spcBef>
+                <a:spcPct val="20000"/>
+              </a:spcBef>
+              <a:spcAft>
+                <a:spcPts val="600"/>
+              </a:spcAft>
+              <a:buClr>
+                <a:schemeClr val="accent1">
+                  <a:lumMod val="75000"/>
+                </a:schemeClr>
+              </a:buClr>
+              <a:buSzPct val="145000"/>
+              <a:buFont typeface="Arial"/>
+              <a:buChar char="•"/>
+              <a:defRPr sz="2400" kern="1200" cap="none">
+                <a:solidFill>
+                  <a:schemeClr val="tx1"/>
+                </a:solidFill>
+                <a:effectLst/>
+                <a:latin typeface="+mn-lt"/>
+                <a:ea typeface="+mn-ea"/>
+                <a:cs typeface="+mn-cs"/>
+              </a:defRPr>
+            </a:lvl1pPr>
+            <a:lvl2pPr marL="742950" indent="-285750" algn="l" defTabSz="457200" rtl="0" eaLnBrk="1" latinLnBrk="0" hangingPunct="1">
+              <a:spcBef>
+                <a:spcPct val="20000"/>
+              </a:spcBef>
+              <a:spcAft>
+                <a:spcPts val="600"/>
+              </a:spcAft>
+              <a:buClr>
+                <a:schemeClr val="accent1">
+                  <a:lumMod val="75000"/>
+                </a:schemeClr>
+              </a:buClr>
+              <a:buSzPct val="145000"/>
+              <a:buFont typeface="Arial"/>
+              <a:buChar char="•"/>
+              <a:defRPr sz="2000" kern="1200" cap="none">
+                <a:solidFill>
+                  <a:schemeClr val="tx1"/>
+                </a:solidFill>
+                <a:effectLst/>
+                <a:latin typeface="+mn-lt"/>
+                <a:ea typeface="+mn-ea"/>
+                <a:cs typeface="+mn-cs"/>
+              </a:defRPr>
+            </a:lvl2pPr>
+            <a:lvl3pPr marL="1200150" indent="-285750" algn="l" defTabSz="457200" rtl="0" eaLnBrk="1" latinLnBrk="0" hangingPunct="1">
+              <a:spcBef>
+                <a:spcPct val="20000"/>
+              </a:spcBef>
+              <a:spcAft>
+                <a:spcPts val="600"/>
+              </a:spcAft>
+              <a:buClr>
+                <a:schemeClr val="accent1">
+                  <a:lumMod val="75000"/>
+                </a:schemeClr>
+              </a:buClr>
+              <a:buSzPct val="145000"/>
+              <a:buFont typeface="Arial"/>
+              <a:buChar char="•"/>
+              <a:defRPr sz="1800" kern="1200" cap="none">
+                <a:solidFill>
+                  <a:schemeClr val="tx1"/>
+                </a:solidFill>
+                <a:effectLst/>
+                <a:latin typeface="+mn-lt"/>
+                <a:ea typeface="+mn-ea"/>
+                <a:cs typeface="+mn-cs"/>
+              </a:defRPr>
+            </a:lvl3pPr>
+            <a:lvl4pPr marL="1543050" indent="-171450" algn="l" defTabSz="457200" rtl="0" eaLnBrk="1" latinLnBrk="0" hangingPunct="1">
+              <a:spcBef>
+                <a:spcPct val="20000"/>
+              </a:spcBef>
+              <a:spcAft>
+                <a:spcPts val="600"/>
+              </a:spcAft>
+              <a:buClr>
+                <a:schemeClr val="accent1">
+                  <a:lumMod val="75000"/>
+                </a:schemeClr>
+              </a:buClr>
+              <a:buSzPct val="145000"/>
+              <a:buFont typeface="Arial"/>
+              <a:buChar char="•"/>
+              <a:defRPr sz="1600" kern="1200" cap="none">
+                <a:solidFill>
+                  <a:schemeClr val="tx1"/>
+                </a:solidFill>
+                <a:effectLst/>
+                <a:latin typeface="+mn-lt"/>
+                <a:ea typeface="+mn-ea"/>
+                <a:cs typeface="+mn-cs"/>
+              </a:defRPr>
+            </a:lvl4pPr>
+            <a:lvl5pPr marL="2000250" indent="-171450" algn="l" defTabSz="457200" rtl="0" eaLnBrk="1" latinLnBrk="0" hangingPunct="1">
+              <a:spcBef>
+                <a:spcPct val="20000"/>
+              </a:spcBef>
+              <a:spcAft>
+                <a:spcPts val="600"/>
+              </a:spcAft>
+              <a:buClr>
+                <a:schemeClr val="accent1">
+                  <a:lumMod val="75000"/>
+                </a:schemeClr>
+              </a:buClr>
+              <a:buSzPct val="145000"/>
+              <a:buFont typeface="Arial"/>
+              <a:buChar char="•"/>
+              <a:defRPr sz="1400" kern="1200" cap="none">
+                <a:solidFill>
+                  <a:schemeClr val="tx1"/>
+                </a:solidFill>
+                <a:effectLst/>
+                <a:latin typeface="+mn-lt"/>
+                <a:ea typeface="+mn-ea"/>
+                <a:cs typeface="+mn-cs"/>
+              </a:defRPr>
+            </a:lvl5pPr>
+            <a:lvl6pPr marL="2514600" indent="-228600" algn="l" defTabSz="457200" rtl="0" eaLnBrk="1" latinLnBrk="0" hangingPunct="1">
+              <a:spcBef>
+                <a:spcPct val="20000"/>
+              </a:spcBef>
+              <a:spcAft>
+                <a:spcPts val="600"/>
+              </a:spcAft>
+              <a:buClr>
+                <a:schemeClr val="accent1">
+                  <a:lumMod val="75000"/>
+                </a:schemeClr>
+              </a:buClr>
+              <a:buSzPct val="145000"/>
+              <a:buFont typeface="Arial"/>
+              <a:buChar char="•"/>
+              <a:defRPr sz="1400" kern="1200" cap="none">
+                <a:solidFill>
+                  <a:schemeClr val="tx1"/>
+                </a:solidFill>
+                <a:effectLst/>
+                <a:latin typeface="+mn-lt"/>
+                <a:ea typeface="+mn-ea"/>
+                <a:cs typeface="+mn-cs"/>
+              </a:defRPr>
+            </a:lvl6pPr>
+            <a:lvl7pPr marL="2971800" indent="-228600" algn="l" defTabSz="457200" rtl="0" eaLnBrk="1" latinLnBrk="0" hangingPunct="1">
+              <a:spcBef>
+                <a:spcPct val="20000"/>
+              </a:spcBef>
+              <a:spcAft>
+                <a:spcPts val="600"/>
+              </a:spcAft>
+              <a:buClr>
+                <a:schemeClr val="accent1">
+                  <a:lumMod val="75000"/>
+                </a:schemeClr>
+              </a:buClr>
+              <a:buSzPct val="145000"/>
+              <a:buFont typeface="Arial"/>
+              <a:buChar char="•"/>
+              <a:defRPr sz="1400" kern="1200" cap="none">
+                <a:solidFill>
+                  <a:schemeClr val="tx1"/>
+                </a:solidFill>
+                <a:effectLst/>
+                <a:latin typeface="+mn-lt"/>
+                <a:ea typeface="+mn-ea"/>
+                <a:cs typeface="+mn-cs"/>
+              </a:defRPr>
+            </a:lvl7pPr>
+            <a:lvl8pPr marL="3429000" indent="-228600" algn="l" defTabSz="457200" rtl="0" eaLnBrk="1" latinLnBrk="0" hangingPunct="1">
+              <a:spcBef>
+                <a:spcPct val="20000"/>
+              </a:spcBef>
+              <a:spcAft>
+                <a:spcPts val="600"/>
+              </a:spcAft>
+              <a:buClr>
+                <a:schemeClr val="accent1">
+                  <a:lumMod val="75000"/>
+                </a:schemeClr>
+              </a:buClr>
+              <a:buSzPct val="145000"/>
+              <a:buFont typeface="Arial"/>
+              <a:buChar char="•"/>
+              <a:defRPr sz="1400" kern="1200" cap="none">
+                <a:solidFill>
+                  <a:schemeClr val="tx1"/>
+                </a:solidFill>
+                <a:effectLst/>
+                <a:latin typeface="+mn-lt"/>
+                <a:ea typeface="+mn-ea"/>
+                <a:cs typeface="+mn-cs"/>
+              </a:defRPr>
+            </a:lvl8pPr>
+            <a:lvl9pPr marL="3886200" indent="-228600" algn="l" defTabSz="457200" rtl="0" eaLnBrk="1" latinLnBrk="0" hangingPunct="1">
+              <a:spcBef>
+                <a:spcPct val="20000"/>
+              </a:spcBef>
+              <a:spcAft>
+                <a:spcPts val="600"/>
+              </a:spcAft>
+              <a:buClr>
+                <a:schemeClr val="accent1">
+                  <a:lumMod val="75000"/>
+                </a:schemeClr>
+              </a:buClr>
+              <a:buSzPct val="145000"/>
+              <a:buFont typeface="Arial"/>
+              <a:buChar char="•"/>
+              <a:defRPr sz="1400" kern="1200" cap="none">
+                <a:solidFill>
+                  <a:schemeClr val="tx1"/>
+                </a:solidFill>
+                <a:effectLst/>
+                <a:latin typeface="+mn-lt"/>
+                <a:ea typeface="+mn-ea"/>
+                <a:cs typeface="+mn-cs"/>
+              </a:defRPr>
+            </a:lvl9pPr>
+          </a:lstStyle>
+          <a:p>
+            <a:pPr marL="0" indent="0" algn="ctr">
+              <a:buNone/>
+            </a:pPr>
+            <a:r>
+              <a:rPr lang="en-CA" sz="1800" dirty="0" err="1"/>
+              <a:t>RandomForest</a:t>
+            </a:r>
+            <a:r>
+              <a:rPr lang="en-CA" sz="1800" dirty="0"/>
+              <a:t> </a:t>
+            </a:r>
+          </a:p>
+          <a:p>
+            <a:pPr marL="0" indent="0" algn="ctr">
+              <a:buNone/>
+            </a:pPr>
+            <a:r>
+              <a:rPr lang="en-CA" sz="1800" dirty="0"/>
+              <a:t>Accuracy = 0.85</a:t>
             </a:r>
           </a:p>
         </p:txBody>
@@ -11212,7 +11470,7 @@
     </p:spTree>
     <p:extLst>
       <p:ext uri="{BB962C8B-B14F-4D97-AF65-F5344CB8AC3E}">
-        <p14:creationId xmlns:p14="http://schemas.microsoft.com/office/powerpoint/2010/main" val="1811022527"/>
+        <p14:creationId xmlns:p14="http://schemas.microsoft.com/office/powerpoint/2010/main" val="2995662968"/>
       </p:ext>
     </p:extLst>
   </p:cSld>
@@ -11280,13 +11538,13 @@
         </p:nvSpPr>
         <p:spPr>
           <a:xfrm>
-            <a:off x="1484310" y="1752599"/>
+            <a:off x="516570" y="1752599"/>
             <a:ext cx="10018713" cy="3863332"/>
           </a:xfrm>
         </p:spPr>
         <p:txBody>
           <a:bodyPr anchor="t">
-            <a:normAutofit fontScale="92500" lnSpcReduction="10000"/>
+            <a:normAutofit/>
           </a:bodyPr>
           <a:lstStyle/>
           <a:p>
@@ -11295,6 +11553,18 @@
           <a:p>
             <a:r>
               <a:rPr lang="en-CA" sz="3600" dirty="0"/>
+              <a:t>Pipeline debugging</a:t>
+            </a:r>
+          </a:p>
+          <a:p>
+            <a:endParaRPr lang="en-CA" sz="3600" dirty="0"/>
+          </a:p>
+          <a:p>
+            <a:endParaRPr lang="en-CA" sz="3600" dirty="0"/>
+          </a:p>
+          <a:p>
+            <a:r>
+              <a:rPr lang="en-CA" sz="3600" dirty="0"/>
               <a:t>Adding engineered features into pipeline</a:t>
             </a:r>
           </a:p>
@@ -11302,19 +11572,7 @@
             <a:endParaRPr lang="en-CA" sz="3600" dirty="0"/>
           </a:p>
           <a:p>
-            <a:r>
-              <a:rPr lang="en-CA" sz="3600" dirty="0"/>
-              <a:t>Pipeline debugging</a:t>
-            </a:r>
-          </a:p>
-          <a:p>
             <a:endParaRPr lang="en-CA" sz="3600" dirty="0"/>
-          </a:p>
-          <a:p>
-            <a:r>
-              <a:rPr lang="en-CA" sz="3600" dirty="0"/>
-              <a:t>Code reusability</a:t>
-            </a:r>
           </a:p>
           <a:p>
             <a:endParaRPr lang="en-CA" sz="3600" dirty="0"/>
@@ -11335,9 +11593,9 @@
 </file>
 
 <file path=ppt/theme/theme1.xml><?xml version="1.0" encoding="utf-8"?>
-<a:theme xmlns:a="http://schemas.openxmlformats.org/drawingml/2006/main" name="Parallax">
+<a:theme xmlns:a="http://schemas.openxmlformats.org/drawingml/2006/main" name="Facet">
   <a:themeElements>
-    <a:clrScheme name="Parallax">
+    <a:clrScheme name="Facet">
       <a:dk1>
         <a:sysClr val="windowText" lastClr="000000"/>
       </a:dk1>
@@ -11345,48 +11603,48 @@
         <a:sysClr val="window" lastClr="FFFFFF"/>
       </a:lt1>
       <a:dk2>
-        <a:srgbClr val="212121"/>
+        <a:srgbClr val="2C3C43"/>
       </a:dk2>
       <a:lt2>
-        <a:srgbClr val="CDD0D1"/>
+        <a:srgbClr val="EBEBEB"/>
       </a:lt2>
       <a:accent1>
-        <a:srgbClr val="30ACEC"/>
+        <a:srgbClr val="90C226"/>
       </a:accent1>
       <a:accent2>
-        <a:srgbClr val="80C34F"/>
+        <a:srgbClr val="54A021"/>
       </a:accent2>
       <a:accent3>
-        <a:srgbClr val="E29D3E"/>
+        <a:srgbClr val="E6B91E"/>
       </a:accent3>
       <a:accent4>
-        <a:srgbClr val="D64A3B"/>
+        <a:srgbClr val="E76618"/>
       </a:accent4>
       <a:accent5>
-        <a:srgbClr val="D64787"/>
+        <a:srgbClr val="C42F1A"/>
       </a:accent5>
       <a:accent6>
-        <a:srgbClr val="A666E1"/>
+        <a:srgbClr val="918655"/>
       </a:accent6>
       <a:hlink>
-        <a:srgbClr val="3085ED"/>
+        <a:srgbClr val="99CA3C"/>
       </a:hlink>
       <a:folHlink>
-        <a:srgbClr val="82B6F4"/>
+        <a:srgbClr val="B9D181"/>
       </a:folHlink>
     </a:clrScheme>
-    <a:fontScheme name="Parallax">
+    <a:fontScheme name="Facet">
       <a:majorFont>
-        <a:latin typeface="Corbel" panose="020B0503020204020204"/>
+        <a:latin typeface="Trebuchet MS" panose="020B0603020202020204"/>
         <a:ea typeface=""/>
         <a:cs typeface=""/>
-        <a:font script="Jpan" typeface="HGｺﾞｼｯｸM"/>
-        <a:font script="Hang" typeface="HY엽서L"/>
-        <a:font script="Hans" typeface="华文楷体"/>
-        <a:font script="Hant" typeface="新細明體"/>
+        <a:font script="Jpan" typeface="メイリオ"/>
+        <a:font script="Hang" typeface="맑은 고딕"/>
+        <a:font script="Hans" typeface="方正姚体"/>
+        <a:font script="Hant" typeface="微軟正黑體"/>
         <a:font script="Arab" typeface="Tahoma"/>
-        <a:font script="Hebr" typeface="Miriam"/>
-        <a:font script="Thai" typeface="DilleniaUPC"/>
+        <a:font script="Hebr" typeface="Arial"/>
+        <a:font script="Thai" typeface="Cordia New"/>
         <a:font script="Ethi" typeface="Nyala"/>
         <a:font script="Beng" typeface="Vrinda"/>
         <a:font script="Gujr" typeface="Shruti"/>
@@ -11407,21 +11665,21 @@
         <a:font script="Laoo" typeface="DokChampa"/>
         <a:font script="Sinh" typeface="Iskoola Pota"/>
         <a:font script="Mong" typeface="Mongolian Baiti"/>
-        <a:font script="Viet" typeface="Arial"/>
+        <a:font script="Viet" typeface="Tahoma"/>
         <a:font script="Uigh" typeface="Microsoft Uighur"/>
         <a:font script="Geor" typeface="Sylfaen"/>
       </a:majorFont>
       <a:minorFont>
-        <a:latin typeface="Corbel" panose="020B0503020204020204"/>
+        <a:latin typeface="Trebuchet MS" panose="020B0603020202020204"/>
         <a:ea typeface=""/>
         <a:cs typeface=""/>
-        <a:font script="Jpan" typeface="HGｺﾞｼｯｸM"/>
-        <a:font script="Hang" typeface="HY엽서L"/>
-        <a:font script="Hans" typeface="华文楷体"/>
-        <a:font script="Hant" typeface="新細明體"/>
+        <a:font script="Jpan" typeface="メイリオ"/>
+        <a:font script="Hang" typeface="HY그래픽M"/>
+        <a:font script="Hans" typeface="华文新魏"/>
+        <a:font script="Hant" typeface="微軟正黑體"/>
         <a:font script="Arab" typeface="Tahoma"/>
-        <a:font script="Hebr" typeface="Miriam"/>
-        <a:font script="Thai" typeface="DilleniaUPC"/>
+        <a:font script="Hebr" typeface="Gisha"/>
+        <a:font script="Thai" typeface="IrisUPC"/>
         <a:font script="Ethi" typeface="Nyala"/>
         <a:font script="Beng" typeface="Vrinda"/>
         <a:font script="Gujr" typeface="Shruti"/>
@@ -11447,7 +11705,7 @@
         <a:font script="Geor" typeface="Sylfaen"/>
       </a:minorFont>
     </a:fontScheme>
-    <a:fmtScheme name="Parallax">
+    <a:fmtScheme name="Facet">
       <a:fillStyleLst>
         <a:solidFill>
           <a:schemeClr val="phClr"/>
@@ -11456,13 +11714,13 @@
           <a:gsLst>
             <a:gs pos="0">
               <a:schemeClr val="phClr">
-                <a:tint val="60000"/>
-                <a:lumMod val="104000"/>
+                <a:tint val="65000"/>
+                <a:lumMod val="110000"/>
               </a:schemeClr>
             </a:gs>
-            <a:gs pos="100000">
+            <a:gs pos="88000">
               <a:schemeClr val="phClr">
-                <a:tint val="84000"/>
+                <a:tint val="90000"/>
               </a:schemeClr>
             </a:gs>
           </a:gsLst>
@@ -11473,37 +11731,33 @@
             <a:gs pos="0">
               <a:schemeClr val="phClr">
                 <a:tint val="96000"/>
-                <a:lumMod val="102000"/>
+                <a:lumMod val="100000"/>
               </a:schemeClr>
             </a:gs>
-            <a:gs pos="100000">
+            <a:gs pos="78000">
               <a:schemeClr val="phClr">
-                <a:shade val="88000"/>
+                <a:shade val="94000"/>
                 <a:lumMod val="94000"/>
               </a:schemeClr>
             </a:gs>
           </a:gsLst>
-          <a:path path="circle">
-            <a:fillToRect l="50000" t="100000" r="100000" b="50000"/>
-          </a:path>
+          <a:lin ang="5400000" scaled="0"/>
         </a:gradFill>
       </a:fillStyleLst>
       <a:lnStyleLst>
-        <a:ln w="9525" cap="rnd" cmpd="sng" algn="ctr">
-          <a:solidFill>
-            <a:schemeClr val="phClr">
-              <a:tint val="60000"/>
-            </a:schemeClr>
-          </a:solidFill>
-          <a:prstDash val="solid"/>
-        </a:ln>
-        <a:ln w="15875" cap="rnd" cmpd="sng" algn="ctr">
+        <a:ln w="12700" cap="rnd" cmpd="sng" algn="ctr">
           <a:solidFill>
             <a:schemeClr val="phClr"/>
           </a:solidFill>
           <a:prstDash val="solid"/>
         </a:ln>
-        <a:ln w="22225" cap="rnd" cmpd="sng" algn="ctr">
+        <a:ln w="19050" cap="rnd" cmpd="sng" algn="ctr">
+          <a:solidFill>
+            <a:schemeClr val="phClr"/>
+          </a:solidFill>
+          <a:prstDash val="solid"/>
+        </a:ln>
+        <a:ln w="25400" cap="rnd" cmpd="sng" algn="ctr">
           <a:solidFill>
             <a:schemeClr val="phClr"/>
           </a:solidFill>
@@ -11516,14 +11770,18 @@
         </a:effectStyle>
         <a:effectStyle>
           <a:effectLst>
-            <a:reflection blurRad="12700" stA="26000" endPos="32000" dist="12700" dir="5400000" sy="-100000" rotWithShape="0"/>
+            <a:outerShdw blurRad="38100" dist="25400" dir="5400000" rotWithShape="0">
+              <a:srgbClr val="000000">
+                <a:alpha val="35000"/>
+              </a:srgbClr>
+            </a:outerShdw>
           </a:effectLst>
         </a:effectStyle>
         <a:effectStyle>
           <a:effectLst>
-            <a:outerShdw blurRad="38100" dist="25400" dir="5400000" rotWithShape="0">
+            <a:outerShdw blurRad="50800" dist="38100" dir="5400000" rotWithShape="0">
               <a:srgbClr val="000000">
-                <a:alpha val="64000"/>
+                <a:alpha val="35000"/>
               </a:srgbClr>
             </a:outerShdw>
           </a:effectLst>
@@ -11531,12 +11789,10 @@
             <a:camera prst="orthographicFront">
               <a:rot lat="0" lon="0" rev="0"/>
             </a:camera>
-            <a:lightRig rig="threePt" dir="tl">
-              <a:rot lat="0" lon="0" rev="1200000"/>
-            </a:lightRig>
+            <a:lightRig rig="threePt" dir="tl"/>
           </a:scene3d>
-          <a:sp3d>
-            <a:bevelT w="25400" h="12700"/>
+          <a:sp3d prstMaterial="plastic">
+            <a:bevelT w="0" h="0"/>
           </a:sp3d>
         </a:effectStyle>
       </a:effectStyleLst>
@@ -11549,34 +11805,37 @@
             <a:gs pos="0">
               <a:schemeClr val="phClr">
                 <a:tint val="90000"/>
+                <a:lumMod val="104000"/>
+              </a:schemeClr>
+            </a:gs>
+            <a:gs pos="94000">
+              <a:schemeClr val="phClr">
+                <a:shade val="96000"/>
+                <a:lumMod val="82000"/>
+              </a:schemeClr>
+            </a:gs>
+          </a:gsLst>
+          <a:lin ang="5400000" scaled="0"/>
+        </a:gradFill>
+        <a:gradFill rotWithShape="1">
+          <a:gsLst>
+            <a:gs pos="0">
+              <a:schemeClr val="phClr">
+                <a:tint val="90000"/>
                 <a:lumMod val="110000"/>
               </a:schemeClr>
             </a:gs>
             <a:gs pos="100000">
               <a:schemeClr val="phClr">
-                <a:shade val="64000"/>
-                <a:lumMod val="98000"/>
+                <a:shade val="94000"/>
+                <a:lumMod val="96000"/>
               </a:schemeClr>
             </a:gs>
           </a:gsLst>
-          <a:lin ang="5400000" scaled="0"/>
+          <a:path path="circle">
+            <a:fillToRect l="50000" t="50000" r="100000" b="100000"/>
+          </a:path>
         </a:gradFill>
-        <a:blipFill rotWithShape="1">
-          <a:blip xmlns:r="http://schemas.openxmlformats.org/officeDocument/2006/relationships" r:embed="rId1">
-            <a:duotone>
-              <a:schemeClr val="phClr">
-                <a:shade val="76000"/>
-                <a:satMod val="180000"/>
-              </a:schemeClr>
-              <a:schemeClr val="phClr">
-                <a:tint val="80000"/>
-                <a:satMod val="120000"/>
-                <a:lumMod val="180000"/>
-              </a:schemeClr>
-            </a:duotone>
-          </a:blip>
-          <a:stretch/>
-        </a:blipFill>
       </a:bgFillStyleLst>
     </a:fmtScheme>
   </a:themeElements>
@@ -11584,7 +11843,7 @@
   <a:extraClrSchemeLst/>
   <a:extLst>
     <a:ext uri="{05A4C25C-085E-4340-85A3-A5531E510DB2}">
-      <thm15:themeFamily xmlns:thm15="http://schemas.microsoft.com/office/thememl/2012/main" name="Parallax" id="{3388167B-A2EB-4685-9635-1831D9AEF8C4}" vid="{4F7A876A-7598-49CA-AFC8-8EDA2551E4A7}"/>
+      <thm15:themeFamily xmlns:thm15="http://schemas.microsoft.com/office/thememl/2012/main" name="Facet" id="{C0C680CD-088A-49FC-A102-D699147F32B2}" vid="{CFBC31BA-B70F-4F30-BCAA-4F3011E16C4D}"/>
     </a:ext>
   </a:extLst>
 </a:theme>
